--- a/presentations/ix_osdi_poster.pptx
+++ b/presentations/ix_osdi_poster.pptx
@@ -192,7 +192,7 @@
           <a:p>
             <a:fld id="{20324BB5-C07C-4845-B203-2C5B171FEF55}" type="datetimeFigureOut">
               <a:rPr lang="en-US" smtClean="0"/>
-              <a:t>2014-09-29</a:t>
+              <a:t>9/30/2014</a:t>
             </a:fld>
             <a:endParaRPr lang="en-US" dirty="0"/>
           </a:p>
@@ -725,7 +725,7 @@
           <a:p>
             <a:fld id="{333FEEA5-1C33-A546-B0CB-742BBF77893D}" type="datetimeFigureOut">
               <a:rPr lang="en-US" smtClean="0"/>
-              <a:t>2014-09-29</a:t>
+              <a:t>9/30/2014</a:t>
             </a:fld>
             <a:endParaRPr lang="en-US" dirty="0"/>
           </a:p>
@@ -895,7 +895,7 @@
           <a:p>
             <a:fld id="{333FEEA5-1C33-A546-B0CB-742BBF77893D}" type="datetimeFigureOut">
               <a:rPr lang="en-US" smtClean="0"/>
-              <a:t>2014-09-29</a:t>
+              <a:t>9/30/2014</a:t>
             </a:fld>
             <a:endParaRPr lang="en-US" dirty="0"/>
           </a:p>
@@ -1075,7 +1075,7 @@
           <a:p>
             <a:fld id="{333FEEA5-1C33-A546-B0CB-742BBF77893D}" type="datetimeFigureOut">
               <a:rPr lang="en-US" smtClean="0"/>
-              <a:t>2014-09-29</a:t>
+              <a:t>9/30/2014</a:t>
             </a:fld>
             <a:endParaRPr lang="en-US" dirty="0"/>
           </a:p>
@@ -1245,7 +1245,7 @@
           <a:p>
             <a:fld id="{333FEEA5-1C33-A546-B0CB-742BBF77893D}" type="datetimeFigureOut">
               <a:rPr lang="en-US" smtClean="0"/>
-              <a:t>2014-09-29</a:t>
+              <a:t>9/30/2014</a:t>
             </a:fld>
             <a:endParaRPr lang="en-US" dirty="0"/>
           </a:p>
@@ -1491,7 +1491,7 @@
           <a:p>
             <a:fld id="{333FEEA5-1C33-A546-B0CB-742BBF77893D}" type="datetimeFigureOut">
               <a:rPr lang="en-US" smtClean="0"/>
-              <a:t>2014-09-29</a:t>
+              <a:t>9/30/2014</a:t>
             </a:fld>
             <a:endParaRPr lang="en-US" dirty="0"/>
           </a:p>
@@ -1779,7 +1779,7 @@
           <a:p>
             <a:fld id="{333FEEA5-1C33-A546-B0CB-742BBF77893D}" type="datetimeFigureOut">
               <a:rPr lang="en-US" smtClean="0"/>
-              <a:t>2014-09-29</a:t>
+              <a:t>9/30/2014</a:t>
             </a:fld>
             <a:endParaRPr lang="en-US" dirty="0"/>
           </a:p>
@@ -2206,7 +2206,7 @@
           <a:p>
             <a:fld id="{333FEEA5-1C33-A546-B0CB-742BBF77893D}" type="datetimeFigureOut">
               <a:rPr lang="en-US" smtClean="0"/>
-              <a:t>2014-09-29</a:t>
+              <a:t>9/30/2014</a:t>
             </a:fld>
             <a:endParaRPr lang="en-US" dirty="0"/>
           </a:p>
@@ -2324,7 +2324,7 @@
           <a:p>
             <a:fld id="{333FEEA5-1C33-A546-B0CB-742BBF77893D}" type="datetimeFigureOut">
               <a:rPr lang="en-US" smtClean="0"/>
-              <a:t>2014-09-29</a:t>
+              <a:t>9/30/2014</a:t>
             </a:fld>
             <a:endParaRPr lang="en-US" dirty="0"/>
           </a:p>
@@ -2419,7 +2419,7 @@
           <a:p>
             <a:fld id="{333FEEA5-1C33-A546-B0CB-742BBF77893D}" type="datetimeFigureOut">
               <a:rPr lang="en-US" smtClean="0"/>
-              <a:t>2014-09-29</a:t>
+              <a:t>9/30/2014</a:t>
             </a:fld>
             <a:endParaRPr lang="en-US" dirty="0"/>
           </a:p>
@@ -2696,7 +2696,7 @@
           <a:p>
             <a:fld id="{333FEEA5-1C33-A546-B0CB-742BBF77893D}" type="datetimeFigureOut">
               <a:rPr lang="en-US" smtClean="0"/>
-              <a:t>2014-09-29</a:t>
+              <a:t>9/30/2014</a:t>
             </a:fld>
             <a:endParaRPr lang="en-US" dirty="0"/>
           </a:p>
@@ -2949,7 +2949,7 @@
           <a:p>
             <a:fld id="{333FEEA5-1C33-A546-B0CB-742BBF77893D}" type="datetimeFigureOut">
               <a:rPr lang="en-US" smtClean="0"/>
-              <a:t>2014-09-29</a:t>
+              <a:t>9/30/2014</a:t>
             </a:fld>
             <a:endParaRPr lang="en-US" dirty="0"/>
           </a:p>
@@ -3162,7 +3162,7 @@
           <a:p>
             <a:fld id="{333FEEA5-1C33-A546-B0CB-742BBF77893D}" type="datetimeFigureOut">
               <a:rPr lang="en-US" smtClean="0"/>
-              <a:t>2014-09-29</a:t>
+              <a:t>9/30/2014</a:t>
             </a:fld>
             <a:endParaRPr lang="en-US" dirty="0"/>
           </a:p>
@@ -3705,8 +3705,8 @@
         </p:nvSpPr>
         <p:spPr>
           <a:xfrm>
-            <a:off x="793750" y="5976584"/>
-            <a:ext cx="8379279" cy="5324535"/>
+            <a:off x="675290" y="5948009"/>
+            <a:ext cx="8944964" cy="4524315"/>
           </a:xfrm>
           <a:prstGeom prst="rect">
             <a:avLst/>
@@ -3721,32 +3721,22 @@
           <a:p>
             <a:pPr algn="ctr"/>
             <a:r>
-              <a:rPr lang="en-US" sz="4000" dirty="0" smtClean="0">
+              <a:rPr lang="en-US" sz="4400" dirty="0" smtClean="0">
                 <a:solidFill>
                   <a:srgbClr val="C00000"/>
                 </a:solidFill>
               </a:rPr>
-              <a:t>Introduction</a:t>
-            </a:r>
+              <a:t>Datacenter applications require:</a:t>
+            </a:r>
+            <a:endParaRPr lang="en-US" sz="4400" dirty="0" smtClean="0">
+              <a:solidFill>
+                <a:srgbClr val="C00000"/>
+              </a:solidFill>
+            </a:endParaRPr>
           </a:p>
           <a:p>
             <a:pPr algn="ctr"/>
             <a:endParaRPr lang="en-US" sz="1200" dirty="0" smtClean="0"/>
-          </a:p>
-          <a:p>
-            <a:r>
-              <a:rPr lang="en-US" sz="3200" dirty="0" smtClean="0"/>
-              <a:t>Datacenter </a:t>
-            </a:r>
-            <a:r>
-              <a:rPr lang="en-US" sz="3200" dirty="0"/>
-              <a:t>applications </a:t>
-            </a:r>
-            <a:r>
-              <a:rPr lang="en-US" sz="3200" dirty="0" smtClean="0"/>
-              <a:t>such as search and social networking are redefining the requirements for systems software networking stacks:</a:t>
-            </a:r>
-            <a:endParaRPr lang="en-US" sz="3200" dirty="0"/>
           </a:p>
           <a:p>
             <a:pPr marL="1214437" indent="-742950">
@@ -3754,15 +3744,15 @@
               <a:buAutoNum type="arabicPeriod"/>
             </a:pPr>
             <a:r>
-              <a:rPr lang="en-US" sz="3200" dirty="0" smtClean="0"/>
+              <a:rPr lang="en-US" sz="3900" dirty="0" smtClean="0"/>
               <a:t>Microsecond </a:t>
             </a:r>
             <a:r>
-              <a:rPr lang="en-US" sz="3200" dirty="0"/>
+              <a:rPr lang="en-US" sz="3900" dirty="0"/>
               <a:t>tail </a:t>
             </a:r>
             <a:r>
-              <a:rPr lang="en-US" sz="3200" dirty="0" smtClean="0"/>
+              <a:rPr lang="en-US" sz="3900" dirty="0" smtClean="0"/>
               <a:t>latency</a:t>
             </a:r>
           </a:p>
@@ -3772,14 +3762,18 @@
               <a:buAutoNum type="arabicPeriod"/>
             </a:pPr>
             <a:r>
-              <a:rPr lang="en-US" sz="3200" dirty="0" smtClean="0"/>
+              <a:rPr lang="en-US" sz="3900" dirty="0" smtClean="0"/>
               <a:t>High </a:t>
             </a:r>
             <a:r>
-              <a:rPr lang="en-US" sz="3200" dirty="0"/>
-              <a:t>packet rates for short messages</a:t>
-            </a:r>
-            <a:endParaRPr lang="en-US" sz="3200" dirty="0">
+              <a:rPr lang="en-US" sz="3900" dirty="0"/>
+              <a:t>packet </a:t>
+            </a:r>
+            <a:r>
+              <a:rPr lang="en-US" sz="3900" dirty="0" smtClean="0"/>
+              <a:t>rates</a:t>
+            </a:r>
+            <a:endParaRPr lang="en-US" sz="3900" dirty="0">
               <a:solidFill>
                 <a:srgbClr val="FF0000"/>
               </a:solidFill>
@@ -3791,7 +3785,7 @@
               <a:buAutoNum type="arabicPeriod"/>
             </a:pPr>
             <a:r>
-              <a:rPr lang="en-US" sz="3200" dirty="0" smtClean="0"/>
+              <a:rPr lang="en-US" sz="3900" dirty="0" smtClean="0"/>
               <a:t>Connection scalability</a:t>
             </a:r>
           </a:p>
@@ -3801,10 +3795,10 @@
               <a:buAutoNum type="arabicPeriod"/>
             </a:pPr>
             <a:r>
-              <a:rPr lang="en-US" sz="3200" dirty="0" smtClean="0"/>
+              <a:rPr lang="en-US" sz="3900" dirty="0" smtClean="0"/>
               <a:t>Protection</a:t>
             </a:r>
-            <a:endParaRPr lang="en-US" sz="3200" dirty="0">
+            <a:endParaRPr lang="en-US" sz="3900" dirty="0">
               <a:solidFill>
                 <a:srgbClr val="FF0000"/>
               </a:solidFill>
@@ -3816,14 +3810,14 @@
               <a:buAutoNum type="arabicPeriod"/>
             </a:pPr>
             <a:r>
-              <a:rPr lang="en-US" sz="3200" dirty="0"/>
+              <a:rPr lang="en-US" sz="3900" dirty="0"/>
               <a:t>Resource </a:t>
             </a:r>
             <a:r>
-              <a:rPr lang="en-US" sz="3200" dirty="0" smtClean="0"/>
+              <a:rPr lang="en-US" sz="3900" dirty="0" smtClean="0"/>
               <a:t>efficiency</a:t>
             </a:r>
-            <a:endParaRPr lang="en-US" sz="3200" dirty="0"/>
+            <a:endParaRPr lang="en-US" sz="3900" dirty="0"/>
           </a:p>
           <a:p>
             <a:pPr algn="ctr"/>
@@ -3839,8 +3833,8 @@
         </p:nvSpPr>
         <p:spPr>
           <a:xfrm>
-            <a:off x="18293010" y="6033203"/>
-            <a:ext cx="8909973" cy="4832092"/>
+            <a:off x="18293011" y="5925253"/>
+            <a:ext cx="8376988" cy="4970591"/>
           </a:xfrm>
           <a:prstGeom prst="rect">
             <a:avLst/>
@@ -3855,7 +3849,7 @@
           <a:p>
             <a:pPr algn="ctr"/>
             <a:r>
-              <a:rPr lang="en-US" sz="4000" dirty="0" smtClean="0">
+              <a:rPr lang="en-US" sz="4400" dirty="0" smtClean="0">
                 <a:solidFill>
                   <a:srgbClr val="C00000"/>
                 </a:solidFill>
@@ -3864,17 +3858,17 @@
             </a:r>
           </a:p>
           <a:p>
-            <a:pPr algn="ctr"/>
-            <a:endParaRPr lang="en-US" sz="1200" dirty="0" smtClean="0"/>
-          </a:p>
-          <a:p>
             <a:pPr marL="457200" indent="-457200">
               <a:buFont typeface="Arial"/>
               <a:buChar char="•"/>
             </a:pPr>
             <a:r>
-              <a:rPr lang="en-US" sz="3200" b="1" dirty="0" smtClean="0"/>
-              <a:t>Bypass the kernel</a:t>
+              <a:rPr lang="en-US" sz="3900" b="1" dirty="0" smtClean="0"/>
+              <a:t>Bypass </a:t>
+            </a:r>
+            <a:r>
+              <a:rPr lang="en-US" sz="3900" b="1" dirty="0" smtClean="0"/>
+              <a:t>the kernel</a:t>
             </a:r>
           </a:p>
           <a:p>
@@ -3883,8 +3877,16 @@
               <a:buChar char="•"/>
             </a:pPr>
             <a:r>
-              <a:rPr lang="en-US" sz="3200" dirty="0" smtClean="0"/>
-              <a:t>User-level stack (e.g. Openonload, mTCP)</a:t>
+              <a:rPr lang="en-US" sz="3900" dirty="0" smtClean="0"/>
+              <a:t>User-level stack (e.g. </a:t>
+            </a:r>
+            <a:r>
+              <a:rPr lang="en-US" sz="3900" dirty="0" smtClean="0"/>
+              <a:t>mTCP</a:t>
+            </a:r>
+            <a:r>
+              <a:rPr lang="en-US" sz="3900" dirty="0" smtClean="0"/>
+              <a:t>)</a:t>
             </a:r>
           </a:p>
           <a:p>
@@ -3893,24 +3895,16 @@
               <a:buChar char="•"/>
             </a:pPr>
             <a:r>
-              <a:rPr lang="en-US" sz="3200" dirty="0" smtClean="0"/>
-              <a:t>Offload networking to HW (e.g.</a:t>
-            </a:r>
-            <a:r>
-              <a:rPr lang="en-US" sz="1800" dirty="0" smtClean="0"/>
-              <a:t> </a:t>
-            </a:r>
-            <a:r>
-              <a:rPr lang="en-US" sz="3200" dirty="0" smtClean="0"/>
-              <a:t>RDMA,</a:t>
-            </a:r>
-            <a:r>
-              <a:rPr lang="en-US" sz="1800" dirty="0" smtClean="0"/>
-              <a:t> </a:t>
-            </a:r>
-            <a:r>
-              <a:rPr lang="en-US" sz="3200" dirty="0" smtClean="0"/>
-              <a:t>TOE)</a:t>
+              <a:rPr lang="en-US" sz="3900" dirty="0" smtClean="0"/>
+              <a:t>Offload </a:t>
+            </a:r>
+            <a:r>
+              <a:rPr lang="en-US" sz="3900" dirty="0" smtClean="0"/>
+              <a:t>to </a:t>
+            </a:r>
+            <a:r>
+              <a:rPr lang="en-US" sz="3900" dirty="0" smtClean="0"/>
+              <a:t>HW (e.g. RDMA, TOE)</a:t>
             </a:r>
           </a:p>
           <a:p>
@@ -3919,7 +3913,7 @@
               <a:buChar char="•"/>
             </a:pPr>
             <a:r>
-              <a:rPr lang="en-US" sz="3200" dirty="0" smtClean="0"/>
+              <a:rPr lang="en-US" sz="3900" dirty="0" smtClean="0"/>
               <a:t>Replace TCP (e.g. UDP, Infiniband)</a:t>
             </a:r>
           </a:p>
@@ -3929,110 +3923,30 @@
               <a:buChar char="•"/>
             </a:pPr>
             <a:r>
-              <a:rPr lang="en-US" sz="3200" b="1" dirty="0" smtClean="0"/>
-              <a:t>Sacrifice security</a:t>
-            </a:r>
-          </a:p>
-          <a:p>
-            <a:pPr marL="914400" lvl="1" indent="-457200">
-              <a:buFont typeface="Arial"/>
-              <a:buChar char="•"/>
-            </a:pPr>
-            <a:r>
-              <a:rPr lang="en-US" sz="3200" dirty="0" smtClean="0">
-                <a:solidFill>
-                  <a:srgbClr val="000000"/>
-                </a:solidFill>
-              </a:rPr>
-              <a:t>Bandwidth metering, ACLs, flow control, firewalling, and protocol correctness</a:t>
-            </a:r>
-          </a:p>
-          <a:p>
-            <a:pPr marL="914400" lvl="1" indent="-457200">
-              <a:buFont typeface="Arial"/>
-              <a:buChar char="•"/>
-            </a:pPr>
-            <a:r>
-              <a:rPr lang="en-US" sz="3200" dirty="0" smtClean="0">
-                <a:solidFill>
-                  <a:srgbClr val="000000"/>
-                </a:solidFill>
-              </a:rPr>
-              <a:t>Policy enforcement limited by HW</a:t>
-            </a:r>
-          </a:p>
-        </p:txBody>
-      </p:sp>
-      <p:sp>
-        <p:nvSpPr>
-          <p:cNvPr id="15" name="TextBox 14"/>
-          <p:cNvSpPr txBox="1"/>
-          <p:nvPr/>
-        </p:nvSpPr>
-        <p:spPr>
-          <a:xfrm>
-            <a:off x="9454444" y="11180763"/>
-            <a:ext cx="8660694" cy="707886"/>
-          </a:xfrm>
-          <a:prstGeom prst="rect">
-            <a:avLst/>
-          </a:prstGeom>
-          <a:noFill/>
-        </p:spPr>
-        <p:txBody>
-          <a:bodyPr wrap="square" rtlCol="0">
-            <a:spAutoFit/>
-          </a:bodyPr>
-          <a:lstStyle/>
-          <a:p>
-            <a:pPr algn="ctr"/>
-            <a:r>
-              <a:rPr lang="en-US" sz="4000" dirty="0" smtClean="0">
-                <a:solidFill>
-                  <a:srgbClr val="0132BB"/>
-                </a:solidFill>
-              </a:rPr>
-              <a:t>IX System Architecture</a:t>
-            </a:r>
-            <a:endParaRPr lang="en-US" dirty="0" smtClean="0">
+              <a:rPr lang="en-US" sz="3900" dirty="0" smtClean="0"/>
+              <a:t>User-level networking and </a:t>
+            </a:r>
+            <a:r>
+              <a:rPr lang="en-US" sz="3900" dirty="0" smtClean="0"/>
+              <a:t>TCP alternatives </a:t>
+            </a:r>
+            <a:r>
+              <a:rPr lang="en-US" sz="3900" b="1" dirty="0" smtClean="0"/>
+              <a:t>s</a:t>
+            </a:r>
+            <a:r>
+              <a:rPr lang="en-US" sz="3900" b="1" dirty="0" smtClean="0"/>
+              <a:t>acrifice security </a:t>
+            </a:r>
+            <a:r>
+              <a:rPr lang="en-US" sz="3900" dirty="0" smtClean="0"/>
+              <a:t>and limit policy enforcement</a:t>
+            </a:r>
+            <a:endParaRPr lang="en-US" sz="3900" dirty="0" smtClean="0">
               <a:solidFill>
-                <a:srgbClr val="0132BB"/>
+                <a:srgbClr val="000000"/>
               </a:solidFill>
             </a:endParaRPr>
-          </a:p>
-        </p:txBody>
-      </p:sp>
-      <p:sp>
-        <p:nvSpPr>
-          <p:cNvPr id="16" name="TextBox 15"/>
-          <p:cNvSpPr txBox="1"/>
-          <p:nvPr/>
-        </p:nvSpPr>
-        <p:spPr>
-          <a:xfrm>
-            <a:off x="793750" y="17718178"/>
-            <a:ext cx="8001376" cy="707886"/>
-          </a:xfrm>
-          <a:prstGeom prst="rect">
-            <a:avLst/>
-          </a:prstGeom>
-          <a:noFill/>
-        </p:spPr>
-        <p:txBody>
-          <a:bodyPr wrap="square" rtlCol="0">
-            <a:spAutoFit/>
-          </a:bodyPr>
-          <a:lstStyle/>
-          <a:p>
-            <a:pPr algn="ctr"/>
-            <a:r>
-              <a:rPr lang="en-US" sz="4000" dirty="0" smtClean="0">
-                <a:solidFill>
-                  <a:srgbClr val="0132BB"/>
-                </a:solidFill>
-              </a:rPr>
-              <a:t>Network Processing in IX</a:t>
-            </a:r>
           </a:p>
         </p:txBody>
       </p:sp>
@@ -4058,8 +3972,8 @@
         </p:blipFill>
         <p:spPr>
           <a:xfrm>
-            <a:off x="9821335" y="11970727"/>
-            <a:ext cx="7327175" cy="5067299"/>
+            <a:off x="9572878" y="11305023"/>
+            <a:ext cx="8471993" cy="5859028"/>
           </a:xfrm>
           <a:prstGeom prst="rect">
             <a:avLst/>
@@ -4075,7 +3989,7 @@
         <p:spPr>
           <a:xfrm>
             <a:off x="862632" y="11153031"/>
-            <a:ext cx="7821081" cy="4832092"/>
+            <a:ext cx="8757622" cy="6848029"/>
           </a:xfrm>
           <a:prstGeom prst="rect">
             <a:avLst/>
@@ -4090,7 +4004,7 @@
           <a:p>
             <a:pPr indent="-1371600" algn="ctr"/>
             <a:r>
-              <a:rPr lang="en-US" sz="4000" dirty="0" smtClean="0">
+              <a:rPr lang="en-US" sz="4400" dirty="0" smtClean="0">
                 <a:solidFill>
                   <a:srgbClr val="0132BB"/>
                 </a:solidFill>
@@ -4099,23 +4013,19 @@
             </a:r>
           </a:p>
           <a:p>
-            <a:pPr indent="-1371600" algn="ctr"/>
-            <a:endParaRPr lang="en-US" sz="1200" dirty="0" smtClean="0"/>
-          </a:p>
-          <a:p>
-            <a:pPr marL="457200" indent="-457200">
-              <a:buFont typeface="Arial"/>
-              <a:buChar char="•"/>
-            </a:pPr>
-            <a:r>
-              <a:rPr lang="en-US" sz="3200" b="1" dirty="0"/>
-              <a:t>IX reconciles security </a:t>
-            </a:r>
-            <a:r>
-              <a:rPr lang="en-US" sz="3200" b="1" dirty="0" smtClean="0"/>
+            <a:r>
+              <a:rPr lang="en-US" sz="3900" b="1" dirty="0" smtClean="0"/>
+              <a:t> IX </a:t>
+            </a:r>
+            <a:r>
+              <a:rPr lang="en-US" sz="3900" b="1" dirty="0"/>
+              <a:t>reconciles security </a:t>
+            </a:r>
+            <a:r>
+              <a:rPr lang="en-US" sz="3900" b="1" dirty="0" smtClean="0"/>
               <a:t>and performance</a:t>
             </a:r>
-            <a:endParaRPr lang="en-US" sz="3200" b="1" dirty="0"/>
+            <a:endParaRPr lang="en-US" sz="3900" b="1" dirty="0"/>
           </a:p>
           <a:p>
             <a:pPr marL="914400" lvl="1" indent="-457200">
@@ -4123,11 +4033,11 @@
               <a:buChar char="•"/>
             </a:pPr>
             <a:r>
-              <a:rPr lang="en-US" sz="3200" dirty="0" smtClean="0"/>
-              <a:t>Implements</a:t>
-            </a:r>
-            <a:r>
-              <a:rPr lang="en-US" sz="3200" b="1" dirty="0" smtClean="0">
+              <a:rPr lang="en-US" sz="3900" dirty="0" smtClean="0"/>
+              <a:t>Implements a</a:t>
+            </a:r>
+            <a:r>
+              <a:rPr lang="en-US" sz="3900" b="1" dirty="0" smtClean="0">
                 <a:solidFill>
                   <a:srgbClr val="800000"/>
                 </a:solidFill>
@@ -4135,16 +4045,44 @@
               <a:t> </a:t>
             </a:r>
             <a:r>
-              <a:rPr lang="en-US" sz="3200" b="1" dirty="0" smtClean="0"/>
-              <a:t>full TCP </a:t>
-            </a:r>
-            <a:r>
-              <a:rPr lang="en-US" sz="3200" dirty="0" smtClean="0">
+              <a:rPr lang="en-US" sz="3900" i="1" dirty="0" smtClean="0"/>
+              <a:t>full </a:t>
+            </a:r>
+            <a:r>
+              <a:rPr lang="en-US" sz="3900" i="1" dirty="0" smtClean="0"/>
+              <a:t>TCP </a:t>
+            </a:r>
+            <a:r>
+              <a:rPr lang="en-US" sz="3900" i="1" dirty="0" smtClean="0">
                 <a:solidFill>
                   <a:srgbClr val="000000"/>
                 </a:solidFill>
               </a:rPr>
-              <a:t>stack in dataplane, protected from application</a:t>
+              <a:t>stack</a:t>
+            </a:r>
+            <a:r>
+              <a:rPr lang="en-US" sz="3900" dirty="0" smtClean="0">
+                <a:solidFill>
+                  <a:srgbClr val="000000"/>
+                </a:solidFill>
+              </a:rPr>
+              <a:t> in </a:t>
+            </a:r>
+            <a:r>
+              <a:rPr lang="en-US" sz="3900" dirty="0" smtClean="0">
+                <a:solidFill>
+                  <a:srgbClr val="000000"/>
+                </a:solidFill>
+              </a:rPr>
+              <a:t>dataplane</a:t>
+            </a:r>
+            <a:r>
+              <a:rPr lang="en-US" sz="3900" dirty="0" smtClean="0">
+                <a:solidFill>
+                  <a:srgbClr val="000000"/>
+                </a:solidFill>
+              </a:rPr>
+              <a:t>, protected from application</a:t>
             </a:r>
           </a:p>
           <a:p>
@@ -4153,7 +4091,7 @@
               <a:buChar char="•"/>
             </a:pPr>
             <a:r>
-              <a:rPr lang="en-US" sz="3200" dirty="0" smtClean="0">
+              <a:rPr lang="en-US" sz="3900" dirty="0" smtClean="0">
                 <a:solidFill>
                   <a:srgbClr val="000000"/>
                 </a:solidFill>
@@ -4161,12 +4099,20 @@
               <a:t>Saturates </a:t>
             </a:r>
             <a:r>
-              <a:rPr lang="en-US" sz="3200" dirty="0">
+              <a:rPr lang="en-US" sz="3900" dirty="0">
                 <a:solidFill>
                   <a:srgbClr val="000000"/>
                 </a:solidFill>
               </a:rPr>
-              <a:t>10 GbE NICs with 64b msgs</a:t>
+              <a:t>10 GbE NICs with </a:t>
+            </a:r>
+            <a:r>
+              <a:rPr lang="en-US" sz="3900" dirty="0" smtClean="0">
+                <a:solidFill>
+                  <a:srgbClr val="000000"/>
+                </a:solidFill>
+              </a:rPr>
+              <a:t>64B msgs</a:t>
             </a:r>
           </a:p>
           <a:p>
@@ -4175,7 +4121,26 @@
               <a:buChar char="•"/>
             </a:pPr>
             <a:r>
-              <a:rPr lang="en-US" sz="3200" dirty="0" smtClean="0">
+              <a:rPr lang="en-US" sz="3900" dirty="0" smtClean="0">
+                <a:solidFill>
+                  <a:srgbClr val="000000"/>
+                </a:solidFill>
+              </a:rPr>
+              <a:t>Saturates up to 4 x 10 GbE interfaces with a single socket</a:t>
+            </a:r>
+            <a:endParaRPr lang="en-US" sz="3900" dirty="0">
+              <a:solidFill>
+                <a:srgbClr val="000000"/>
+              </a:solidFill>
+            </a:endParaRPr>
+          </a:p>
+          <a:p>
+            <a:pPr marL="914400" lvl="1" indent="-457200">
+              <a:buFont typeface="Arial"/>
+              <a:buChar char="•"/>
+            </a:pPr>
+            <a:r>
+              <a:rPr lang="en-US" sz="3900" dirty="0" smtClean="0">
                 <a:solidFill>
                   <a:srgbClr val="000000"/>
                 </a:solidFill>
@@ -4183,7 +4148,7 @@
               <a:t>Achieves </a:t>
             </a:r>
             <a:r>
-              <a:rPr lang="en-US" sz="3200" dirty="0">
+              <a:rPr lang="en-US" sz="3900" dirty="0">
                 <a:solidFill>
                   <a:srgbClr val="000000"/>
                 </a:solidFill>
@@ -4191,7 +4156,7 @@
               <a:t>up to </a:t>
             </a:r>
             <a:r>
-              <a:rPr lang="en-US" sz="3200" b="1" dirty="0" smtClean="0">
+              <a:rPr lang="en-US" sz="3900" b="1" dirty="0" smtClean="0">
                 <a:solidFill>
                   <a:srgbClr val="000000"/>
                 </a:solidFill>
@@ -4199,7 +4164,7 @@
               <a:t>3.6x</a:t>
             </a:r>
             <a:r>
-              <a:rPr lang="en-US" sz="3200" dirty="0" smtClean="0">
+              <a:rPr lang="en-US" sz="3900" dirty="0" smtClean="0">
                 <a:solidFill>
                   <a:srgbClr val="000000"/>
                 </a:solidFill>
@@ -4207,7 +4172,7 @@
               <a:t> </a:t>
             </a:r>
             <a:r>
-              <a:rPr lang="en-US" sz="3200" dirty="0">
+              <a:rPr lang="en-US" sz="3900" dirty="0">
                 <a:solidFill>
                   <a:srgbClr val="000000"/>
                 </a:solidFill>
@@ -4215,7 +4180,7 @@
               <a:t>more RPS and </a:t>
             </a:r>
             <a:r>
-              <a:rPr lang="en-US" sz="3200" b="1" dirty="0">
+              <a:rPr lang="en-US" sz="3900" b="1" dirty="0">
                 <a:solidFill>
                   <a:srgbClr val="000000"/>
                 </a:solidFill>
@@ -4223,7 +4188,7 @@
               <a:t>2x</a:t>
             </a:r>
             <a:r>
-              <a:rPr lang="en-US" sz="3200" dirty="0">
+              <a:rPr lang="en-US" sz="3900" dirty="0">
                 <a:solidFill>
                   <a:srgbClr val="000000"/>
                 </a:solidFill>
@@ -4231,14 +4196,14 @@
               <a:t> less tail latency compared to </a:t>
             </a:r>
             <a:r>
-              <a:rPr lang="en-US" sz="3200" dirty="0" smtClean="0">
+              <a:rPr lang="en-US" sz="3900" dirty="0" smtClean="0">
                 <a:solidFill>
                   <a:srgbClr val="000000"/>
                 </a:solidFill>
               </a:rPr>
               <a:t>Linux for Memcached workloads</a:t>
             </a:r>
-            <a:endParaRPr lang="en-US" sz="3200" dirty="0">
+            <a:endParaRPr lang="en-US" sz="3900" dirty="0">
               <a:solidFill>
                 <a:srgbClr val="000000"/>
               </a:solidFill>
@@ -4261,8 +4226,8 @@
         </p:nvSpPr>
         <p:spPr>
           <a:xfrm>
-            <a:off x="18425599" y="11189023"/>
-            <a:ext cx="7821081" cy="5816977"/>
+            <a:off x="18311298" y="11189023"/>
+            <a:ext cx="8606352" cy="6355586"/>
           </a:xfrm>
           <a:prstGeom prst="rect">
             <a:avLst/>
@@ -4277,7 +4242,7 @@
           <a:p>
             <a:pPr algn="ctr"/>
             <a:r>
-              <a:rPr lang="en-US" sz="4000" dirty="0" smtClean="0">
+              <a:rPr lang="en-US" sz="4400" dirty="0" smtClean="0">
                 <a:solidFill>
                   <a:srgbClr val="0132BB"/>
                 </a:solidFill>
@@ -4286,17 +4251,17 @@
             </a:r>
           </a:p>
           <a:p>
-            <a:pPr algn="ctr"/>
-            <a:endParaRPr lang="en-US" sz="1200" dirty="0" smtClean="0"/>
-          </a:p>
-          <a:p>
             <a:pPr marL="457200" indent="-457200">
               <a:buFont typeface="Arial"/>
               <a:buChar char="•"/>
             </a:pPr>
             <a:r>
-              <a:rPr lang="en-US" sz="3200" b="1" dirty="0" smtClean="0"/>
-              <a:t>Linux is the control plane</a:t>
+              <a:rPr lang="en-US" sz="3900" b="1" dirty="0" smtClean="0"/>
+              <a:t>Linux control </a:t>
+            </a:r>
+            <a:r>
+              <a:rPr lang="en-US" sz="3900" b="1" dirty="0" smtClean="0"/>
+              <a:t>plane</a:t>
             </a:r>
           </a:p>
           <a:p>
@@ -4305,9 +4270,18 @@
               <a:buChar char="•"/>
             </a:pPr>
             <a:r>
-              <a:rPr lang="en-US" sz="3200" dirty="0" smtClean="0"/>
-              <a:t>Course grained resource management (e.g. large pages, network queues)</a:t>
-            </a:r>
+              <a:rPr lang="en-US" sz="3900" dirty="0" smtClean="0"/>
+              <a:t>Course-grained </a:t>
+            </a:r>
+            <a:r>
+              <a:rPr lang="en-US" sz="3900" dirty="0" smtClean="0"/>
+              <a:t>resource management (e.g. </a:t>
+            </a:r>
+            <a:r>
+              <a:rPr lang="en-US" sz="3900" dirty="0" smtClean="0"/>
+              <a:t>network queues)</a:t>
+            </a:r>
+            <a:endParaRPr lang="en-US" sz="3900" dirty="0" smtClean="0"/>
           </a:p>
           <a:p>
             <a:pPr marL="914400" lvl="1" indent="-457200">
@@ -4315,10 +4289,18 @@
               <a:buChar char="•"/>
             </a:pPr>
             <a:r>
-              <a:rPr lang="en-US" sz="3200" dirty="0" smtClean="0"/>
-              <a:t>Performs management functions and load balancing</a:t>
-            </a:r>
-            <a:endParaRPr lang="en-US" sz="3200" dirty="0"/>
+              <a:rPr lang="en-US" sz="3900" dirty="0" smtClean="0"/>
+              <a:t>Performs </a:t>
+            </a:r>
+            <a:r>
+              <a:rPr lang="en-US" sz="3900" dirty="0" smtClean="0"/>
+              <a:t>load </a:t>
+            </a:r>
+            <a:r>
+              <a:rPr lang="en-US" sz="3900" dirty="0" smtClean="0"/>
+              <a:t>balancing</a:t>
+            </a:r>
+            <a:endParaRPr lang="en-US" sz="3900" dirty="0"/>
           </a:p>
           <a:p>
             <a:pPr marL="457200" indent="-457200">
@@ -4326,10 +4308,21 @@
               <a:buChar char="•"/>
             </a:pPr>
             <a:r>
-              <a:rPr lang="en-US" sz="3200" b="1" dirty="0" smtClean="0"/>
-              <a:t>IX is the data plane (powered by Dune)</a:t>
-            </a:r>
-            <a:endParaRPr lang="en-US" sz="3200" b="1" dirty="0"/>
+              <a:rPr lang="en-US" sz="3900" b="1" dirty="0" smtClean="0"/>
+              <a:t>IX </a:t>
+            </a:r>
+            <a:r>
+              <a:rPr lang="en-US" sz="3900" b="1" dirty="0" smtClean="0"/>
+              <a:t>data </a:t>
+            </a:r>
+            <a:r>
+              <a:rPr lang="en-US" sz="3900" b="1" dirty="0" smtClean="0"/>
+              <a:t>plane (powered by Dune</a:t>
+            </a:r>
+            <a:r>
+              <a:rPr lang="en-US" sz="3900" b="1" dirty="0" smtClean="0"/>
+              <a:t>)</a:t>
+            </a:r>
           </a:p>
           <a:p>
             <a:pPr marL="914400" lvl="1" indent="-457200">
@@ -4337,10 +4330,14 @@
               <a:buChar char="•"/>
             </a:pPr>
             <a:r>
-              <a:rPr lang="en-US" sz="3200" dirty="0" smtClean="0"/>
-              <a:t>Inspired by network middleboxes</a:t>
-            </a:r>
-            <a:endParaRPr lang="en-US" sz="3200" dirty="0"/>
+              <a:rPr lang="en-US" sz="3900" dirty="0"/>
+              <a:t>Inspired by network </a:t>
+            </a:r>
+            <a:r>
+              <a:rPr lang="en-US" sz="3900" dirty="0" err="1" smtClean="0"/>
+              <a:t>middleboxes</a:t>
+            </a:r>
+            <a:endParaRPr lang="en-US" sz="3900" dirty="0" smtClean="0"/>
           </a:p>
           <a:p>
             <a:pPr marL="914400" lvl="1" indent="-457200">
@@ -4348,8 +4345,16 @@
               <a:buChar char="•"/>
             </a:pPr>
             <a:r>
-              <a:rPr lang="en-US" sz="3200" dirty="0" smtClean="0"/>
-              <a:t>A custom single-app OS for high performance networking</a:t>
+              <a:rPr lang="en-US" sz="3900" dirty="0" smtClean="0"/>
+              <a:t>A </a:t>
+            </a:r>
+            <a:r>
+              <a:rPr lang="en-US" sz="3900" dirty="0" smtClean="0"/>
+              <a:t>custom single-app OS for high performance </a:t>
+            </a:r>
+            <a:r>
+              <a:rPr lang="en-US" sz="3900" dirty="0" smtClean="0"/>
+              <a:t>networking </a:t>
             </a:r>
           </a:p>
           <a:p>
@@ -4358,8 +4363,12 @@
               <a:buChar char="•"/>
             </a:pPr>
             <a:r>
-              <a:rPr lang="en-US" sz="3200" b="1" dirty="0" smtClean="0"/>
-              <a:t>Three-way isolation between App, DP, CP</a:t>
+              <a:rPr lang="en-US" sz="3900" b="1" dirty="0" smtClean="0"/>
+              <a:t>Three-way isolation: App</a:t>
+            </a:r>
+            <a:r>
+              <a:rPr lang="en-US" sz="3900" b="1" dirty="0" smtClean="0"/>
+              <a:t>, DP, CP</a:t>
             </a:r>
           </a:p>
         </p:txBody>
@@ -4386,8 +4395,8 @@
         </p:blipFill>
         <p:spPr>
           <a:xfrm>
-            <a:off x="1229880" y="18561602"/>
-            <a:ext cx="6442061" cy="5281329"/>
+            <a:off x="10256558" y="17781426"/>
+            <a:ext cx="7234337" cy="5930853"/>
           </a:xfrm>
           <a:prstGeom prst="rect">
             <a:avLst/>
@@ -4402,8 +4411,8 @@
         </p:nvSpPr>
         <p:spPr>
           <a:xfrm>
-            <a:off x="18329324" y="17718178"/>
-            <a:ext cx="8057647" cy="5816977"/>
+            <a:off x="18329324" y="17622928"/>
+            <a:ext cx="8340675" cy="6170920"/>
           </a:xfrm>
           <a:prstGeom prst="rect">
             <a:avLst/>
@@ -4418,7 +4427,7 @@
           <a:p>
             <a:pPr algn="ctr"/>
             <a:r>
-              <a:rPr lang="en-US" sz="4000" dirty="0" smtClean="0">
+              <a:rPr lang="en-US" sz="4400" dirty="0" smtClean="0">
                 <a:solidFill>
                   <a:srgbClr val="0132BB"/>
                 </a:solidFill>
@@ -4427,33 +4436,41 @@
             </a:r>
           </a:p>
           <a:p>
-            <a:pPr algn="ctr"/>
-            <a:endParaRPr lang="en-US" sz="1200" dirty="0" smtClean="0"/>
-          </a:p>
-          <a:p>
             <a:pPr marL="385763" indent="-385763">
               <a:buFont typeface="Arial" panose="020B0604020202020204" pitchFamily="34" charset="0"/>
               <a:buChar char="•"/>
             </a:pPr>
             <a:r>
-              <a:rPr lang="en-US" sz="3200" dirty="0"/>
-              <a:t>Outperforms Linux and mTCP by </a:t>
-            </a:r>
-            <a:r>
-              <a:rPr lang="en-US" sz="3200" dirty="0" smtClean="0"/>
+              <a:rPr lang="en-US" sz="3900" dirty="0" smtClean="0"/>
+              <a:t>Outperforms </a:t>
+            </a:r>
+            <a:r>
+              <a:rPr lang="en-US" sz="3900" dirty="0"/>
+              <a:t>Linux </a:t>
+            </a:r>
+            <a:r>
+              <a:rPr lang="en-US" sz="3900" dirty="0" smtClean="0"/>
+              <a:t>by </a:t>
+            </a:r>
+            <a:r>
+              <a:rPr lang="en-US" sz="3900" b="1" dirty="0" smtClean="0"/>
               <a:t>10× </a:t>
             </a:r>
             <a:r>
-              <a:rPr lang="en-US" sz="3200" dirty="0"/>
-              <a:t>and </a:t>
-            </a:r>
-            <a:r>
-              <a:rPr lang="en-US" sz="3200" dirty="0" smtClean="0"/>
-              <a:t>1.9×, </a:t>
-            </a:r>
-            <a:r>
-              <a:rPr lang="en-US" sz="3200" dirty="0"/>
-              <a:t>respectively, for throughput</a:t>
+              <a:rPr lang="en-US" sz="3900" dirty="0" smtClean="0"/>
+              <a:t>and mTCP by </a:t>
+            </a:r>
+            <a:r>
+              <a:rPr lang="en-US" sz="3900" b="1" dirty="0" smtClean="0"/>
+              <a:t>1.9× </a:t>
+            </a:r>
+            <a:r>
+              <a:rPr lang="en-US" sz="3900" dirty="0" smtClean="0"/>
+              <a:t>for </a:t>
+            </a:r>
+            <a:r>
+              <a:rPr lang="en-US" sz="3900" dirty="0"/>
+              <a:t>throughput</a:t>
             </a:r>
           </a:p>
           <a:p>
@@ -4462,16 +4479,36 @@
               <a:buChar char="•"/>
             </a:pPr>
             <a:r>
-              <a:rPr lang="en-US" sz="3200" dirty="0" smtClean="0"/>
+              <a:rPr lang="en-US" sz="3900" dirty="0" smtClean="0"/>
               <a:t>Achieves unloaded </a:t>
             </a:r>
             <a:r>
-              <a:rPr lang="en-US" sz="3200" dirty="0"/>
-              <a:t>uni-directional latency </a:t>
-            </a:r>
-            <a:r>
-              <a:rPr lang="en-US" sz="3200" dirty="0" smtClean="0"/>
-              <a:t>of 5.7µs, 4× better than Linux and an order of magnitude better than mTCP</a:t>
+              <a:rPr lang="en-US" sz="3900" dirty="0" smtClean="0"/>
+              <a:t>uni-dir. </a:t>
+            </a:r>
+            <a:r>
+              <a:rPr lang="en-US" sz="3900" dirty="0"/>
+              <a:t>latency </a:t>
+            </a:r>
+            <a:r>
+              <a:rPr lang="en-US" sz="3900" dirty="0" smtClean="0"/>
+              <a:t>of </a:t>
+            </a:r>
+            <a:r>
+              <a:rPr lang="en-US" sz="3900" b="1" dirty="0" smtClean="0"/>
+              <a:t>5.7µs</a:t>
+            </a:r>
+            <a:r>
+              <a:rPr lang="en-US" sz="3900" dirty="0" smtClean="0"/>
+              <a:t>, 4× better than </a:t>
+            </a:r>
+            <a:r>
+              <a:rPr lang="en-US" sz="3900" dirty="0" smtClean="0"/>
+              <a:t>Linux, </a:t>
+            </a:r>
+            <a:r>
+              <a:rPr lang="en-US" sz="3900" dirty="0" smtClean="0"/>
+              <a:t>an order of magnitude better than mTCP</a:t>
             </a:r>
           </a:p>
           <a:p>
@@ -4480,10 +4517,25 @@
               <a:buChar char="•"/>
             </a:pPr>
             <a:r>
-              <a:rPr lang="en-US" sz="3200" dirty="0" smtClean="0"/>
-              <a:t>Improves memcached throughput by up to 3.6× with 2× less tail latency than Linux</a:t>
-            </a:r>
-            <a:endParaRPr lang="en-US" sz="3200" dirty="0"/>
+              <a:rPr lang="en-US" sz="3900" dirty="0" smtClean="0"/>
+              <a:t>Scales </a:t>
+            </a:r>
+            <a:r>
+              <a:rPr lang="en-US" sz="3900" dirty="0"/>
+              <a:t>to 10</a:t>
+            </a:r>
+            <a:r>
+              <a:rPr lang="en-US" sz="3900" baseline="30000" dirty="0"/>
+              <a:t>5</a:t>
+            </a:r>
+            <a:r>
+              <a:rPr lang="en-US" sz="3900" dirty="0"/>
+              <a:t>-order </a:t>
+            </a:r>
+            <a:r>
+              <a:rPr lang="en-US" sz="3900" dirty="0" smtClean="0"/>
+              <a:t>connections</a:t>
+            </a:r>
           </a:p>
           <a:p>
             <a:pPr marL="385763" indent="-385763">
@@ -4491,27 +4543,54 @@
               <a:buChar char="•"/>
             </a:pPr>
             <a:r>
-              <a:rPr lang="en-US" sz="3200" dirty="0"/>
-              <a:t>Scales to 10</a:t>
-            </a:r>
-            <a:r>
-              <a:rPr lang="en-US" sz="3200" baseline="30000" dirty="0"/>
-              <a:t>5</a:t>
-            </a:r>
-            <a:r>
-              <a:rPr lang="en-US" sz="3200" dirty="0"/>
-              <a:t>-order connections</a:t>
-            </a:r>
-          </a:p>
-          <a:p>
-            <a:pPr marL="385763" indent="-385763">
+              <a:rPr lang="en-US" sz="3900" dirty="0" smtClean="0"/>
+              <a:t>Memcached with IX versus Linux:</a:t>
+            </a:r>
+          </a:p>
+          <a:p>
+            <a:pPr marL="919163" lvl="1" indent="-385763">
               <a:buFont typeface="Arial" panose="020B0604020202020204" pitchFamily="34" charset="0"/>
               <a:buChar char="•"/>
             </a:pPr>
             <a:r>
-              <a:rPr lang="en-US" sz="3200" dirty="0" smtClean="0"/>
-              <a:t>Reduces percentage of kernel time from ~75% (for Linux) to &lt; 10% (for IX)</a:t>
-            </a:r>
+              <a:rPr lang="en-US" sz="3900" dirty="0" smtClean="0"/>
+              <a:t>Up </a:t>
+            </a:r>
+            <a:r>
+              <a:rPr lang="en-US" sz="3900" dirty="0"/>
+              <a:t>to </a:t>
+            </a:r>
+            <a:r>
+              <a:rPr lang="en-US" sz="3900" b="1" dirty="0" smtClean="0"/>
+              <a:t>3.6×</a:t>
+            </a:r>
+            <a:r>
+              <a:rPr lang="en-US" sz="3900" dirty="0"/>
+              <a:t> </a:t>
+            </a:r>
+            <a:r>
+              <a:rPr lang="en-US" sz="3900" dirty="0" smtClean="0"/>
+              <a:t>RPS, </a:t>
+            </a:r>
+            <a:r>
+              <a:rPr lang="en-US" sz="3900" b="1" dirty="0" smtClean="0"/>
+              <a:t>2×</a:t>
+            </a:r>
+            <a:r>
+              <a:rPr lang="en-US" sz="3900" dirty="0" smtClean="0"/>
+              <a:t> less tail latency</a:t>
+            </a:r>
+          </a:p>
+          <a:p>
+            <a:pPr marL="919163" lvl="1" indent="-385763">
+              <a:buFont typeface="Arial" panose="020B0604020202020204" pitchFamily="34" charset="0"/>
+              <a:buChar char="•"/>
+            </a:pPr>
+            <a:r>
+              <a:rPr lang="en-US" sz="3900" dirty="0" smtClean="0"/>
+              <a:t>% kernel time &lt; 10% vs. ~75%</a:t>
+            </a:r>
+            <a:endParaRPr lang="en-US" sz="3900" dirty="0" smtClean="0"/>
           </a:p>
         </p:txBody>
       </p:sp>
@@ -4795,9 +4874,9 @@
           <p:nvPr/>
         </p:nvCxnSpPr>
         <p:spPr>
-          <a:xfrm flipV="1">
-            <a:off x="1375833" y="30084854"/>
-            <a:ext cx="24680330" cy="105832"/>
+          <a:xfrm>
+            <a:off x="1407588" y="30084854"/>
+            <a:ext cx="24648575" cy="0"/>
           </a:xfrm>
           <a:prstGeom prst="line">
             <a:avLst/>
@@ -5070,7 +5149,7 @@
         </p:blipFill>
         <p:spPr>
           <a:xfrm rot="5400000">
-            <a:off x="6840453" y="3726681"/>
+            <a:off x="7240503" y="3726681"/>
             <a:ext cx="2111772" cy="1797574"/>
           </a:xfrm>
           <a:prstGeom prst="rect">
@@ -5094,7 +5173,7 @@
         </p:blipFill>
         <p:spPr>
           <a:xfrm>
-            <a:off x="8996526" y="3514495"/>
+            <a:off x="9453726" y="3514495"/>
             <a:ext cx="1586243" cy="2114991"/>
           </a:xfrm>
           <a:prstGeom prst="rect">
@@ -5118,7 +5197,7 @@
         </p:blipFill>
         <p:spPr>
           <a:xfrm>
-            <a:off x="17514475" y="3505200"/>
+            <a:off x="18057400" y="3505200"/>
             <a:ext cx="1629699" cy="2107406"/>
           </a:xfrm>
           <a:prstGeom prst="rect">
@@ -5126,42 +5205,6 @@
           </a:prstGeom>
         </p:spPr>
       </p:pic>
-      <p:sp>
-        <p:nvSpPr>
-          <p:cNvPr id="50" name="TextBox 49"/>
-          <p:cNvSpPr txBox="1"/>
-          <p:nvPr/>
-        </p:nvSpPr>
-        <p:spPr>
-          <a:xfrm>
-            <a:off x="23775455" y="3658882"/>
-            <a:ext cx="2894544" cy="830997"/>
-          </a:xfrm>
-          <a:prstGeom prst="rect">
-            <a:avLst/>
-          </a:prstGeom>
-          <a:noFill/>
-        </p:spPr>
-        <p:txBody>
-          <a:bodyPr wrap="square" rtlCol="0">
-            <a:spAutoFit/>
-          </a:bodyPr>
-          <a:lstStyle/>
-          <a:p>
-            <a:r>
-              <a:rPr lang="en-US" sz="2400" dirty="0" smtClean="0"/>
-              <a:t>Contact Email:</a:t>
-            </a:r>
-          </a:p>
-          <a:p>
-            <a:r>
-              <a:rPr lang="en-US" sz="2400" dirty="0" smtClean="0"/>
-              <a:t>abelay@stanford.edu</a:t>
-            </a:r>
-            <a:endParaRPr lang="en-US" sz="2400" dirty="0"/>
-          </a:p>
-        </p:txBody>
-      </p:sp>
       <p:pic>
         <p:nvPicPr>
           <p:cNvPr id="51" name="Picture 50"/>
@@ -5184,8 +5227,8 @@
         </p:blipFill>
         <p:spPr>
           <a:xfrm>
-            <a:off x="19805604" y="3640953"/>
-            <a:ext cx="3817451" cy="1885729"/>
+            <a:off x="20367905" y="3524637"/>
+            <a:ext cx="4130567" cy="2040401"/>
           </a:xfrm>
           <a:prstGeom prst="rect">
             <a:avLst/>
@@ -5214,8 +5257,8 @@
         </p:blipFill>
         <p:spPr>
           <a:xfrm>
-            <a:off x="1852087" y="3955306"/>
-            <a:ext cx="4806797" cy="1459746"/>
+            <a:off x="1852087" y="3852458"/>
+            <a:ext cx="5145465" cy="1562594"/>
           </a:xfrm>
           <a:prstGeom prst="rect">
             <a:avLst/>
@@ -5238,7 +5281,7 @@
         </p:blipFill>
         <p:spPr>
           <a:xfrm>
-            <a:off x="15311564" y="3514495"/>
+            <a:off x="15854489" y="3514495"/>
             <a:ext cx="1989411" cy="2126333"/>
           </a:xfrm>
           <a:prstGeom prst="rect">
@@ -5254,7 +5297,7 @@
         </p:nvSpPr>
         <p:spPr>
           <a:xfrm>
-            <a:off x="1591942" y="3600495"/>
+            <a:off x="1591942" y="3657645"/>
             <a:ext cx="476255" cy="769441"/>
           </a:xfrm>
           <a:prstGeom prst="rect">
@@ -5284,7 +5327,7 @@
         </p:nvSpPr>
         <p:spPr>
           <a:xfrm>
-            <a:off x="19336505" y="3600494"/>
+            <a:off x="19993730" y="3600494"/>
             <a:ext cx="476255" cy="769441"/>
           </a:xfrm>
           <a:prstGeom prst="rect">
@@ -5314,8 +5357,8 @@
         </p:nvSpPr>
         <p:spPr>
           <a:xfrm>
-            <a:off x="9735474" y="17704792"/>
-            <a:ext cx="8175056" cy="5816977"/>
+            <a:off x="1059481" y="17621108"/>
+            <a:ext cx="9357052" cy="6170920"/>
           </a:xfrm>
           <a:prstGeom prst="rect">
             <a:avLst/>
@@ -5330,7 +5373,7 @@
           <a:p>
             <a:pPr algn="ctr"/>
             <a:r>
-              <a:rPr lang="en-US" sz="4000" dirty="0" smtClean="0">
+              <a:rPr lang="en-US" sz="4400" dirty="0" smtClean="0">
                 <a:solidFill>
                   <a:srgbClr val="0132BB"/>
                 </a:solidFill>
@@ -5339,27 +5382,31 @@
             </a:r>
           </a:p>
           <a:p>
-            <a:pPr algn="ctr"/>
-            <a:endParaRPr lang="en-US" sz="1200" dirty="0" smtClean="0"/>
-          </a:p>
-          <a:p>
             <a:pPr marL="514350" indent="-514350">
               <a:buFont typeface="+mj-lt"/>
               <a:buAutoNum type="arabicPeriod"/>
             </a:pPr>
             <a:r>
-              <a:rPr lang="en-US" sz="3200" b="1" dirty="0" smtClean="0"/>
-              <a:t>Run to completion</a:t>
-            </a:r>
-          </a:p>
-          <a:p>
-            <a:pPr marL="914400" lvl="1" indent="-514350">
+              <a:rPr lang="en-US" sz="3900" b="1" dirty="0" smtClean="0"/>
+              <a:t>Run </a:t>
+            </a:r>
+            <a:r>
+              <a:rPr lang="en-US" sz="3900" b="1" dirty="0" smtClean="0"/>
+              <a:t>to completion</a:t>
+            </a:r>
+          </a:p>
+          <a:p>
+            <a:pPr marL="692150" lvl="1" indent="-349250">
               <a:buFont typeface="Arial"/>
               <a:buChar char="•"/>
             </a:pPr>
             <a:r>
-              <a:rPr lang="en-US" sz="3200" dirty="0" smtClean="0"/>
-              <a:t>Improves D-cache behavior</a:t>
+              <a:rPr lang="en-US" sz="3900" dirty="0" smtClean="0"/>
+              <a:t>Improve </a:t>
+            </a:r>
+            <a:r>
+              <a:rPr lang="en-US" sz="3900" dirty="0" smtClean="0"/>
+              <a:t>D-cache behavior</a:t>
             </a:r>
           </a:p>
           <a:p>
@@ -5368,36 +5415,26 @@
               <a:buAutoNum type="arabicPeriod"/>
             </a:pPr>
             <a:r>
-              <a:rPr lang="en-US" sz="3200" b="1" dirty="0" smtClean="0"/>
+              <a:rPr lang="en-US" sz="3900" b="1" dirty="0" smtClean="0"/>
               <a:t>Adaptive batching</a:t>
             </a:r>
           </a:p>
           <a:p>
-            <a:pPr marL="914400" lvl="1" indent="-514350">
+            <a:pPr marL="685800" lvl="1" indent="-349250">
               <a:buFont typeface="Arial"/>
               <a:buChar char="•"/>
             </a:pPr>
             <a:r>
-              <a:rPr lang="en-US" sz="3200" dirty="0"/>
-              <a:t>E</a:t>
-            </a:r>
-            <a:r>
-              <a:rPr lang="en-US" sz="3200" dirty="0" smtClean="0"/>
-              <a:t>very step (1 – 6) is batched, but only during </a:t>
-            </a:r>
-            <a:r>
-              <a:rPr lang="en-US" sz="3200" i="1" dirty="0" smtClean="0"/>
+              <a:rPr lang="en-US" sz="3900" dirty="0" smtClean="0"/>
+              <a:t>Ensure low jitter by batching only     during </a:t>
+            </a:r>
+            <a:r>
+              <a:rPr lang="en-US" sz="3900" i="1" dirty="0" smtClean="0"/>
               <a:t>congestion</a:t>
             </a:r>
-          </a:p>
-          <a:p>
-            <a:pPr marL="914400" lvl="1" indent="-514350">
-              <a:buFont typeface="Arial"/>
-              <a:buChar char="•"/>
-            </a:pPr>
-            <a:r>
-              <a:rPr lang="en-US" sz="3200" dirty="0" smtClean="0"/>
-              <a:t>Improves I-cache behavior</a:t>
+            <a:r>
+              <a:rPr lang="en-US" sz="3900" dirty="0" smtClean="0"/>
+              <a:t> </a:t>
             </a:r>
           </a:p>
           <a:p>
@@ -5406,26 +5443,22 @@
               <a:buAutoNum type="arabicPeriod"/>
             </a:pPr>
             <a:r>
-              <a:rPr lang="en-US" sz="3200" b="1" dirty="0" smtClean="0"/>
-              <a:t>Native </a:t>
-            </a:r>
-            <a:r>
-              <a:rPr lang="en-US" sz="3200" b="1" dirty="0"/>
-              <a:t>z</a:t>
-            </a:r>
-            <a:r>
-              <a:rPr lang="en-US" sz="3200" b="1" dirty="0" smtClean="0"/>
-              <a:t>ero copy API</a:t>
-            </a:r>
-          </a:p>
-          <a:p>
-            <a:pPr marL="914400" lvl="1" indent="-514350">
+              <a:rPr lang="en-US" sz="3900" b="1" dirty="0" smtClean="0"/>
+              <a:t>Native zero copy API</a:t>
+            </a:r>
+          </a:p>
+          <a:p>
+            <a:pPr marL="685800" lvl="1" indent="-342900">
               <a:buFont typeface="Arial"/>
               <a:buChar char="•"/>
             </a:pPr>
             <a:r>
-              <a:rPr lang="en-US" sz="3200" dirty="0" smtClean="0"/>
-              <a:t>Maximizes programming model flexibility</a:t>
+              <a:rPr lang="en-US" sz="3900" dirty="0" smtClean="0"/>
+              <a:t>Maximize programming </a:t>
+            </a:r>
+            <a:r>
+              <a:rPr lang="en-US" sz="3900" dirty="0" smtClean="0"/>
+              <a:t>model flexibility</a:t>
             </a:r>
           </a:p>
           <a:p>
@@ -5434,19 +5467,31 @@
               <a:buAutoNum type="arabicPeriod"/>
             </a:pPr>
             <a:r>
-              <a:rPr lang="en-US" sz="3200" b="1" dirty="0" smtClean="0"/>
-              <a:t>Flow consistent hashing + coherence free</a:t>
-            </a:r>
-            <a:endParaRPr lang="en-US" sz="3200" b="1" dirty="0"/>
-          </a:p>
-          <a:p>
-            <a:pPr marL="914400" lvl="1" indent="-514350">
+              <a:rPr lang="en-US" sz="3900" b="1" dirty="0" smtClean="0"/>
+              <a:t>Flow consistent </a:t>
+            </a:r>
+            <a:r>
+              <a:rPr lang="en-US" sz="3900" b="1" dirty="0" smtClean="0"/>
+              <a:t>+ coherence </a:t>
+            </a:r>
+            <a:r>
+              <a:rPr lang="en-US" sz="3900" b="1" dirty="0" smtClean="0"/>
+              <a:t>free</a:t>
+            </a:r>
+            <a:endParaRPr lang="en-US" sz="3900" b="1" dirty="0"/>
+          </a:p>
+          <a:p>
+            <a:pPr marL="685800" lvl="1" indent="-342900">
               <a:buFont typeface="Arial"/>
               <a:buChar char="•"/>
             </a:pPr>
             <a:r>
-              <a:rPr lang="en-US" sz="3200" dirty="0" smtClean="0"/>
-              <a:t>Improves multicore scalability</a:t>
+              <a:rPr lang="en-US" sz="3900" dirty="0" smtClean="0"/>
+              <a:t>Improve </a:t>
+            </a:r>
+            <a:r>
+              <a:rPr lang="en-US" sz="3900" dirty="0" smtClean="0"/>
+              <a:t>multicore scalability</a:t>
             </a:r>
           </a:p>
         </p:txBody>
@@ -5659,8 +5704,8 @@
         </p:nvSpPr>
         <p:spPr>
           <a:xfrm>
-            <a:off x="9454444" y="5976584"/>
-            <a:ext cx="8838566" cy="4832092"/>
+            <a:off x="9454444" y="5948009"/>
+            <a:ext cx="8838566" cy="4970591"/>
           </a:xfrm>
           <a:prstGeom prst="rect">
             <a:avLst/>
@@ -5675,17 +5720,18 @@
           <a:p>
             <a:pPr algn="ctr"/>
             <a:r>
-              <a:rPr lang="en-US" sz="4000" dirty="0" smtClean="0">
+              <a:rPr lang="en-US" sz="4400" dirty="0" smtClean="0">
                 <a:solidFill>
                   <a:srgbClr val="C00000"/>
                 </a:solidFill>
               </a:rPr>
               <a:t>Motivation</a:t>
             </a:r>
-          </a:p>
-          <a:p>
-            <a:pPr algn="ctr"/>
-            <a:endParaRPr lang="en-US" sz="1200" dirty="0" smtClean="0"/>
+            <a:endParaRPr lang="en-US" sz="4000" dirty="0" smtClean="0">
+              <a:solidFill>
+                <a:srgbClr val="C00000"/>
+              </a:solidFill>
+            </a:endParaRPr>
           </a:p>
           <a:p>
             <a:pPr marL="457200" indent="-457200">
@@ -5693,10 +5739,22 @@
               <a:buChar char="•"/>
             </a:pPr>
             <a:r>
-              <a:rPr lang="en-US" sz="3200" b="1" dirty="0" smtClean="0"/>
-              <a:t>10 GbE networking hardware is incredibly fast</a:t>
-            </a:r>
-            <a:endParaRPr lang="en-US" sz="3200" b="1" dirty="0"/>
+              <a:rPr lang="en-US" sz="3900" b="1" dirty="0" smtClean="0"/>
+              <a:t>10 </a:t>
+            </a:r>
+            <a:r>
+              <a:rPr lang="en-US" sz="3900" b="1" dirty="0" smtClean="0"/>
+              <a:t>GbE </a:t>
+            </a:r>
+            <a:r>
+              <a:rPr lang="en-US" sz="3900" b="1" dirty="0" smtClean="0"/>
+              <a:t>hardware </a:t>
+            </a:r>
+            <a:r>
+              <a:rPr lang="en-US" sz="3900" b="1" dirty="0" smtClean="0"/>
+              <a:t>is incredibly fast</a:t>
+            </a:r>
+            <a:endParaRPr lang="en-US" sz="3900" b="1" dirty="0"/>
           </a:p>
           <a:p>
             <a:pPr marL="914400" lvl="1" indent="-457200">
@@ -5704,8 +5762,16 @@
               <a:buChar char="•"/>
             </a:pPr>
             <a:r>
-              <a:rPr lang="en-US" sz="3200" dirty="0" smtClean="0"/>
-              <a:t>Over 10 million QPS possible w/ small pkts</a:t>
+              <a:rPr lang="en-US" sz="3900" dirty="0" smtClean="0"/>
+              <a:t>Over 10 million QPS </a:t>
+            </a:r>
+            <a:r>
+              <a:rPr lang="en-US" sz="3900" dirty="0" smtClean="0"/>
+              <a:t>w</a:t>
+            </a:r>
+            <a:r>
+              <a:rPr lang="en-US" sz="3900" dirty="0" smtClean="0"/>
+              <a:t>/ small pkts</a:t>
             </a:r>
           </a:p>
           <a:p>
@@ -5714,8 +5780,12 @@
               <a:buChar char="•"/>
             </a:pPr>
             <a:r>
-              <a:rPr lang="en-US" sz="3200" dirty="0" smtClean="0"/>
-              <a:t>10 – 20 μs latency possible inside datacenters with cut-through switching</a:t>
+              <a:rPr lang="en-US" sz="3900" dirty="0" smtClean="0"/>
+              <a:t>10 – 20 μs latency </a:t>
+            </a:r>
+            <a:r>
+              <a:rPr lang="en-US" sz="3900" dirty="0" smtClean="0"/>
+              <a:t>in datacenters </a:t>
             </a:r>
           </a:p>
           <a:p>
@@ -5724,10 +5794,14 @@
               <a:buChar char="•"/>
             </a:pPr>
             <a:r>
-              <a:rPr lang="en-US" sz="3200" dirty="0" smtClean="0"/>
-              <a:t>Only getting better: 40 GbE around the corner</a:t>
-            </a:r>
-            <a:endParaRPr lang="en-US" sz="3200" dirty="0"/>
+              <a:rPr lang="en-US" sz="3900" dirty="0" smtClean="0"/>
+              <a:t>40 GbE is </a:t>
+            </a:r>
+            <a:r>
+              <a:rPr lang="en-US" sz="3900" dirty="0" smtClean="0"/>
+              <a:t>around the corner</a:t>
+            </a:r>
+            <a:endParaRPr lang="en-US" sz="3900" dirty="0"/>
           </a:p>
           <a:p>
             <a:pPr marL="457200" indent="-457200">
@@ -5735,13 +5809,18 @@
               <a:buChar char="•"/>
             </a:pPr>
             <a:r>
-              <a:rPr lang="en-US" sz="3200" b="1" dirty="0"/>
+              <a:rPr lang="en-US" sz="3900" b="1" dirty="0"/>
               <a:t>S</a:t>
             </a:r>
             <a:r>
-              <a:rPr lang="en-US" sz="3200" b="1" dirty="0" smtClean="0"/>
-              <a:t>ystems software is a significant bottleneck</a:t>
-            </a:r>
+              <a:rPr lang="en-US" sz="3900" b="1" dirty="0" smtClean="0"/>
+              <a:t>ystems software is a </a:t>
+            </a:r>
+            <a:r>
+              <a:rPr lang="en-US" sz="3900" b="1" dirty="0" smtClean="0"/>
+              <a:t>bottleneck</a:t>
+            </a:r>
+            <a:endParaRPr lang="en-US" sz="3900" b="1" dirty="0" smtClean="0"/>
           </a:p>
           <a:p>
             <a:pPr marL="914400" lvl="1" indent="-457200">
@@ -5749,7 +5828,7 @@
               <a:buChar char="•"/>
             </a:pPr>
             <a:r>
-              <a:rPr lang="en-US" sz="3200" dirty="0" smtClean="0"/>
+              <a:rPr lang="en-US" sz="3900" dirty="0" smtClean="0"/>
               <a:t>Limited throughput, latency jitter, poor multicore scalability</a:t>
             </a:r>
           </a:p>
@@ -5776,7 +5855,7 @@
         </p:blipFill>
         <p:spPr>
           <a:xfrm>
-            <a:off x="10872544" y="3519873"/>
+            <a:off x="11301169" y="3519873"/>
             <a:ext cx="1968274" cy="2109613"/>
           </a:xfrm>
           <a:prstGeom prst="rect">
@@ -5800,7 +5879,7 @@
         </p:blipFill>
         <p:spPr>
           <a:xfrm>
-            <a:off x="13045722" y="3494528"/>
+            <a:off x="13502922" y="3494528"/>
             <a:ext cx="2118078" cy="2118078"/>
           </a:xfrm>
           <a:prstGeom prst="rect">
@@ -5821,7 +5900,7 @@
   <p:timing>
     <p:tnLst>
       <p:par>
-        <p:cTn xmlns:p14="http://schemas.microsoft.com/office/powerpoint/2010/main" id="1" dur="indefinite" restart="never" nodeType="tmRoot"/>
+        <p:cTn id="1" dur="indefinite" restart="never" nodeType="tmRoot"/>
       </p:par>
     </p:tnLst>
   </p:timing>

--- a/presentations/ix_osdi_poster.pptx
+++ b/presentations/ix_osdi_poster.pptx
@@ -107,6 +107,22 @@
       </a:defRPr>
     </a:lvl9pPr>
   </p:defaultTextStyle>
+  <p:extLst>
+    <p:ext uri="{EFAFB233-063F-42B5-8137-9DF3F51BA10A}">
+      <p15:sldGuideLst xmlns:p15="http://schemas.microsoft.com/office/powerpoint/2012/main" xmlns="">
+        <p15:guide id="1" orient="horz" pos="11520">
+          <p15:clr>
+            <a:srgbClr val="A4A3A4"/>
+          </p15:clr>
+        </p15:guide>
+        <p15:guide id="2" pos="8640">
+          <p15:clr>
+            <a:srgbClr val="A4A3A4"/>
+          </p15:clr>
+        </p15:guide>
+      </p15:sldGuideLst>
+    </p:ext>
+  </p:extLst>
 </p:presentation>
 </file>
 
@@ -3728,11 +3744,6 @@
               </a:rPr>
               <a:t>Datacenter applications require:</a:t>
             </a:r>
-            <a:endParaRPr lang="en-US" sz="4400" dirty="0" smtClean="0">
-              <a:solidFill>
-                <a:srgbClr val="C00000"/>
-              </a:solidFill>
-            </a:endParaRPr>
           </a:p>
           <a:p>
             <a:pPr algn="ctr"/>
@@ -3864,11 +3875,7 @@
             </a:pPr>
             <a:r>
               <a:rPr lang="en-US" sz="3900" b="1" dirty="0" smtClean="0"/>
-              <a:t>Bypass </a:t>
-            </a:r>
-            <a:r>
-              <a:rPr lang="en-US" sz="3900" b="1" dirty="0" smtClean="0"/>
-              <a:t>the kernel</a:t>
+              <a:t>Bypass the kernel</a:t>
             </a:r>
           </a:p>
           <a:p>
@@ -3878,15 +3885,7 @@
             </a:pPr>
             <a:r>
               <a:rPr lang="en-US" sz="3900" dirty="0" smtClean="0"/>
-              <a:t>User-level stack (e.g. </a:t>
-            </a:r>
-            <a:r>
-              <a:rPr lang="en-US" sz="3900" dirty="0" smtClean="0"/>
-              <a:t>mTCP</a:t>
-            </a:r>
-            <a:r>
-              <a:rPr lang="en-US" sz="3900" dirty="0" smtClean="0"/>
-              <a:t>)</a:t>
+              <a:t>User-level stack (e.g. mTCP)</a:t>
             </a:r>
           </a:p>
           <a:p>
@@ -3896,15 +3895,7 @@
             </a:pPr>
             <a:r>
               <a:rPr lang="en-US" sz="3900" dirty="0" smtClean="0"/>
-              <a:t>Offload </a:t>
-            </a:r>
-            <a:r>
-              <a:rPr lang="en-US" sz="3900" dirty="0" smtClean="0"/>
-              <a:t>to </a:t>
-            </a:r>
-            <a:r>
-              <a:rPr lang="en-US" sz="3900" dirty="0" smtClean="0"/>
-              <a:t>HW (e.g. RDMA, TOE)</a:t>
+              <a:t>Offload to HW (e.g. RDMA, TOE)</a:t>
             </a:r>
           </a:p>
           <a:p>
@@ -3924,19 +3915,11 @@
             </a:pPr>
             <a:r>
               <a:rPr lang="en-US" sz="3900" dirty="0" smtClean="0"/>
-              <a:t>User-level networking and </a:t>
-            </a:r>
-            <a:r>
-              <a:rPr lang="en-US" sz="3900" dirty="0" smtClean="0"/>
-              <a:t>TCP alternatives </a:t>
+              <a:t>User-level networking and TCP alternatives </a:t>
             </a:r>
             <a:r>
               <a:rPr lang="en-US" sz="3900" b="1" dirty="0" smtClean="0"/>
-              <a:t>s</a:t>
-            </a:r>
-            <a:r>
-              <a:rPr lang="en-US" sz="3900" b="1" dirty="0" smtClean="0"/>
-              <a:t>acrifice security </a:t>
+              <a:t>sacrifice security </a:t>
             </a:r>
             <a:r>
               <a:rPr lang="en-US" sz="3900" dirty="0" smtClean="0"/>
@@ -3972,7 +3955,7 @@
         </p:blipFill>
         <p:spPr>
           <a:xfrm>
-            <a:off x="9572878" y="11305023"/>
+            <a:off x="9674478" y="11305023"/>
             <a:ext cx="8471993" cy="5859028"/>
           </a:xfrm>
           <a:prstGeom prst="rect">
@@ -4046,11 +4029,7 @@
             </a:r>
             <a:r>
               <a:rPr lang="en-US" sz="3900" i="1" dirty="0" smtClean="0"/>
-              <a:t>full </a:t>
-            </a:r>
-            <a:r>
-              <a:rPr lang="en-US" sz="3900" i="1" dirty="0" smtClean="0"/>
-              <a:t>TCP </a:t>
+              <a:t>full TCP </a:t>
             </a:r>
             <a:r>
               <a:rPr lang="en-US" sz="3900" i="1" dirty="0" smtClean="0">
@@ -4066,23 +4045,7 @@
                   <a:srgbClr val="000000"/>
                 </a:solidFill>
               </a:rPr>
-              <a:t> in </a:t>
-            </a:r>
-            <a:r>
-              <a:rPr lang="en-US" sz="3900" dirty="0" smtClean="0">
-                <a:solidFill>
-                  <a:srgbClr val="000000"/>
-                </a:solidFill>
-              </a:rPr>
-              <a:t>dataplane</a:t>
-            </a:r>
-            <a:r>
-              <a:rPr lang="en-US" sz="3900" dirty="0" smtClean="0">
-                <a:solidFill>
-                  <a:srgbClr val="000000"/>
-                </a:solidFill>
-              </a:rPr>
-              <a:t>, protected from application</a:t>
+              <a:t> in dataplane, protected from application</a:t>
             </a:r>
           </a:p>
           <a:p>
@@ -4257,11 +4220,7 @@
             </a:pPr>
             <a:r>
               <a:rPr lang="en-US" sz="3900" b="1" dirty="0" smtClean="0"/>
-              <a:t>Linux control </a:t>
-            </a:r>
-            <a:r>
-              <a:rPr lang="en-US" sz="3900" b="1" dirty="0" smtClean="0"/>
-              <a:t>plane</a:t>
+              <a:t>Linux control plane</a:t>
             </a:r>
           </a:p>
           <a:p>
@@ -4271,17 +4230,8 @@
             </a:pPr>
             <a:r>
               <a:rPr lang="en-US" sz="3900" dirty="0" smtClean="0"/>
-              <a:t>Course-grained </a:t>
-            </a:r>
-            <a:r>
-              <a:rPr lang="en-US" sz="3900" dirty="0" smtClean="0"/>
-              <a:t>resource management (e.g. </a:t>
-            </a:r>
-            <a:r>
-              <a:rPr lang="en-US" sz="3900" dirty="0" smtClean="0"/>
-              <a:t>network queues)</a:t>
-            </a:r>
-            <a:endParaRPr lang="en-US" sz="3900" dirty="0" smtClean="0"/>
+              <a:t>Course-grained resource management (e.g. network queues)</a:t>
+            </a:r>
           </a:p>
           <a:p>
             <a:pPr marL="914400" lvl="1" indent="-457200">
@@ -4290,15 +4240,7 @@
             </a:pPr>
             <a:r>
               <a:rPr lang="en-US" sz="3900" dirty="0" smtClean="0"/>
-              <a:t>Performs </a:t>
-            </a:r>
-            <a:r>
-              <a:rPr lang="en-US" sz="3900" dirty="0" smtClean="0"/>
-              <a:t>load </a:t>
-            </a:r>
-            <a:r>
-              <a:rPr lang="en-US" sz="3900" dirty="0" smtClean="0"/>
-              <a:t>balancing</a:t>
+              <a:t>Performs load balancing</a:t>
             </a:r>
             <a:endParaRPr lang="en-US" sz="3900" dirty="0"/>
           </a:p>
@@ -4309,19 +4251,7 @@
             </a:pPr>
             <a:r>
               <a:rPr lang="en-US" sz="3900" b="1" dirty="0" smtClean="0"/>
-              <a:t>IX </a:t>
-            </a:r>
-            <a:r>
-              <a:rPr lang="en-US" sz="3900" b="1" dirty="0" smtClean="0"/>
-              <a:t>data </a:t>
-            </a:r>
-            <a:r>
-              <a:rPr lang="en-US" sz="3900" b="1" dirty="0" smtClean="0"/>
-              <a:t>plane (powered by Dune</a:t>
-            </a:r>
-            <a:r>
-              <a:rPr lang="en-US" sz="3900" b="1" dirty="0" smtClean="0"/>
-              <a:t>)</a:t>
+              <a:t>IX data plane (powered by Dune)</a:t>
             </a:r>
           </a:p>
           <a:p>
@@ -4346,15 +4276,7 @@
             </a:pPr>
             <a:r>
               <a:rPr lang="en-US" sz="3900" dirty="0" smtClean="0"/>
-              <a:t>A </a:t>
-            </a:r>
-            <a:r>
-              <a:rPr lang="en-US" sz="3900" dirty="0" smtClean="0"/>
-              <a:t>custom single-app OS for high performance </a:t>
-            </a:r>
-            <a:r>
-              <a:rPr lang="en-US" sz="3900" dirty="0" smtClean="0"/>
-              <a:t>networking </a:t>
+              <a:t>A custom single-app OS for high performance networking </a:t>
             </a:r>
           </a:p>
           <a:p>
@@ -4364,11 +4286,7 @@
             </a:pPr>
             <a:r>
               <a:rPr lang="en-US" sz="3900" b="1" dirty="0" smtClean="0"/>
-              <a:t>Three-way isolation: App</a:t>
-            </a:r>
-            <a:r>
-              <a:rPr lang="en-US" sz="3900" b="1" dirty="0" smtClean="0"/>
-              <a:t>, DP, CP</a:t>
+              <a:t>Three-way isolation: App, DP, CP</a:t>
             </a:r>
           </a:p>
         </p:txBody>
@@ -4480,11 +4398,7 @@
             </a:pPr>
             <a:r>
               <a:rPr lang="en-US" sz="3900" dirty="0" smtClean="0"/>
-              <a:t>Achieves unloaded </a:t>
-            </a:r>
-            <a:r>
-              <a:rPr lang="en-US" sz="3900" dirty="0" smtClean="0"/>
-              <a:t>uni-dir. </a:t>
+              <a:t>Achieves unloaded uni-dir. </a:t>
             </a:r>
             <a:r>
               <a:rPr lang="en-US" sz="3900" dirty="0"/>
@@ -4500,15 +4414,7 @@
             </a:r>
             <a:r>
               <a:rPr lang="en-US" sz="3900" dirty="0" smtClean="0"/>
-              <a:t>, 4× better than </a:t>
-            </a:r>
-            <a:r>
-              <a:rPr lang="en-US" sz="3900" dirty="0" smtClean="0"/>
-              <a:t>Linux, </a:t>
-            </a:r>
-            <a:r>
-              <a:rPr lang="en-US" sz="3900" dirty="0" smtClean="0"/>
-              <a:t>an order of magnitude better than mTCP</a:t>
+              <a:t>, 4× better than Linux, an order of magnitude better than mTCP</a:t>
             </a:r>
           </a:p>
           <a:p>
@@ -4590,7 +4496,6 @@
               <a:rPr lang="en-US" sz="3900" dirty="0" smtClean="0"/>
               <a:t>% kernel time &lt; 10% vs. ~75%</a:t>
             </a:r>
-            <a:endParaRPr lang="en-US" sz="3900" dirty="0" smtClean="0"/>
           </a:p>
         </p:txBody>
       </p:sp>
@@ -4771,99 +4676,6 @@
               <a:rPr lang="en-US" sz="3200" dirty="0" smtClean="0"/>
               <a:t>Message Size</a:t>
             </a:r>
-          </a:p>
-        </p:txBody>
-      </p:sp>
-      <p:sp>
-        <p:nvSpPr>
-          <p:cNvPr id="13" name="TextBox 12"/>
-          <p:cNvSpPr txBox="1"/>
-          <p:nvPr/>
-        </p:nvSpPr>
-        <p:spPr>
-          <a:xfrm>
-            <a:off x="24139815" y="24638134"/>
-            <a:ext cx="1931100" cy="2308324"/>
-          </a:xfrm>
-          <a:prstGeom prst="rect">
-            <a:avLst/>
-          </a:prstGeom>
-          <a:ln w="12700" cmpd="sng"/>
-        </p:spPr>
-        <p:style>
-          <a:lnRef idx="2">
-            <a:schemeClr val="dk1"/>
-          </a:lnRef>
-          <a:fillRef idx="1">
-            <a:schemeClr val="lt1"/>
-          </a:fillRef>
-          <a:effectRef idx="0">
-            <a:schemeClr val="dk1"/>
-          </a:effectRef>
-          <a:fontRef idx="minor">
-            <a:schemeClr val="dk1"/>
-          </a:fontRef>
-        </p:style>
-        <p:txBody>
-          <a:bodyPr wrap="square" rtlCol="0">
-            <a:spAutoFit/>
-          </a:bodyPr>
-          <a:lstStyle/>
-          <a:p>
-            <a:r>
-              <a:rPr lang="en-US" sz="3200" dirty="0" smtClean="0"/>
-              <a:t>Key:</a:t>
-            </a:r>
-          </a:p>
-          <a:p>
-            <a:endParaRPr lang="en-US" sz="1200" dirty="0" smtClean="0"/>
-          </a:p>
-          <a:p>
-            <a:r>
-              <a:rPr lang="en-US" sz="2000" dirty="0" smtClean="0"/>
-              <a:t>IX 10GbE</a:t>
-            </a:r>
-          </a:p>
-          <a:p>
-            <a:r>
-              <a:rPr lang="en-US" sz="2000" b="1" dirty="0" smtClean="0"/>
-              <a:t>IX 4x10GbE</a:t>
-            </a:r>
-          </a:p>
-          <a:p>
-            <a:r>
-              <a:rPr lang="en-US" sz="2000" dirty="0" smtClean="0">
-                <a:solidFill>
-                  <a:schemeClr val="accent2"/>
-                </a:solidFill>
-              </a:rPr>
-              <a:t>Linux 10GbE</a:t>
-            </a:r>
-          </a:p>
-          <a:p>
-            <a:r>
-              <a:rPr lang="en-US" sz="2000" b="1" dirty="0" smtClean="0">
-                <a:solidFill>
-                  <a:schemeClr val="accent2"/>
-                </a:solidFill>
-              </a:rPr>
-              <a:t>Linux 4x10GbE</a:t>
-            </a:r>
-          </a:p>
-          <a:p>
-            <a:r>
-              <a:rPr lang="en-US" sz="2000" dirty="0" smtClean="0">
-                <a:solidFill>
-                  <a:schemeClr val="accent1"/>
-                </a:solidFill>
-              </a:rPr>
-              <a:t>mTCP 10GbE</a:t>
-            </a:r>
-            <a:endParaRPr lang="en-US" sz="2000" dirty="0">
-              <a:solidFill>
-                <a:schemeClr val="accent1"/>
-              </a:solidFill>
-            </a:endParaRPr>
           </a:p>
         </p:txBody>
       </p:sp>
@@ -5388,11 +5200,7 @@
             </a:pPr>
             <a:r>
               <a:rPr lang="en-US" sz="3900" b="1" dirty="0" smtClean="0"/>
-              <a:t>Run </a:t>
-            </a:r>
-            <a:r>
-              <a:rPr lang="en-US" sz="3900" b="1" dirty="0" smtClean="0"/>
-              <a:t>to completion</a:t>
+              <a:t>Run to completion</a:t>
             </a:r>
           </a:p>
           <a:p>
@@ -5402,11 +5210,7 @@
             </a:pPr>
             <a:r>
               <a:rPr lang="en-US" sz="3900" dirty="0" smtClean="0"/>
-              <a:t>Improve </a:t>
-            </a:r>
-            <a:r>
-              <a:rPr lang="en-US" sz="3900" dirty="0" smtClean="0"/>
-              <a:t>D-cache behavior</a:t>
+              <a:t>Improve D-cache behavior</a:t>
             </a:r>
           </a:p>
           <a:p>
@@ -5454,11 +5258,7 @@
             </a:pPr>
             <a:r>
               <a:rPr lang="en-US" sz="3900" dirty="0" smtClean="0"/>
-              <a:t>Maximize programming </a:t>
-            </a:r>
-            <a:r>
-              <a:rPr lang="en-US" sz="3900" dirty="0" smtClean="0"/>
-              <a:t>model flexibility</a:t>
+              <a:t>Maximize programming model flexibility</a:t>
             </a:r>
           </a:p>
           <a:p>
@@ -5468,15 +5268,7 @@
             </a:pPr>
             <a:r>
               <a:rPr lang="en-US" sz="3900" b="1" dirty="0" smtClean="0"/>
-              <a:t>Flow consistent </a:t>
-            </a:r>
-            <a:r>
-              <a:rPr lang="en-US" sz="3900" b="1" dirty="0" smtClean="0"/>
-              <a:t>+ coherence </a:t>
-            </a:r>
-            <a:r>
-              <a:rPr lang="en-US" sz="3900" b="1" dirty="0" smtClean="0"/>
-              <a:t>free</a:t>
+              <a:t>Flow consistent + coherence free</a:t>
             </a:r>
             <a:endParaRPr lang="en-US" sz="3900" b="1" dirty="0"/>
           </a:p>
@@ -5487,11 +5279,7 @@
             </a:pPr>
             <a:r>
               <a:rPr lang="en-US" sz="3900" dirty="0" smtClean="0"/>
-              <a:t>Improve </a:t>
-            </a:r>
-            <a:r>
-              <a:rPr lang="en-US" sz="3900" dirty="0" smtClean="0"/>
-              <a:t>multicore scalability</a:t>
+              <a:t>Improve multicore scalability</a:t>
             </a:r>
           </a:p>
         </p:txBody>
@@ -5740,19 +5528,7 @@
             </a:pPr>
             <a:r>
               <a:rPr lang="en-US" sz="3900" b="1" dirty="0" smtClean="0"/>
-              <a:t>10 </a:t>
-            </a:r>
-            <a:r>
-              <a:rPr lang="en-US" sz="3900" b="1" dirty="0" smtClean="0"/>
-              <a:t>GbE </a:t>
-            </a:r>
-            <a:r>
-              <a:rPr lang="en-US" sz="3900" b="1" dirty="0" smtClean="0"/>
-              <a:t>hardware </a:t>
-            </a:r>
-            <a:r>
-              <a:rPr lang="en-US" sz="3900" b="1" dirty="0" smtClean="0"/>
-              <a:t>is incredibly fast</a:t>
+              <a:t>10 GbE hardware is incredibly fast</a:t>
             </a:r>
             <a:endParaRPr lang="en-US" sz="3900" b="1" dirty="0"/>
           </a:p>
@@ -5763,15 +5539,7 @@
             </a:pPr>
             <a:r>
               <a:rPr lang="en-US" sz="3900" dirty="0" smtClean="0"/>
-              <a:t>Over 10 million QPS </a:t>
-            </a:r>
-            <a:r>
-              <a:rPr lang="en-US" sz="3900" dirty="0" smtClean="0"/>
-              <a:t>w</a:t>
-            </a:r>
-            <a:r>
-              <a:rPr lang="en-US" sz="3900" dirty="0" smtClean="0"/>
-              <a:t>/ small pkts</a:t>
+              <a:t>Over 10 million QPS w/ small pkts</a:t>
             </a:r>
           </a:p>
           <a:p>
@@ -5781,11 +5549,7 @@
             </a:pPr>
             <a:r>
               <a:rPr lang="en-US" sz="3900" dirty="0" smtClean="0"/>
-              <a:t>10 – 20 μs latency </a:t>
-            </a:r>
-            <a:r>
-              <a:rPr lang="en-US" sz="3900" dirty="0" smtClean="0"/>
-              <a:t>in datacenters </a:t>
+              <a:t>10 – 20 μs latency in datacenters </a:t>
             </a:r>
           </a:p>
           <a:p>
@@ -5795,11 +5559,7 @@
             </a:pPr>
             <a:r>
               <a:rPr lang="en-US" sz="3900" dirty="0" smtClean="0"/>
-              <a:t>40 GbE is </a:t>
-            </a:r>
-            <a:r>
-              <a:rPr lang="en-US" sz="3900" dirty="0" smtClean="0"/>
-              <a:t>around the corner</a:t>
+              <a:t>40 GbE is around the corner</a:t>
             </a:r>
             <a:endParaRPr lang="en-US" sz="3900" dirty="0"/>
           </a:p>
@@ -5814,13 +5574,8 @@
             </a:r>
             <a:r>
               <a:rPr lang="en-US" sz="3900" b="1" dirty="0" smtClean="0"/>
-              <a:t>ystems software is a </a:t>
-            </a:r>
-            <a:r>
-              <a:rPr lang="en-US" sz="3900" b="1" dirty="0" smtClean="0"/>
-              <a:t>bottleneck</a:t>
-            </a:r>
-            <a:endParaRPr lang="en-US" sz="3900" b="1" dirty="0" smtClean="0"/>
+              <a:t>ystems software is a bottleneck</a:t>
+            </a:r>
           </a:p>
           <a:p>
             <a:pPr marL="914400" lvl="1" indent="-457200">
@@ -5887,6 +5642,1563 @@
           </a:prstGeom>
         </p:spPr>
       </p:pic>
+      <p:grpSp>
+        <p:nvGrpSpPr>
+          <p:cNvPr id="23" name="Group 22"/>
+          <p:cNvGrpSpPr/>
+          <p:nvPr/>
+        </p:nvGrpSpPr>
+        <p:grpSpPr>
+          <a:xfrm>
+            <a:off x="24139815" y="25438263"/>
+            <a:ext cx="2210145" cy="1631216"/>
+            <a:chOff x="24139815" y="26886063"/>
+            <a:chExt cx="2210145" cy="1631216"/>
+          </a:xfrm>
+        </p:grpSpPr>
+        <p:sp>
+          <p:nvSpPr>
+            <p:cNvPr id="13" name="TextBox 12"/>
+            <p:cNvSpPr txBox="1"/>
+            <p:nvPr/>
+          </p:nvSpPr>
+          <p:spPr>
+            <a:xfrm>
+              <a:off x="24638542" y="26886063"/>
+              <a:ext cx="1711418" cy="1631216"/>
+            </a:xfrm>
+            <a:prstGeom prst="rect">
+              <a:avLst/>
+            </a:prstGeom>
+            <a:noFill/>
+            <a:ln w="12700" cmpd="sng">
+              <a:noFill/>
+            </a:ln>
+          </p:spPr>
+          <p:style>
+            <a:lnRef idx="2">
+              <a:schemeClr val="dk1"/>
+            </a:lnRef>
+            <a:fillRef idx="1">
+              <a:schemeClr val="lt1"/>
+            </a:fillRef>
+            <a:effectRef idx="0">
+              <a:schemeClr val="dk1"/>
+            </a:effectRef>
+            <a:fontRef idx="minor">
+              <a:schemeClr val="dk1"/>
+            </a:fontRef>
+          </p:style>
+          <p:txBody>
+            <a:bodyPr wrap="square" rtlCol="0">
+              <a:spAutoFit/>
+            </a:bodyPr>
+            <a:lstStyle/>
+            <a:p>
+              <a:pPr>
+                <a:spcAft>
+                  <a:spcPts val="250"/>
+                </a:spcAft>
+              </a:pPr>
+              <a:r>
+                <a:rPr lang="en-US" sz="1800" dirty="0" smtClean="0">
+                  <a:solidFill>
+                    <a:schemeClr val="tx1"/>
+                  </a:solidFill>
+                  <a:latin typeface="Times New Roman" panose="02020603050405020304" pitchFamily="18" charset="0"/>
+                  <a:cs typeface="Times New Roman" panose="02020603050405020304" pitchFamily="18" charset="0"/>
+                </a:rPr>
+                <a:t>IX 10GbE</a:t>
+              </a:r>
+            </a:p>
+            <a:p>
+              <a:pPr>
+                <a:spcAft>
+                  <a:spcPts val="250"/>
+                </a:spcAft>
+              </a:pPr>
+              <a:r>
+                <a:rPr lang="en-US" sz="1800" dirty="0" smtClean="0">
+                  <a:solidFill>
+                    <a:schemeClr val="tx1"/>
+                  </a:solidFill>
+                  <a:latin typeface="Times New Roman" panose="02020603050405020304" pitchFamily="18" charset="0"/>
+                  <a:cs typeface="Times New Roman" panose="02020603050405020304" pitchFamily="18" charset="0"/>
+                </a:rPr>
+                <a:t>IX 4x10GbE</a:t>
+              </a:r>
+            </a:p>
+            <a:p>
+              <a:pPr>
+                <a:spcAft>
+                  <a:spcPts val="250"/>
+                </a:spcAft>
+              </a:pPr>
+              <a:r>
+                <a:rPr lang="en-US" sz="1800" dirty="0" smtClean="0">
+                  <a:solidFill>
+                    <a:schemeClr val="tx1"/>
+                  </a:solidFill>
+                  <a:latin typeface="Times New Roman" panose="02020603050405020304" pitchFamily="18" charset="0"/>
+                  <a:cs typeface="Times New Roman" panose="02020603050405020304" pitchFamily="18" charset="0"/>
+                </a:rPr>
+                <a:t>Linux 10GbE</a:t>
+              </a:r>
+              <a:endParaRPr lang="en-US" sz="1800" dirty="0" smtClean="0">
+                <a:solidFill>
+                  <a:schemeClr val="tx1"/>
+                </a:solidFill>
+                <a:latin typeface="Times New Roman" panose="02020603050405020304" pitchFamily="18" charset="0"/>
+                <a:cs typeface="Times New Roman" panose="02020603050405020304" pitchFamily="18" charset="0"/>
+              </a:endParaRPr>
+            </a:p>
+            <a:p>
+              <a:pPr>
+                <a:spcAft>
+                  <a:spcPts val="250"/>
+                </a:spcAft>
+              </a:pPr>
+              <a:r>
+                <a:rPr lang="en-US" sz="1800" dirty="0" smtClean="0">
+                  <a:solidFill>
+                    <a:schemeClr val="tx1"/>
+                  </a:solidFill>
+                  <a:latin typeface="Times New Roman" panose="02020603050405020304" pitchFamily="18" charset="0"/>
+                  <a:cs typeface="Times New Roman" panose="02020603050405020304" pitchFamily="18" charset="0"/>
+                </a:rPr>
+                <a:t>Linux 4x10GbE</a:t>
+              </a:r>
+              <a:endParaRPr lang="en-US" sz="1800" dirty="0" smtClean="0">
+                <a:solidFill>
+                  <a:schemeClr val="tx1"/>
+                </a:solidFill>
+                <a:latin typeface="Times New Roman" panose="02020603050405020304" pitchFamily="18" charset="0"/>
+                <a:cs typeface="Times New Roman" panose="02020603050405020304" pitchFamily="18" charset="0"/>
+              </a:endParaRPr>
+            </a:p>
+            <a:p>
+              <a:pPr>
+                <a:spcAft>
+                  <a:spcPts val="250"/>
+                </a:spcAft>
+              </a:pPr>
+              <a:r>
+                <a:rPr lang="en-US" sz="1800" dirty="0" smtClean="0">
+                  <a:solidFill>
+                    <a:schemeClr val="tx1"/>
+                  </a:solidFill>
+                  <a:latin typeface="Times New Roman" panose="02020603050405020304" pitchFamily="18" charset="0"/>
+                  <a:cs typeface="Times New Roman" panose="02020603050405020304" pitchFamily="18" charset="0"/>
+                </a:rPr>
+                <a:t>mTCP 10GbE</a:t>
+              </a:r>
+            </a:p>
+          </p:txBody>
+        </p:sp>
+        <p:cxnSp>
+          <p:nvCxnSpPr>
+            <p:cNvPr id="15" name="Straight Connector 14"/>
+            <p:cNvCxnSpPr/>
+            <p:nvPr/>
+          </p:nvCxnSpPr>
+          <p:spPr>
+            <a:xfrm>
+              <a:off x="24139815" y="27077085"/>
+              <a:ext cx="505442" cy="0"/>
+            </a:xfrm>
+            <a:prstGeom prst="line">
+              <a:avLst/>
+            </a:prstGeom>
+            <a:ln w="9525">
+              <a:solidFill>
+                <a:schemeClr val="tx1"/>
+              </a:solidFill>
+            </a:ln>
+            <a:effectLst/>
+          </p:spPr>
+          <p:style>
+            <a:lnRef idx="2">
+              <a:schemeClr val="accent1"/>
+            </a:lnRef>
+            <a:fillRef idx="0">
+              <a:schemeClr val="accent1"/>
+            </a:fillRef>
+            <a:effectRef idx="1">
+              <a:schemeClr val="accent1"/>
+            </a:effectRef>
+            <a:fontRef idx="minor">
+              <a:schemeClr val="tx1"/>
+            </a:fontRef>
+          </p:style>
+        </p:cxnSp>
+        <p:sp>
+          <p:nvSpPr>
+            <p:cNvPr id="16" name="Rectangle 15"/>
+            <p:cNvSpPr/>
+            <p:nvPr/>
+          </p:nvSpPr>
+          <p:spPr>
+            <a:xfrm>
+              <a:off x="24337767" y="27021832"/>
+              <a:ext cx="109538" cy="109538"/>
+            </a:xfrm>
+            <a:prstGeom prst="rect">
+              <a:avLst/>
+            </a:prstGeom>
+            <a:noFill/>
+            <a:ln>
+              <a:solidFill>
+                <a:schemeClr val="tx1"/>
+              </a:solidFill>
+            </a:ln>
+            <a:effectLst/>
+          </p:spPr>
+          <p:style>
+            <a:lnRef idx="1">
+              <a:schemeClr val="accent1"/>
+            </a:lnRef>
+            <a:fillRef idx="3">
+              <a:schemeClr val="accent1"/>
+            </a:fillRef>
+            <a:effectRef idx="2">
+              <a:schemeClr val="accent1"/>
+            </a:effectRef>
+            <a:fontRef idx="minor">
+              <a:schemeClr val="lt1"/>
+            </a:fontRef>
+          </p:style>
+          <p:txBody>
+            <a:bodyPr rtlCol="0" anchor="ctr"/>
+            <a:lstStyle/>
+            <a:p>
+              <a:pPr algn="ctr"/>
+              <a:endParaRPr lang="en-US"/>
+            </a:p>
+          </p:txBody>
+        </p:sp>
+        <p:cxnSp>
+          <p:nvCxnSpPr>
+            <p:cNvPr id="45" name="Straight Connector 44"/>
+            <p:cNvCxnSpPr/>
+            <p:nvPr/>
+          </p:nvCxnSpPr>
+          <p:spPr>
+            <a:xfrm>
+              <a:off x="24139815" y="27391217"/>
+              <a:ext cx="505442" cy="0"/>
+            </a:xfrm>
+            <a:prstGeom prst="line">
+              <a:avLst/>
+            </a:prstGeom>
+            <a:ln w="9525">
+              <a:solidFill>
+                <a:schemeClr val="tx1"/>
+              </a:solidFill>
+            </a:ln>
+            <a:effectLst/>
+          </p:spPr>
+          <p:style>
+            <a:lnRef idx="2">
+              <a:schemeClr val="accent1"/>
+            </a:lnRef>
+            <a:fillRef idx="0">
+              <a:schemeClr val="accent1"/>
+            </a:fillRef>
+            <a:effectRef idx="1">
+              <a:schemeClr val="accent1"/>
+            </a:effectRef>
+            <a:fontRef idx="minor">
+              <a:schemeClr val="tx1"/>
+            </a:fontRef>
+          </p:style>
+        </p:cxnSp>
+        <p:sp>
+          <p:nvSpPr>
+            <p:cNvPr id="46" name="Rectangle 45"/>
+            <p:cNvSpPr/>
+            <p:nvPr/>
+          </p:nvSpPr>
+          <p:spPr>
+            <a:xfrm>
+              <a:off x="24337767" y="27335964"/>
+              <a:ext cx="109538" cy="109538"/>
+            </a:xfrm>
+            <a:prstGeom prst="rect">
+              <a:avLst/>
+            </a:prstGeom>
+            <a:solidFill>
+              <a:schemeClr val="tx1"/>
+            </a:solidFill>
+            <a:ln>
+              <a:solidFill>
+                <a:schemeClr val="tx1"/>
+              </a:solidFill>
+            </a:ln>
+            <a:effectLst/>
+          </p:spPr>
+          <p:style>
+            <a:lnRef idx="1">
+              <a:schemeClr val="accent1"/>
+            </a:lnRef>
+            <a:fillRef idx="3">
+              <a:schemeClr val="accent1"/>
+            </a:fillRef>
+            <a:effectRef idx="2">
+              <a:schemeClr val="accent1"/>
+            </a:effectRef>
+            <a:fontRef idx="minor">
+              <a:schemeClr val="lt1"/>
+            </a:fontRef>
+          </p:style>
+          <p:txBody>
+            <a:bodyPr rtlCol="0" anchor="ctr"/>
+            <a:lstStyle/>
+            <a:p>
+              <a:pPr algn="ctr"/>
+              <a:endParaRPr lang="en-US"/>
+            </a:p>
+          </p:txBody>
+        </p:sp>
+        <p:cxnSp>
+          <p:nvCxnSpPr>
+            <p:cNvPr id="47" name="Straight Connector 46"/>
+            <p:cNvCxnSpPr/>
+            <p:nvPr/>
+          </p:nvCxnSpPr>
+          <p:spPr>
+            <a:xfrm>
+              <a:off x="24139815" y="27700255"/>
+              <a:ext cx="505442" cy="0"/>
+            </a:xfrm>
+            <a:prstGeom prst="line">
+              <a:avLst/>
+            </a:prstGeom>
+            <a:ln w="9525">
+              <a:solidFill>
+                <a:srgbClr val="FF0000"/>
+              </a:solidFill>
+            </a:ln>
+            <a:effectLst/>
+          </p:spPr>
+          <p:style>
+            <a:lnRef idx="2">
+              <a:schemeClr val="accent1"/>
+            </a:lnRef>
+            <a:fillRef idx="0">
+              <a:schemeClr val="accent1"/>
+            </a:fillRef>
+            <a:effectRef idx="1">
+              <a:schemeClr val="accent1"/>
+            </a:effectRef>
+            <a:fontRef idx="minor">
+              <a:schemeClr val="tx1"/>
+            </a:fontRef>
+          </p:style>
+        </p:cxnSp>
+        <p:cxnSp>
+          <p:nvCxnSpPr>
+            <p:cNvPr id="55" name="Straight Connector 54"/>
+            <p:cNvCxnSpPr/>
+            <p:nvPr/>
+          </p:nvCxnSpPr>
+          <p:spPr>
+            <a:xfrm>
+              <a:off x="24139815" y="28006279"/>
+              <a:ext cx="505442" cy="0"/>
+            </a:xfrm>
+            <a:prstGeom prst="line">
+              <a:avLst/>
+            </a:prstGeom>
+            <a:ln w="9525">
+              <a:solidFill>
+                <a:srgbClr val="FF0000"/>
+              </a:solidFill>
+            </a:ln>
+            <a:effectLst/>
+          </p:spPr>
+          <p:style>
+            <a:lnRef idx="2">
+              <a:schemeClr val="accent1"/>
+            </a:lnRef>
+            <a:fillRef idx="0">
+              <a:schemeClr val="accent1"/>
+            </a:fillRef>
+            <a:effectRef idx="1">
+              <a:schemeClr val="accent1"/>
+            </a:effectRef>
+            <a:fontRef idx="minor">
+              <a:schemeClr val="tx1"/>
+            </a:fontRef>
+          </p:style>
+        </p:cxnSp>
+        <p:cxnSp>
+          <p:nvCxnSpPr>
+            <p:cNvPr id="57" name="Straight Connector 56"/>
+            <p:cNvCxnSpPr/>
+            <p:nvPr/>
+          </p:nvCxnSpPr>
+          <p:spPr>
+            <a:xfrm>
+              <a:off x="24139815" y="28313432"/>
+              <a:ext cx="505442" cy="0"/>
+            </a:xfrm>
+            <a:prstGeom prst="line">
+              <a:avLst/>
+            </a:prstGeom>
+            <a:ln w="9525">
+              <a:solidFill>
+                <a:srgbClr val="0000FF"/>
+              </a:solidFill>
+            </a:ln>
+            <a:effectLst/>
+          </p:spPr>
+          <p:style>
+            <a:lnRef idx="2">
+              <a:schemeClr val="accent1"/>
+            </a:lnRef>
+            <a:fillRef idx="0">
+              <a:schemeClr val="accent1"/>
+            </a:fillRef>
+            <a:effectRef idx="1">
+              <a:schemeClr val="accent1"/>
+            </a:effectRef>
+            <a:fontRef idx="minor">
+              <a:schemeClr val="tx1"/>
+            </a:fontRef>
+          </p:style>
+        </p:cxnSp>
+        <p:sp>
+          <p:nvSpPr>
+            <p:cNvPr id="17" name="Oval 16"/>
+            <p:cNvSpPr/>
+            <p:nvPr/>
+          </p:nvSpPr>
+          <p:spPr>
+            <a:xfrm>
+              <a:off x="24342530" y="27647867"/>
+              <a:ext cx="104775" cy="104775"/>
+            </a:xfrm>
+            <a:prstGeom prst="ellipse">
+              <a:avLst/>
+            </a:prstGeom>
+            <a:noFill/>
+            <a:ln>
+              <a:solidFill>
+                <a:srgbClr val="FF0000"/>
+              </a:solidFill>
+            </a:ln>
+            <a:effectLst/>
+          </p:spPr>
+          <p:style>
+            <a:lnRef idx="1">
+              <a:schemeClr val="accent1"/>
+            </a:lnRef>
+            <a:fillRef idx="3">
+              <a:schemeClr val="accent1"/>
+            </a:fillRef>
+            <a:effectRef idx="2">
+              <a:schemeClr val="accent1"/>
+            </a:effectRef>
+            <a:fontRef idx="minor">
+              <a:schemeClr val="lt1"/>
+            </a:fontRef>
+          </p:style>
+          <p:txBody>
+            <a:bodyPr rtlCol="0" anchor="ctr"/>
+            <a:lstStyle/>
+            <a:p>
+              <a:pPr algn="ctr"/>
+              <a:endParaRPr lang="en-US"/>
+            </a:p>
+          </p:txBody>
+        </p:sp>
+        <p:sp>
+          <p:nvSpPr>
+            <p:cNvPr id="59" name="Oval 58"/>
+            <p:cNvSpPr/>
+            <p:nvPr/>
+          </p:nvSpPr>
+          <p:spPr>
+            <a:xfrm>
+              <a:off x="24337767" y="27952155"/>
+              <a:ext cx="104775" cy="104775"/>
+            </a:xfrm>
+            <a:prstGeom prst="ellipse">
+              <a:avLst/>
+            </a:prstGeom>
+            <a:solidFill>
+              <a:srgbClr val="FF0000"/>
+            </a:solidFill>
+            <a:ln>
+              <a:solidFill>
+                <a:srgbClr val="FF0000"/>
+              </a:solidFill>
+            </a:ln>
+            <a:effectLst/>
+          </p:spPr>
+          <p:style>
+            <a:lnRef idx="1">
+              <a:schemeClr val="accent1"/>
+            </a:lnRef>
+            <a:fillRef idx="3">
+              <a:schemeClr val="accent1"/>
+            </a:fillRef>
+            <a:effectRef idx="2">
+              <a:schemeClr val="accent1"/>
+            </a:effectRef>
+            <a:fontRef idx="minor">
+              <a:schemeClr val="lt1"/>
+            </a:fontRef>
+          </p:style>
+          <p:txBody>
+            <a:bodyPr rtlCol="0" anchor="ctr"/>
+            <a:lstStyle/>
+            <a:p>
+              <a:pPr algn="ctr"/>
+              <a:endParaRPr lang="en-US"/>
+            </a:p>
+          </p:txBody>
+        </p:sp>
+        <p:sp>
+          <p:nvSpPr>
+            <p:cNvPr id="21" name="Isosceles Triangle 20"/>
+            <p:cNvSpPr/>
+            <p:nvPr/>
+          </p:nvSpPr>
+          <p:spPr>
+            <a:xfrm>
+              <a:off x="24349673" y="28262884"/>
+              <a:ext cx="97632" cy="84166"/>
+            </a:xfrm>
+            <a:prstGeom prst="triangle">
+              <a:avLst/>
+            </a:prstGeom>
+            <a:noFill/>
+            <a:ln>
+              <a:solidFill>
+                <a:srgbClr val="0000FF"/>
+              </a:solidFill>
+            </a:ln>
+            <a:effectLst/>
+          </p:spPr>
+          <p:style>
+            <a:lnRef idx="1">
+              <a:schemeClr val="accent1"/>
+            </a:lnRef>
+            <a:fillRef idx="3">
+              <a:schemeClr val="accent1"/>
+            </a:fillRef>
+            <a:effectRef idx="2">
+              <a:schemeClr val="accent1"/>
+            </a:effectRef>
+            <a:fontRef idx="minor">
+              <a:schemeClr val="lt1"/>
+            </a:fontRef>
+          </p:style>
+          <p:txBody>
+            <a:bodyPr rtlCol="0" anchor="ctr"/>
+            <a:lstStyle/>
+            <a:p>
+              <a:pPr algn="ctr"/>
+              <a:endParaRPr lang="en-US"/>
+            </a:p>
+          </p:txBody>
+        </p:sp>
+      </p:grpSp>
+      <p:grpSp>
+        <p:nvGrpSpPr>
+          <p:cNvPr id="76" name="Group 75"/>
+          <p:cNvGrpSpPr/>
+          <p:nvPr/>
+        </p:nvGrpSpPr>
+        <p:grpSpPr>
+          <a:xfrm>
+            <a:off x="3501771" y="30525890"/>
+            <a:ext cx="1660515" cy="1315745"/>
+            <a:chOff x="24139815" y="26886063"/>
+            <a:chExt cx="2210145" cy="1315745"/>
+          </a:xfrm>
+        </p:grpSpPr>
+        <p:sp>
+          <p:nvSpPr>
+            <p:cNvPr id="77" name="TextBox 76"/>
+            <p:cNvSpPr txBox="1"/>
+            <p:nvPr/>
+          </p:nvSpPr>
+          <p:spPr>
+            <a:xfrm>
+              <a:off x="24638542" y="26886063"/>
+              <a:ext cx="1711418" cy="1315745"/>
+            </a:xfrm>
+            <a:prstGeom prst="rect">
+              <a:avLst/>
+            </a:prstGeom>
+            <a:noFill/>
+            <a:ln w="12700" cmpd="sng">
+              <a:noFill/>
+            </a:ln>
+          </p:spPr>
+          <p:style>
+            <a:lnRef idx="2">
+              <a:schemeClr val="dk1"/>
+            </a:lnRef>
+            <a:fillRef idx="1">
+              <a:schemeClr val="lt1"/>
+            </a:fillRef>
+            <a:effectRef idx="0">
+              <a:schemeClr val="dk1"/>
+            </a:effectRef>
+            <a:fontRef idx="minor">
+              <a:schemeClr val="dk1"/>
+            </a:fontRef>
+          </p:style>
+          <p:txBody>
+            <a:bodyPr wrap="square" rtlCol="0">
+              <a:spAutoFit/>
+            </a:bodyPr>
+            <a:lstStyle/>
+            <a:p>
+              <a:pPr>
+                <a:spcAft>
+                  <a:spcPts val="250"/>
+                </a:spcAft>
+              </a:pPr>
+              <a:r>
+                <a:rPr lang="en-US" sz="1800" dirty="0" smtClean="0">
+                  <a:solidFill>
+                    <a:schemeClr val="tx1"/>
+                  </a:solidFill>
+                  <a:latin typeface="Times New Roman" panose="02020603050405020304" pitchFamily="18" charset="0"/>
+                  <a:cs typeface="Times New Roman" panose="02020603050405020304" pitchFamily="18" charset="0"/>
+                </a:rPr>
+                <a:t>IX </a:t>
+              </a:r>
+              <a:r>
+                <a:rPr lang="en-US" sz="1800" dirty="0" smtClean="0">
+                  <a:solidFill>
+                    <a:schemeClr val="tx1"/>
+                  </a:solidFill>
+                  <a:latin typeface="Times New Roman" panose="02020603050405020304" pitchFamily="18" charset="0"/>
+                  <a:cs typeface="Times New Roman" panose="02020603050405020304" pitchFamily="18" charset="0"/>
+                </a:rPr>
+                <a:t>(p99)</a:t>
+              </a:r>
+              <a:endParaRPr lang="en-US" sz="1800" dirty="0" smtClean="0">
+                <a:solidFill>
+                  <a:schemeClr val="tx1"/>
+                </a:solidFill>
+                <a:latin typeface="Times New Roman" panose="02020603050405020304" pitchFamily="18" charset="0"/>
+                <a:cs typeface="Times New Roman" panose="02020603050405020304" pitchFamily="18" charset="0"/>
+              </a:endParaRPr>
+            </a:p>
+            <a:p>
+              <a:pPr>
+                <a:spcAft>
+                  <a:spcPts val="250"/>
+                </a:spcAft>
+              </a:pPr>
+              <a:r>
+                <a:rPr lang="en-US" sz="1800" dirty="0" smtClean="0">
+                  <a:solidFill>
+                    <a:schemeClr val="tx1"/>
+                  </a:solidFill>
+                  <a:latin typeface="Times New Roman" panose="02020603050405020304" pitchFamily="18" charset="0"/>
+                  <a:cs typeface="Times New Roman" panose="02020603050405020304" pitchFamily="18" charset="0"/>
+                </a:rPr>
+                <a:t>IX </a:t>
+              </a:r>
+              <a:r>
+                <a:rPr lang="en-US" sz="1800" dirty="0" smtClean="0">
+                  <a:solidFill>
+                    <a:schemeClr val="tx1"/>
+                  </a:solidFill>
+                  <a:latin typeface="Times New Roman" panose="02020603050405020304" pitchFamily="18" charset="0"/>
+                  <a:cs typeface="Times New Roman" panose="02020603050405020304" pitchFamily="18" charset="0"/>
+                </a:rPr>
+                <a:t>(avg)</a:t>
+              </a:r>
+              <a:endParaRPr lang="en-US" sz="1800" dirty="0" smtClean="0">
+                <a:solidFill>
+                  <a:schemeClr val="tx1"/>
+                </a:solidFill>
+                <a:latin typeface="Times New Roman" panose="02020603050405020304" pitchFamily="18" charset="0"/>
+                <a:cs typeface="Times New Roman" panose="02020603050405020304" pitchFamily="18" charset="0"/>
+              </a:endParaRPr>
+            </a:p>
+            <a:p>
+              <a:pPr>
+                <a:spcAft>
+                  <a:spcPts val="250"/>
+                </a:spcAft>
+              </a:pPr>
+              <a:r>
+                <a:rPr lang="en-US" sz="1800" dirty="0" smtClean="0">
+                  <a:solidFill>
+                    <a:schemeClr val="tx1"/>
+                  </a:solidFill>
+                  <a:latin typeface="Times New Roman" panose="02020603050405020304" pitchFamily="18" charset="0"/>
+                  <a:cs typeface="Times New Roman" panose="02020603050405020304" pitchFamily="18" charset="0"/>
+                </a:rPr>
+                <a:t>Linux (p99)</a:t>
+              </a:r>
+              <a:endParaRPr lang="en-US" sz="1800" dirty="0" smtClean="0">
+                <a:solidFill>
+                  <a:schemeClr val="tx1"/>
+                </a:solidFill>
+                <a:latin typeface="Times New Roman" panose="02020603050405020304" pitchFamily="18" charset="0"/>
+                <a:cs typeface="Times New Roman" panose="02020603050405020304" pitchFamily="18" charset="0"/>
+              </a:endParaRPr>
+            </a:p>
+            <a:p>
+              <a:pPr>
+                <a:spcAft>
+                  <a:spcPts val="250"/>
+                </a:spcAft>
+              </a:pPr>
+              <a:r>
+                <a:rPr lang="en-US" sz="1800" dirty="0" smtClean="0">
+                  <a:solidFill>
+                    <a:schemeClr val="tx1"/>
+                  </a:solidFill>
+                  <a:latin typeface="Times New Roman" panose="02020603050405020304" pitchFamily="18" charset="0"/>
+                  <a:cs typeface="Times New Roman" panose="02020603050405020304" pitchFamily="18" charset="0"/>
+                </a:rPr>
+                <a:t>Linux (avg)</a:t>
+              </a:r>
+              <a:endParaRPr lang="en-US" sz="1800" dirty="0" smtClean="0">
+                <a:solidFill>
+                  <a:schemeClr val="tx1"/>
+                </a:solidFill>
+                <a:latin typeface="Times New Roman" panose="02020603050405020304" pitchFamily="18" charset="0"/>
+                <a:cs typeface="Times New Roman" panose="02020603050405020304" pitchFamily="18" charset="0"/>
+              </a:endParaRPr>
+            </a:p>
+          </p:txBody>
+        </p:sp>
+        <p:cxnSp>
+          <p:nvCxnSpPr>
+            <p:cNvPr id="78" name="Straight Connector 77"/>
+            <p:cNvCxnSpPr/>
+            <p:nvPr/>
+          </p:nvCxnSpPr>
+          <p:spPr>
+            <a:xfrm>
+              <a:off x="24139815" y="27077085"/>
+              <a:ext cx="505442" cy="0"/>
+            </a:xfrm>
+            <a:prstGeom prst="line">
+              <a:avLst/>
+            </a:prstGeom>
+            <a:ln w="9525">
+              <a:solidFill>
+                <a:schemeClr val="tx1"/>
+              </a:solidFill>
+            </a:ln>
+            <a:effectLst/>
+          </p:spPr>
+          <p:style>
+            <a:lnRef idx="2">
+              <a:schemeClr val="accent1"/>
+            </a:lnRef>
+            <a:fillRef idx="0">
+              <a:schemeClr val="accent1"/>
+            </a:fillRef>
+            <a:effectRef idx="1">
+              <a:schemeClr val="accent1"/>
+            </a:effectRef>
+            <a:fontRef idx="minor">
+              <a:schemeClr val="tx1"/>
+            </a:fontRef>
+          </p:style>
+        </p:cxnSp>
+        <p:sp>
+          <p:nvSpPr>
+            <p:cNvPr id="79" name="Rectangle 78"/>
+            <p:cNvSpPr/>
+            <p:nvPr/>
+          </p:nvSpPr>
+          <p:spPr>
+            <a:xfrm>
+              <a:off x="24337767" y="27021832"/>
+              <a:ext cx="109538" cy="109538"/>
+            </a:xfrm>
+            <a:prstGeom prst="rect">
+              <a:avLst/>
+            </a:prstGeom>
+            <a:noFill/>
+            <a:ln>
+              <a:solidFill>
+                <a:schemeClr val="tx1"/>
+              </a:solidFill>
+            </a:ln>
+            <a:effectLst/>
+          </p:spPr>
+          <p:style>
+            <a:lnRef idx="1">
+              <a:schemeClr val="accent1"/>
+            </a:lnRef>
+            <a:fillRef idx="3">
+              <a:schemeClr val="accent1"/>
+            </a:fillRef>
+            <a:effectRef idx="2">
+              <a:schemeClr val="accent1"/>
+            </a:effectRef>
+            <a:fontRef idx="minor">
+              <a:schemeClr val="lt1"/>
+            </a:fontRef>
+          </p:style>
+          <p:txBody>
+            <a:bodyPr rtlCol="0" anchor="ctr"/>
+            <a:lstStyle/>
+            <a:p>
+              <a:pPr algn="ctr"/>
+              <a:endParaRPr lang="en-US"/>
+            </a:p>
+          </p:txBody>
+        </p:sp>
+        <p:cxnSp>
+          <p:nvCxnSpPr>
+            <p:cNvPr id="80" name="Straight Connector 79"/>
+            <p:cNvCxnSpPr/>
+            <p:nvPr/>
+          </p:nvCxnSpPr>
+          <p:spPr>
+            <a:xfrm>
+              <a:off x="24139815" y="27391217"/>
+              <a:ext cx="505442" cy="0"/>
+            </a:xfrm>
+            <a:prstGeom prst="line">
+              <a:avLst/>
+            </a:prstGeom>
+            <a:ln w="9525">
+              <a:solidFill>
+                <a:schemeClr val="tx1"/>
+              </a:solidFill>
+              <a:prstDash val="dash"/>
+            </a:ln>
+            <a:effectLst/>
+          </p:spPr>
+          <p:style>
+            <a:lnRef idx="2">
+              <a:schemeClr val="accent1"/>
+            </a:lnRef>
+            <a:fillRef idx="0">
+              <a:schemeClr val="accent1"/>
+            </a:fillRef>
+            <a:effectRef idx="1">
+              <a:schemeClr val="accent1"/>
+            </a:effectRef>
+            <a:fontRef idx="minor">
+              <a:schemeClr val="tx1"/>
+            </a:fontRef>
+          </p:style>
+        </p:cxnSp>
+        <p:sp>
+          <p:nvSpPr>
+            <p:cNvPr id="81" name="Rectangle 80"/>
+            <p:cNvSpPr/>
+            <p:nvPr/>
+          </p:nvSpPr>
+          <p:spPr>
+            <a:xfrm>
+              <a:off x="24337767" y="27335964"/>
+              <a:ext cx="109538" cy="109538"/>
+            </a:xfrm>
+            <a:prstGeom prst="rect">
+              <a:avLst/>
+            </a:prstGeom>
+            <a:noFill/>
+            <a:ln>
+              <a:solidFill>
+                <a:schemeClr val="tx1"/>
+              </a:solidFill>
+            </a:ln>
+            <a:effectLst/>
+          </p:spPr>
+          <p:style>
+            <a:lnRef idx="1">
+              <a:schemeClr val="accent1"/>
+            </a:lnRef>
+            <a:fillRef idx="3">
+              <a:schemeClr val="accent1"/>
+            </a:fillRef>
+            <a:effectRef idx="2">
+              <a:schemeClr val="accent1"/>
+            </a:effectRef>
+            <a:fontRef idx="minor">
+              <a:schemeClr val="lt1"/>
+            </a:fontRef>
+          </p:style>
+          <p:txBody>
+            <a:bodyPr rtlCol="0" anchor="ctr"/>
+            <a:lstStyle/>
+            <a:p>
+              <a:pPr algn="ctr"/>
+              <a:endParaRPr lang="en-US"/>
+            </a:p>
+          </p:txBody>
+        </p:sp>
+        <p:cxnSp>
+          <p:nvCxnSpPr>
+            <p:cNvPr id="82" name="Straight Connector 81"/>
+            <p:cNvCxnSpPr/>
+            <p:nvPr/>
+          </p:nvCxnSpPr>
+          <p:spPr>
+            <a:xfrm>
+              <a:off x="24139815" y="27700255"/>
+              <a:ext cx="505442" cy="0"/>
+            </a:xfrm>
+            <a:prstGeom prst="line">
+              <a:avLst/>
+            </a:prstGeom>
+            <a:ln w="9525">
+              <a:solidFill>
+                <a:srgbClr val="FF0000"/>
+              </a:solidFill>
+            </a:ln>
+            <a:effectLst/>
+          </p:spPr>
+          <p:style>
+            <a:lnRef idx="2">
+              <a:schemeClr val="accent1"/>
+            </a:lnRef>
+            <a:fillRef idx="0">
+              <a:schemeClr val="accent1"/>
+            </a:fillRef>
+            <a:effectRef idx="1">
+              <a:schemeClr val="accent1"/>
+            </a:effectRef>
+            <a:fontRef idx="minor">
+              <a:schemeClr val="tx1"/>
+            </a:fontRef>
+          </p:style>
+        </p:cxnSp>
+        <p:cxnSp>
+          <p:nvCxnSpPr>
+            <p:cNvPr id="83" name="Straight Connector 82"/>
+            <p:cNvCxnSpPr/>
+            <p:nvPr/>
+          </p:nvCxnSpPr>
+          <p:spPr>
+            <a:xfrm>
+              <a:off x="24139815" y="28006279"/>
+              <a:ext cx="505442" cy="0"/>
+            </a:xfrm>
+            <a:prstGeom prst="line">
+              <a:avLst/>
+            </a:prstGeom>
+            <a:ln w="9525">
+              <a:solidFill>
+                <a:srgbClr val="FF0000"/>
+              </a:solidFill>
+              <a:prstDash val="dash"/>
+            </a:ln>
+            <a:effectLst/>
+          </p:spPr>
+          <p:style>
+            <a:lnRef idx="2">
+              <a:schemeClr val="accent1"/>
+            </a:lnRef>
+            <a:fillRef idx="0">
+              <a:schemeClr val="accent1"/>
+            </a:fillRef>
+            <a:effectRef idx="1">
+              <a:schemeClr val="accent1"/>
+            </a:effectRef>
+            <a:fontRef idx="minor">
+              <a:schemeClr val="tx1"/>
+            </a:fontRef>
+          </p:style>
+        </p:cxnSp>
+        <p:sp>
+          <p:nvSpPr>
+            <p:cNvPr id="84" name="Oval 83"/>
+            <p:cNvSpPr/>
+            <p:nvPr/>
+          </p:nvSpPr>
+          <p:spPr>
+            <a:xfrm>
+              <a:off x="24342530" y="27647867"/>
+              <a:ext cx="104775" cy="104775"/>
+            </a:xfrm>
+            <a:prstGeom prst="ellipse">
+              <a:avLst/>
+            </a:prstGeom>
+            <a:noFill/>
+            <a:ln>
+              <a:solidFill>
+                <a:srgbClr val="FF0000"/>
+              </a:solidFill>
+            </a:ln>
+            <a:effectLst/>
+          </p:spPr>
+          <p:style>
+            <a:lnRef idx="1">
+              <a:schemeClr val="accent1"/>
+            </a:lnRef>
+            <a:fillRef idx="3">
+              <a:schemeClr val="accent1"/>
+            </a:fillRef>
+            <a:effectRef idx="2">
+              <a:schemeClr val="accent1"/>
+            </a:effectRef>
+            <a:fontRef idx="minor">
+              <a:schemeClr val="lt1"/>
+            </a:fontRef>
+          </p:style>
+          <p:txBody>
+            <a:bodyPr rtlCol="0" anchor="ctr"/>
+            <a:lstStyle/>
+            <a:p>
+              <a:pPr algn="ctr"/>
+              <a:endParaRPr lang="en-US"/>
+            </a:p>
+          </p:txBody>
+        </p:sp>
+        <p:sp>
+          <p:nvSpPr>
+            <p:cNvPr id="85" name="Oval 84"/>
+            <p:cNvSpPr/>
+            <p:nvPr/>
+          </p:nvSpPr>
+          <p:spPr>
+            <a:xfrm>
+              <a:off x="24337767" y="27952155"/>
+              <a:ext cx="104775" cy="104775"/>
+            </a:xfrm>
+            <a:prstGeom prst="ellipse">
+              <a:avLst/>
+            </a:prstGeom>
+            <a:noFill/>
+            <a:ln>
+              <a:solidFill>
+                <a:srgbClr val="FF0000"/>
+              </a:solidFill>
+            </a:ln>
+            <a:effectLst/>
+          </p:spPr>
+          <p:style>
+            <a:lnRef idx="1">
+              <a:schemeClr val="accent1"/>
+            </a:lnRef>
+            <a:fillRef idx="3">
+              <a:schemeClr val="accent1"/>
+            </a:fillRef>
+            <a:effectRef idx="2">
+              <a:schemeClr val="accent1"/>
+            </a:effectRef>
+            <a:fontRef idx="minor">
+              <a:schemeClr val="lt1"/>
+            </a:fontRef>
+          </p:style>
+          <p:txBody>
+            <a:bodyPr rtlCol="0" anchor="ctr"/>
+            <a:lstStyle/>
+            <a:p>
+              <a:pPr algn="ctr"/>
+              <a:endParaRPr lang="en-US"/>
+            </a:p>
+          </p:txBody>
+        </p:sp>
+      </p:grpSp>
+      <p:grpSp>
+        <p:nvGrpSpPr>
+          <p:cNvPr id="86" name="Group 85"/>
+          <p:cNvGrpSpPr/>
+          <p:nvPr/>
+        </p:nvGrpSpPr>
+        <p:grpSpPr>
+          <a:xfrm>
+            <a:off x="11614379" y="30555331"/>
+            <a:ext cx="1660515" cy="1315745"/>
+            <a:chOff x="24139815" y="26886063"/>
+            <a:chExt cx="2210145" cy="1315745"/>
+          </a:xfrm>
+        </p:grpSpPr>
+        <p:sp>
+          <p:nvSpPr>
+            <p:cNvPr id="87" name="TextBox 86"/>
+            <p:cNvSpPr txBox="1"/>
+            <p:nvPr/>
+          </p:nvSpPr>
+          <p:spPr>
+            <a:xfrm>
+              <a:off x="24638542" y="26886063"/>
+              <a:ext cx="1711418" cy="1315745"/>
+            </a:xfrm>
+            <a:prstGeom prst="rect">
+              <a:avLst/>
+            </a:prstGeom>
+            <a:noFill/>
+            <a:ln w="12700" cmpd="sng">
+              <a:noFill/>
+            </a:ln>
+          </p:spPr>
+          <p:style>
+            <a:lnRef idx="2">
+              <a:schemeClr val="dk1"/>
+            </a:lnRef>
+            <a:fillRef idx="1">
+              <a:schemeClr val="lt1"/>
+            </a:fillRef>
+            <a:effectRef idx="0">
+              <a:schemeClr val="dk1"/>
+            </a:effectRef>
+            <a:fontRef idx="minor">
+              <a:schemeClr val="dk1"/>
+            </a:fontRef>
+          </p:style>
+          <p:txBody>
+            <a:bodyPr wrap="square" rtlCol="0">
+              <a:spAutoFit/>
+            </a:bodyPr>
+            <a:lstStyle/>
+            <a:p>
+              <a:pPr>
+                <a:spcAft>
+                  <a:spcPts val="250"/>
+                </a:spcAft>
+              </a:pPr>
+              <a:r>
+                <a:rPr lang="en-US" sz="1800" dirty="0" smtClean="0">
+                  <a:solidFill>
+                    <a:schemeClr val="tx1"/>
+                  </a:solidFill>
+                  <a:latin typeface="Times New Roman" panose="02020603050405020304" pitchFamily="18" charset="0"/>
+                  <a:cs typeface="Times New Roman" panose="02020603050405020304" pitchFamily="18" charset="0"/>
+                </a:rPr>
+                <a:t>IX </a:t>
+              </a:r>
+              <a:r>
+                <a:rPr lang="en-US" sz="1800" dirty="0" smtClean="0">
+                  <a:solidFill>
+                    <a:schemeClr val="tx1"/>
+                  </a:solidFill>
+                  <a:latin typeface="Times New Roman" panose="02020603050405020304" pitchFamily="18" charset="0"/>
+                  <a:cs typeface="Times New Roman" panose="02020603050405020304" pitchFamily="18" charset="0"/>
+                </a:rPr>
+                <a:t>(p99)</a:t>
+              </a:r>
+              <a:endParaRPr lang="en-US" sz="1800" dirty="0" smtClean="0">
+                <a:solidFill>
+                  <a:schemeClr val="tx1"/>
+                </a:solidFill>
+                <a:latin typeface="Times New Roman" panose="02020603050405020304" pitchFamily="18" charset="0"/>
+                <a:cs typeface="Times New Roman" panose="02020603050405020304" pitchFamily="18" charset="0"/>
+              </a:endParaRPr>
+            </a:p>
+            <a:p>
+              <a:pPr>
+                <a:spcAft>
+                  <a:spcPts val="250"/>
+                </a:spcAft>
+              </a:pPr>
+              <a:r>
+                <a:rPr lang="en-US" sz="1800" dirty="0" smtClean="0">
+                  <a:solidFill>
+                    <a:schemeClr val="tx1"/>
+                  </a:solidFill>
+                  <a:latin typeface="Times New Roman" panose="02020603050405020304" pitchFamily="18" charset="0"/>
+                  <a:cs typeface="Times New Roman" panose="02020603050405020304" pitchFamily="18" charset="0"/>
+                </a:rPr>
+                <a:t>IX </a:t>
+              </a:r>
+              <a:r>
+                <a:rPr lang="en-US" sz="1800" dirty="0" smtClean="0">
+                  <a:solidFill>
+                    <a:schemeClr val="tx1"/>
+                  </a:solidFill>
+                  <a:latin typeface="Times New Roman" panose="02020603050405020304" pitchFamily="18" charset="0"/>
+                  <a:cs typeface="Times New Roman" panose="02020603050405020304" pitchFamily="18" charset="0"/>
+                </a:rPr>
+                <a:t>(avg)</a:t>
+              </a:r>
+              <a:endParaRPr lang="en-US" sz="1800" dirty="0" smtClean="0">
+                <a:solidFill>
+                  <a:schemeClr val="tx1"/>
+                </a:solidFill>
+                <a:latin typeface="Times New Roman" panose="02020603050405020304" pitchFamily="18" charset="0"/>
+                <a:cs typeface="Times New Roman" panose="02020603050405020304" pitchFamily="18" charset="0"/>
+              </a:endParaRPr>
+            </a:p>
+            <a:p>
+              <a:pPr>
+                <a:spcAft>
+                  <a:spcPts val="250"/>
+                </a:spcAft>
+              </a:pPr>
+              <a:r>
+                <a:rPr lang="en-US" sz="1800" dirty="0" smtClean="0">
+                  <a:solidFill>
+                    <a:schemeClr val="tx1"/>
+                  </a:solidFill>
+                  <a:latin typeface="Times New Roman" panose="02020603050405020304" pitchFamily="18" charset="0"/>
+                  <a:cs typeface="Times New Roman" panose="02020603050405020304" pitchFamily="18" charset="0"/>
+                </a:rPr>
+                <a:t>Linux (p99)</a:t>
+              </a:r>
+              <a:endParaRPr lang="en-US" sz="1800" dirty="0" smtClean="0">
+                <a:solidFill>
+                  <a:schemeClr val="tx1"/>
+                </a:solidFill>
+                <a:latin typeface="Times New Roman" panose="02020603050405020304" pitchFamily="18" charset="0"/>
+                <a:cs typeface="Times New Roman" panose="02020603050405020304" pitchFamily="18" charset="0"/>
+              </a:endParaRPr>
+            </a:p>
+            <a:p>
+              <a:pPr>
+                <a:spcAft>
+                  <a:spcPts val="250"/>
+                </a:spcAft>
+              </a:pPr>
+              <a:r>
+                <a:rPr lang="en-US" sz="1800" dirty="0" smtClean="0">
+                  <a:solidFill>
+                    <a:schemeClr val="tx1"/>
+                  </a:solidFill>
+                  <a:latin typeface="Times New Roman" panose="02020603050405020304" pitchFamily="18" charset="0"/>
+                  <a:cs typeface="Times New Roman" panose="02020603050405020304" pitchFamily="18" charset="0"/>
+                </a:rPr>
+                <a:t>Linux (avg)</a:t>
+              </a:r>
+              <a:endParaRPr lang="en-US" sz="1800" dirty="0" smtClean="0">
+                <a:solidFill>
+                  <a:schemeClr val="tx1"/>
+                </a:solidFill>
+                <a:latin typeface="Times New Roman" panose="02020603050405020304" pitchFamily="18" charset="0"/>
+                <a:cs typeface="Times New Roman" panose="02020603050405020304" pitchFamily="18" charset="0"/>
+              </a:endParaRPr>
+            </a:p>
+          </p:txBody>
+        </p:sp>
+        <p:cxnSp>
+          <p:nvCxnSpPr>
+            <p:cNvPr id="88" name="Straight Connector 87"/>
+            <p:cNvCxnSpPr/>
+            <p:nvPr/>
+          </p:nvCxnSpPr>
+          <p:spPr>
+            <a:xfrm>
+              <a:off x="24139815" y="27077085"/>
+              <a:ext cx="505442" cy="0"/>
+            </a:xfrm>
+            <a:prstGeom prst="line">
+              <a:avLst/>
+            </a:prstGeom>
+            <a:ln w="9525">
+              <a:solidFill>
+                <a:schemeClr val="tx1"/>
+              </a:solidFill>
+            </a:ln>
+            <a:effectLst/>
+          </p:spPr>
+          <p:style>
+            <a:lnRef idx="2">
+              <a:schemeClr val="accent1"/>
+            </a:lnRef>
+            <a:fillRef idx="0">
+              <a:schemeClr val="accent1"/>
+            </a:fillRef>
+            <a:effectRef idx="1">
+              <a:schemeClr val="accent1"/>
+            </a:effectRef>
+            <a:fontRef idx="minor">
+              <a:schemeClr val="tx1"/>
+            </a:fontRef>
+          </p:style>
+        </p:cxnSp>
+        <p:sp>
+          <p:nvSpPr>
+            <p:cNvPr id="89" name="Rectangle 88"/>
+            <p:cNvSpPr/>
+            <p:nvPr/>
+          </p:nvSpPr>
+          <p:spPr>
+            <a:xfrm>
+              <a:off x="24337767" y="27021832"/>
+              <a:ext cx="109538" cy="109538"/>
+            </a:xfrm>
+            <a:prstGeom prst="rect">
+              <a:avLst/>
+            </a:prstGeom>
+            <a:noFill/>
+            <a:ln>
+              <a:solidFill>
+                <a:schemeClr val="tx1"/>
+              </a:solidFill>
+            </a:ln>
+            <a:effectLst/>
+          </p:spPr>
+          <p:style>
+            <a:lnRef idx="1">
+              <a:schemeClr val="accent1"/>
+            </a:lnRef>
+            <a:fillRef idx="3">
+              <a:schemeClr val="accent1"/>
+            </a:fillRef>
+            <a:effectRef idx="2">
+              <a:schemeClr val="accent1"/>
+            </a:effectRef>
+            <a:fontRef idx="minor">
+              <a:schemeClr val="lt1"/>
+            </a:fontRef>
+          </p:style>
+          <p:txBody>
+            <a:bodyPr rtlCol="0" anchor="ctr"/>
+            <a:lstStyle/>
+            <a:p>
+              <a:pPr algn="ctr"/>
+              <a:endParaRPr lang="en-US"/>
+            </a:p>
+          </p:txBody>
+        </p:sp>
+        <p:cxnSp>
+          <p:nvCxnSpPr>
+            <p:cNvPr id="90" name="Straight Connector 89"/>
+            <p:cNvCxnSpPr/>
+            <p:nvPr/>
+          </p:nvCxnSpPr>
+          <p:spPr>
+            <a:xfrm>
+              <a:off x="24139815" y="27391217"/>
+              <a:ext cx="505442" cy="0"/>
+            </a:xfrm>
+            <a:prstGeom prst="line">
+              <a:avLst/>
+            </a:prstGeom>
+            <a:ln w="9525">
+              <a:solidFill>
+                <a:schemeClr val="tx1"/>
+              </a:solidFill>
+              <a:prstDash val="dash"/>
+            </a:ln>
+            <a:effectLst/>
+          </p:spPr>
+          <p:style>
+            <a:lnRef idx="2">
+              <a:schemeClr val="accent1"/>
+            </a:lnRef>
+            <a:fillRef idx="0">
+              <a:schemeClr val="accent1"/>
+            </a:fillRef>
+            <a:effectRef idx="1">
+              <a:schemeClr val="accent1"/>
+            </a:effectRef>
+            <a:fontRef idx="minor">
+              <a:schemeClr val="tx1"/>
+            </a:fontRef>
+          </p:style>
+        </p:cxnSp>
+        <p:sp>
+          <p:nvSpPr>
+            <p:cNvPr id="91" name="Rectangle 90"/>
+            <p:cNvSpPr/>
+            <p:nvPr/>
+          </p:nvSpPr>
+          <p:spPr>
+            <a:xfrm>
+              <a:off x="24337767" y="27335964"/>
+              <a:ext cx="109538" cy="109538"/>
+            </a:xfrm>
+            <a:prstGeom prst="rect">
+              <a:avLst/>
+            </a:prstGeom>
+            <a:noFill/>
+            <a:ln>
+              <a:solidFill>
+                <a:schemeClr val="tx1"/>
+              </a:solidFill>
+            </a:ln>
+            <a:effectLst/>
+          </p:spPr>
+          <p:style>
+            <a:lnRef idx="1">
+              <a:schemeClr val="accent1"/>
+            </a:lnRef>
+            <a:fillRef idx="3">
+              <a:schemeClr val="accent1"/>
+            </a:fillRef>
+            <a:effectRef idx="2">
+              <a:schemeClr val="accent1"/>
+            </a:effectRef>
+            <a:fontRef idx="minor">
+              <a:schemeClr val="lt1"/>
+            </a:fontRef>
+          </p:style>
+          <p:txBody>
+            <a:bodyPr rtlCol="0" anchor="ctr"/>
+            <a:lstStyle/>
+            <a:p>
+              <a:pPr algn="ctr"/>
+              <a:endParaRPr lang="en-US"/>
+            </a:p>
+          </p:txBody>
+        </p:sp>
+        <p:cxnSp>
+          <p:nvCxnSpPr>
+            <p:cNvPr id="92" name="Straight Connector 91"/>
+            <p:cNvCxnSpPr/>
+            <p:nvPr/>
+          </p:nvCxnSpPr>
+          <p:spPr>
+            <a:xfrm>
+              <a:off x="24139815" y="27700255"/>
+              <a:ext cx="505442" cy="0"/>
+            </a:xfrm>
+            <a:prstGeom prst="line">
+              <a:avLst/>
+            </a:prstGeom>
+            <a:ln w="9525">
+              <a:solidFill>
+                <a:srgbClr val="FF0000"/>
+              </a:solidFill>
+            </a:ln>
+            <a:effectLst/>
+          </p:spPr>
+          <p:style>
+            <a:lnRef idx="2">
+              <a:schemeClr val="accent1"/>
+            </a:lnRef>
+            <a:fillRef idx="0">
+              <a:schemeClr val="accent1"/>
+            </a:fillRef>
+            <a:effectRef idx="1">
+              <a:schemeClr val="accent1"/>
+            </a:effectRef>
+            <a:fontRef idx="minor">
+              <a:schemeClr val="tx1"/>
+            </a:fontRef>
+          </p:style>
+        </p:cxnSp>
+        <p:cxnSp>
+          <p:nvCxnSpPr>
+            <p:cNvPr id="93" name="Straight Connector 92"/>
+            <p:cNvCxnSpPr/>
+            <p:nvPr/>
+          </p:nvCxnSpPr>
+          <p:spPr>
+            <a:xfrm>
+              <a:off x="24139815" y="28006279"/>
+              <a:ext cx="505442" cy="0"/>
+            </a:xfrm>
+            <a:prstGeom prst="line">
+              <a:avLst/>
+            </a:prstGeom>
+            <a:ln w="9525">
+              <a:solidFill>
+                <a:srgbClr val="FF0000"/>
+              </a:solidFill>
+              <a:prstDash val="dash"/>
+            </a:ln>
+            <a:effectLst/>
+          </p:spPr>
+          <p:style>
+            <a:lnRef idx="2">
+              <a:schemeClr val="accent1"/>
+            </a:lnRef>
+            <a:fillRef idx="0">
+              <a:schemeClr val="accent1"/>
+            </a:fillRef>
+            <a:effectRef idx="1">
+              <a:schemeClr val="accent1"/>
+            </a:effectRef>
+            <a:fontRef idx="minor">
+              <a:schemeClr val="tx1"/>
+            </a:fontRef>
+          </p:style>
+        </p:cxnSp>
+        <p:sp>
+          <p:nvSpPr>
+            <p:cNvPr id="94" name="Oval 93"/>
+            <p:cNvSpPr/>
+            <p:nvPr/>
+          </p:nvSpPr>
+          <p:spPr>
+            <a:xfrm>
+              <a:off x="24342530" y="27647867"/>
+              <a:ext cx="104775" cy="104775"/>
+            </a:xfrm>
+            <a:prstGeom prst="ellipse">
+              <a:avLst/>
+            </a:prstGeom>
+            <a:noFill/>
+            <a:ln>
+              <a:solidFill>
+                <a:srgbClr val="FF0000"/>
+              </a:solidFill>
+            </a:ln>
+            <a:effectLst/>
+          </p:spPr>
+          <p:style>
+            <a:lnRef idx="1">
+              <a:schemeClr val="accent1"/>
+            </a:lnRef>
+            <a:fillRef idx="3">
+              <a:schemeClr val="accent1"/>
+            </a:fillRef>
+            <a:effectRef idx="2">
+              <a:schemeClr val="accent1"/>
+            </a:effectRef>
+            <a:fontRef idx="minor">
+              <a:schemeClr val="lt1"/>
+            </a:fontRef>
+          </p:style>
+          <p:txBody>
+            <a:bodyPr rtlCol="0" anchor="ctr"/>
+            <a:lstStyle/>
+            <a:p>
+              <a:pPr algn="ctr"/>
+              <a:endParaRPr lang="en-US"/>
+            </a:p>
+          </p:txBody>
+        </p:sp>
+        <p:sp>
+          <p:nvSpPr>
+            <p:cNvPr id="95" name="Oval 94"/>
+            <p:cNvSpPr/>
+            <p:nvPr/>
+          </p:nvSpPr>
+          <p:spPr>
+            <a:xfrm>
+              <a:off x="24337767" y="27952155"/>
+              <a:ext cx="104775" cy="104775"/>
+            </a:xfrm>
+            <a:prstGeom prst="ellipse">
+              <a:avLst/>
+            </a:prstGeom>
+            <a:noFill/>
+            <a:ln>
+              <a:solidFill>
+                <a:srgbClr val="FF0000"/>
+              </a:solidFill>
+            </a:ln>
+            <a:effectLst/>
+          </p:spPr>
+          <p:style>
+            <a:lnRef idx="1">
+              <a:schemeClr val="accent1"/>
+            </a:lnRef>
+            <a:fillRef idx="3">
+              <a:schemeClr val="accent1"/>
+            </a:fillRef>
+            <a:effectRef idx="2">
+              <a:schemeClr val="accent1"/>
+            </a:effectRef>
+            <a:fontRef idx="minor">
+              <a:schemeClr val="lt1"/>
+            </a:fontRef>
+          </p:style>
+          <p:txBody>
+            <a:bodyPr rtlCol="0" anchor="ctr"/>
+            <a:lstStyle/>
+            <a:p>
+              <a:pPr algn="ctr"/>
+              <a:endParaRPr lang="en-US"/>
+            </a:p>
+          </p:txBody>
+        </p:sp>
+      </p:grpSp>
     </p:spTree>
     <p:extLst>
       <p:ext uri="{BB962C8B-B14F-4D97-AF65-F5344CB8AC3E}">

--- a/presentations/ix_osdi_poster.pptx
+++ b/presentations/ix_osdi_poster.pptx
@@ -109,7 +109,7 @@
   </p:defaultTextStyle>
   <p:extLst>
     <p:ext uri="{EFAFB233-063F-42B5-8137-9DF3F51BA10A}">
-      <p15:sldGuideLst xmlns:p15="http://schemas.microsoft.com/office/powerpoint/2012/main" xmlns="">
+      <p15:sldGuideLst xmlns="" xmlns:p15="http://schemas.microsoft.com/office/powerpoint/2012/main">
         <p15:guide id="1" orient="horz" pos="11520">
           <p15:clr>
             <a:srgbClr val="A4A3A4"/>
@@ -208,7 +208,7 @@
           <a:p>
             <a:fld id="{20324BB5-C07C-4845-B203-2C5B171FEF55}" type="datetimeFigureOut">
               <a:rPr lang="en-US" smtClean="0"/>
-              <a:t>9/30/2014</a:t>
+              <a:t>2014-09-30</a:t>
             </a:fld>
             <a:endParaRPr lang="en-US" dirty="0"/>
           </a:p>
@@ -741,7 +741,7 @@
           <a:p>
             <a:fld id="{333FEEA5-1C33-A546-B0CB-742BBF77893D}" type="datetimeFigureOut">
               <a:rPr lang="en-US" smtClean="0"/>
-              <a:t>9/30/2014</a:t>
+              <a:t>2014-09-30</a:t>
             </a:fld>
             <a:endParaRPr lang="en-US" dirty="0"/>
           </a:p>
@@ -911,7 +911,7 @@
           <a:p>
             <a:fld id="{333FEEA5-1C33-A546-B0CB-742BBF77893D}" type="datetimeFigureOut">
               <a:rPr lang="en-US" smtClean="0"/>
-              <a:t>9/30/2014</a:t>
+              <a:t>2014-09-30</a:t>
             </a:fld>
             <a:endParaRPr lang="en-US" dirty="0"/>
           </a:p>
@@ -1091,7 +1091,7 @@
           <a:p>
             <a:fld id="{333FEEA5-1C33-A546-B0CB-742BBF77893D}" type="datetimeFigureOut">
               <a:rPr lang="en-US" smtClean="0"/>
-              <a:t>9/30/2014</a:t>
+              <a:t>2014-09-30</a:t>
             </a:fld>
             <a:endParaRPr lang="en-US" dirty="0"/>
           </a:p>
@@ -1261,7 +1261,7 @@
           <a:p>
             <a:fld id="{333FEEA5-1C33-A546-B0CB-742BBF77893D}" type="datetimeFigureOut">
               <a:rPr lang="en-US" smtClean="0"/>
-              <a:t>9/30/2014</a:t>
+              <a:t>2014-09-30</a:t>
             </a:fld>
             <a:endParaRPr lang="en-US" dirty="0"/>
           </a:p>
@@ -1507,7 +1507,7 @@
           <a:p>
             <a:fld id="{333FEEA5-1C33-A546-B0CB-742BBF77893D}" type="datetimeFigureOut">
               <a:rPr lang="en-US" smtClean="0"/>
-              <a:t>9/30/2014</a:t>
+              <a:t>2014-09-30</a:t>
             </a:fld>
             <a:endParaRPr lang="en-US" dirty="0"/>
           </a:p>
@@ -1795,7 +1795,7 @@
           <a:p>
             <a:fld id="{333FEEA5-1C33-A546-B0CB-742BBF77893D}" type="datetimeFigureOut">
               <a:rPr lang="en-US" smtClean="0"/>
-              <a:t>9/30/2014</a:t>
+              <a:t>2014-09-30</a:t>
             </a:fld>
             <a:endParaRPr lang="en-US" dirty="0"/>
           </a:p>
@@ -2222,7 +2222,7 @@
           <a:p>
             <a:fld id="{333FEEA5-1C33-A546-B0CB-742BBF77893D}" type="datetimeFigureOut">
               <a:rPr lang="en-US" smtClean="0"/>
-              <a:t>9/30/2014</a:t>
+              <a:t>2014-09-30</a:t>
             </a:fld>
             <a:endParaRPr lang="en-US" dirty="0"/>
           </a:p>
@@ -2340,7 +2340,7 @@
           <a:p>
             <a:fld id="{333FEEA5-1C33-A546-B0CB-742BBF77893D}" type="datetimeFigureOut">
               <a:rPr lang="en-US" smtClean="0"/>
-              <a:t>9/30/2014</a:t>
+              <a:t>2014-09-30</a:t>
             </a:fld>
             <a:endParaRPr lang="en-US" dirty="0"/>
           </a:p>
@@ -2435,7 +2435,7 @@
           <a:p>
             <a:fld id="{333FEEA5-1C33-A546-B0CB-742BBF77893D}" type="datetimeFigureOut">
               <a:rPr lang="en-US" smtClean="0"/>
-              <a:t>9/30/2014</a:t>
+              <a:t>2014-09-30</a:t>
             </a:fld>
             <a:endParaRPr lang="en-US" dirty="0"/>
           </a:p>
@@ -2712,7 +2712,7 @@
           <a:p>
             <a:fld id="{333FEEA5-1C33-A546-B0CB-742BBF77893D}" type="datetimeFigureOut">
               <a:rPr lang="en-US" smtClean="0"/>
-              <a:t>9/30/2014</a:t>
+              <a:t>2014-09-30</a:t>
             </a:fld>
             <a:endParaRPr lang="en-US" dirty="0"/>
           </a:p>
@@ -2965,7 +2965,7 @@
           <a:p>
             <a:fld id="{333FEEA5-1C33-A546-B0CB-742BBF77893D}" type="datetimeFigureOut">
               <a:rPr lang="en-US" smtClean="0"/>
-              <a:t>9/30/2014</a:t>
+              <a:t>2014-09-30</a:t>
             </a:fld>
             <a:endParaRPr lang="en-US" dirty="0"/>
           </a:p>
@@ -3178,7 +3178,7 @@
           <a:p>
             <a:fld id="{333FEEA5-1C33-A546-B0CB-742BBF77893D}" type="datetimeFigureOut">
               <a:rPr lang="en-US" smtClean="0"/>
-              <a:t>9/30/2014</a:t>
+              <a:t>2014-09-30</a:t>
             </a:fld>
             <a:endParaRPr lang="en-US" dirty="0"/>
           </a:p>
@@ -3722,7 +3722,7 @@
         <p:spPr>
           <a:xfrm>
             <a:off x="675290" y="5948009"/>
-            <a:ext cx="8944964" cy="4524315"/>
+            <a:ext cx="8944964" cy="4832092"/>
           </a:xfrm>
           <a:prstGeom prst="rect">
             <a:avLst/>
@@ -3755,15 +3755,15 @@
               <a:buAutoNum type="arabicPeriod"/>
             </a:pPr>
             <a:r>
-              <a:rPr lang="en-US" sz="3900" dirty="0" smtClean="0"/>
+              <a:rPr lang="en-US" sz="4200" dirty="0" smtClean="0"/>
               <a:t>Microsecond </a:t>
             </a:r>
             <a:r>
-              <a:rPr lang="en-US" sz="3900" dirty="0"/>
+              <a:rPr lang="en-US" sz="4200" dirty="0"/>
               <a:t>tail </a:t>
             </a:r>
             <a:r>
-              <a:rPr lang="en-US" sz="3900" dirty="0" smtClean="0"/>
+              <a:rPr lang="en-US" sz="4200" dirty="0" smtClean="0"/>
               <a:t>latency</a:t>
             </a:r>
           </a:p>
@@ -3773,18 +3773,18 @@
               <a:buAutoNum type="arabicPeriod"/>
             </a:pPr>
             <a:r>
-              <a:rPr lang="en-US" sz="3900" dirty="0" smtClean="0"/>
+              <a:rPr lang="en-US" sz="4200" dirty="0" smtClean="0"/>
               <a:t>High </a:t>
             </a:r>
             <a:r>
-              <a:rPr lang="en-US" sz="3900" dirty="0"/>
+              <a:rPr lang="en-US" sz="4200" dirty="0"/>
               <a:t>packet </a:t>
             </a:r>
             <a:r>
-              <a:rPr lang="en-US" sz="3900" dirty="0" smtClean="0"/>
+              <a:rPr lang="en-US" sz="4200" dirty="0" smtClean="0"/>
               <a:t>rates</a:t>
             </a:r>
-            <a:endParaRPr lang="en-US" sz="3900" dirty="0">
+            <a:endParaRPr lang="en-US" sz="4200" dirty="0">
               <a:solidFill>
                 <a:srgbClr val="FF0000"/>
               </a:solidFill>
@@ -3796,7 +3796,7 @@
               <a:buAutoNum type="arabicPeriod"/>
             </a:pPr>
             <a:r>
-              <a:rPr lang="en-US" sz="3900" dirty="0" smtClean="0"/>
+              <a:rPr lang="en-US" sz="4200" dirty="0" smtClean="0"/>
               <a:t>Connection scalability</a:t>
             </a:r>
           </a:p>
@@ -3806,10 +3806,10 @@
               <a:buAutoNum type="arabicPeriod"/>
             </a:pPr>
             <a:r>
-              <a:rPr lang="en-US" sz="3900" dirty="0" smtClean="0"/>
+              <a:rPr lang="en-US" sz="4200" dirty="0" smtClean="0"/>
               <a:t>Protection</a:t>
             </a:r>
-            <a:endParaRPr lang="en-US" sz="3900" dirty="0">
+            <a:endParaRPr lang="en-US" sz="4200" dirty="0">
               <a:solidFill>
                 <a:srgbClr val="FF0000"/>
               </a:solidFill>
@@ -3821,14 +3821,14 @@
               <a:buAutoNum type="arabicPeriod"/>
             </a:pPr>
             <a:r>
-              <a:rPr lang="en-US" sz="3900" dirty="0"/>
+              <a:rPr lang="en-US" sz="4200" dirty="0"/>
               <a:t>Resource </a:t>
             </a:r>
             <a:r>
-              <a:rPr lang="en-US" sz="3900" dirty="0" smtClean="0"/>
+              <a:rPr lang="en-US" sz="4200" dirty="0" smtClean="0"/>
               <a:t>efficiency</a:t>
             </a:r>
-            <a:endParaRPr lang="en-US" sz="3900" dirty="0"/>
+            <a:endParaRPr lang="en-US" sz="4200" dirty="0"/>
           </a:p>
           <a:p>
             <a:pPr algn="ctr"/>
@@ -3845,7 +3845,7 @@
         <p:spPr>
           <a:xfrm>
             <a:off x="18293011" y="5925253"/>
-            <a:ext cx="8376988" cy="4970591"/>
+            <a:ext cx="8376988" cy="4770537"/>
           </a:xfrm>
           <a:prstGeom prst="rect">
             <a:avLst/>
@@ -3865,8 +3865,21 @@
                   <a:srgbClr val="C00000"/>
                 </a:solidFill>
               </a:rPr>
-              <a:t>Current Approaches</a:t>
-            </a:r>
+              <a:t>Current </a:t>
+            </a:r>
+            <a:r>
+              <a:rPr lang="en-US" sz="4400" dirty="0" smtClean="0">
+                <a:solidFill>
+                  <a:srgbClr val="C00000"/>
+                </a:solidFill>
+              </a:rPr>
+              <a:t>Approaches</a:t>
+            </a:r>
+            <a:endParaRPr lang="en-US" sz="800" dirty="0" smtClean="0">
+              <a:solidFill>
+                <a:srgbClr val="C00000"/>
+              </a:solidFill>
+            </a:endParaRPr>
           </a:p>
           <a:p>
             <a:pPr marL="457200" indent="-457200">
@@ -3874,7 +3887,7 @@
               <a:buChar char="•"/>
             </a:pPr>
             <a:r>
-              <a:rPr lang="en-US" sz="3900" b="1" dirty="0" smtClean="0"/>
+              <a:rPr lang="en-US" sz="4200" b="1" dirty="0" smtClean="0"/>
               <a:t>Bypass the kernel</a:t>
             </a:r>
           </a:p>
@@ -3884,7 +3897,7 @@
               <a:buChar char="•"/>
             </a:pPr>
             <a:r>
-              <a:rPr lang="en-US" sz="3900" dirty="0" smtClean="0"/>
+              <a:rPr lang="en-US" sz="4200" dirty="0" smtClean="0"/>
               <a:t>User-level stack (e.g. mTCP)</a:t>
             </a:r>
           </a:p>
@@ -3894,7 +3907,7 @@
               <a:buChar char="•"/>
             </a:pPr>
             <a:r>
-              <a:rPr lang="en-US" sz="3900" dirty="0" smtClean="0"/>
+              <a:rPr lang="en-US" sz="4200" dirty="0" smtClean="0"/>
               <a:t>Offload to HW (e.g. RDMA, TOE)</a:t>
             </a:r>
           </a:p>
@@ -3904,9 +3917,14 @@
               <a:buChar char="•"/>
             </a:pPr>
             <a:r>
-              <a:rPr lang="en-US" sz="3900" dirty="0" smtClean="0"/>
-              <a:t>Replace TCP (e.g. UDP, Infiniband)</a:t>
-            </a:r>
+              <a:rPr lang="en-US" sz="4200" dirty="0" smtClean="0"/>
+              <a:t>Replace TCP (e.g. </a:t>
+            </a:r>
+            <a:r>
+              <a:rPr lang="en-US" sz="4200" dirty="0" smtClean="0"/>
+              <a:t>UDP)</a:t>
+            </a:r>
+            <a:endParaRPr lang="en-US" sz="4200" dirty="0" smtClean="0"/>
           </a:p>
           <a:p>
             <a:pPr marL="457200" indent="-457200">
@@ -3914,18 +3932,18 @@
               <a:buChar char="•"/>
             </a:pPr>
             <a:r>
-              <a:rPr lang="en-US" sz="3900" dirty="0" smtClean="0"/>
+              <a:rPr lang="en-US" sz="4200" dirty="0" smtClean="0"/>
               <a:t>User-level networking and TCP alternatives </a:t>
             </a:r>
             <a:r>
-              <a:rPr lang="en-US" sz="3900" b="1" dirty="0" smtClean="0"/>
-              <a:t>sacrifice security </a:t>
-            </a:r>
-            <a:r>
-              <a:rPr lang="en-US" sz="3900" dirty="0" smtClean="0"/>
-              <a:t>and limit policy enforcement</a:t>
-            </a:r>
-            <a:endParaRPr lang="en-US" sz="3900" dirty="0" smtClean="0">
+              <a:rPr lang="en-US" sz="4200" b="1" dirty="0"/>
+              <a:t>s</a:t>
+            </a:r>
+            <a:r>
+              <a:rPr lang="en-US" sz="4200" b="1" dirty="0" smtClean="0"/>
+              <a:t>acrifice security</a:t>
+            </a:r>
+            <a:endParaRPr lang="en-US" sz="4200" dirty="0" smtClean="0">
               <a:solidFill>
                 <a:srgbClr val="000000"/>
               </a:solidFill>
@@ -3972,7 +3990,7 @@
         <p:spPr>
           <a:xfrm>
             <a:off x="862632" y="11153031"/>
-            <a:ext cx="8757622" cy="6848029"/>
+            <a:ext cx="8811846" cy="5539978"/>
           </a:xfrm>
           <a:prstGeom prst="rect">
             <a:avLst/>
@@ -3992,35 +4010,70 @@
                   <a:srgbClr val="0132BB"/>
                 </a:solidFill>
               </a:rPr>
-              <a:t>Introducing IX</a:t>
-            </a:r>
-          </a:p>
-          <a:p>
-            <a:r>
-              <a:rPr lang="en-US" sz="3900" b="1" dirty="0" smtClean="0"/>
-              <a:t> IX </a:t>
-            </a:r>
-            <a:r>
-              <a:rPr lang="en-US" sz="3900" b="1" dirty="0"/>
-              <a:t>reconciles security </a:t>
-            </a:r>
-            <a:r>
-              <a:rPr lang="en-US" sz="3900" b="1" dirty="0" smtClean="0"/>
-              <a:t>and performance</a:t>
-            </a:r>
-            <a:endParaRPr lang="en-US" sz="3900" b="1" dirty="0"/>
+              <a:t>Introducing </a:t>
+            </a:r>
+            <a:r>
+              <a:rPr lang="en-US" sz="4400" dirty="0" smtClean="0">
+                <a:solidFill>
+                  <a:srgbClr val="0132BB"/>
+                </a:solidFill>
+              </a:rPr>
+              <a:t>IX</a:t>
+            </a:r>
+          </a:p>
+          <a:p>
+            <a:pPr indent="-1371600" algn="ctr"/>
+            <a:endParaRPr lang="en-US" sz="1200" dirty="0" smtClean="0">
+              <a:solidFill>
+                <a:srgbClr val="0132BB"/>
+              </a:solidFill>
+            </a:endParaRPr>
+          </a:p>
+          <a:p>
+            <a:r>
+              <a:rPr lang="en-US" sz="4400" b="1" dirty="0" smtClean="0"/>
+              <a:t> </a:t>
+            </a:r>
+            <a:r>
+              <a:rPr lang="en-US" sz="4200" b="1" dirty="0" smtClean="0"/>
+              <a:t>IX </a:t>
+            </a:r>
+            <a:r>
+              <a:rPr lang="en-US" sz="4200" b="1" dirty="0" smtClean="0"/>
+              <a:t>provides security </a:t>
+            </a:r>
+            <a:r>
+              <a:rPr lang="en-US" sz="4200" b="1" dirty="0" smtClean="0"/>
+              <a:t>and </a:t>
+            </a:r>
+            <a:r>
+              <a:rPr lang="en-US" sz="4200" b="1" dirty="0" smtClean="0"/>
+              <a:t>performance:</a:t>
+            </a:r>
+            <a:endParaRPr lang="en-US" sz="4200" b="1" dirty="0"/>
           </a:p>
           <a:p>
             <a:pPr marL="914400" lvl="1" indent="-457200">
               <a:buFont typeface="Arial"/>
               <a:buChar char="•"/>
             </a:pPr>
-            <a:r>
-              <a:rPr lang="en-US" sz="3900" dirty="0" smtClean="0"/>
-              <a:t>Implements a</a:t>
-            </a:r>
-            <a:r>
-              <a:rPr lang="en-US" sz="3900" b="1" dirty="0" smtClean="0">
+            <a:endParaRPr lang="en-US" sz="1200" dirty="0" smtClean="0"/>
+          </a:p>
+          <a:p>
+            <a:pPr marL="914400" lvl="1" indent="-457200">
+              <a:buFont typeface="Arial"/>
+              <a:buChar char="•"/>
+            </a:pPr>
+            <a:r>
+              <a:rPr lang="en-US" sz="4200" dirty="0" smtClean="0"/>
+              <a:t>Implements </a:t>
+            </a:r>
+            <a:r>
+              <a:rPr lang="en-US" sz="4200" dirty="0" smtClean="0"/>
+              <a:t>a</a:t>
+            </a:r>
+            <a:r>
+              <a:rPr lang="en-US" sz="4200" b="1" dirty="0" smtClean="0">
                 <a:solidFill>
                   <a:srgbClr val="800000"/>
                 </a:solidFill>
@@ -4028,11 +4081,11 @@
               <a:t> </a:t>
             </a:r>
             <a:r>
-              <a:rPr lang="en-US" sz="3900" i="1" dirty="0" smtClean="0"/>
+              <a:rPr lang="en-US" sz="4200" i="1" dirty="0" smtClean="0"/>
               <a:t>full TCP </a:t>
             </a:r>
             <a:r>
-              <a:rPr lang="en-US" sz="3900" i="1" dirty="0" smtClean="0">
+              <a:rPr lang="en-US" sz="4200" i="1" dirty="0" smtClean="0">
                 <a:solidFill>
                   <a:srgbClr val="000000"/>
                 </a:solidFill>
@@ -4040,13 +4093,26 @@
               <a:t>stack</a:t>
             </a:r>
             <a:r>
-              <a:rPr lang="en-US" sz="3900" dirty="0" smtClean="0">
+              <a:rPr lang="en-US" sz="4200" dirty="0" smtClean="0">
                 <a:solidFill>
                   <a:srgbClr val="000000"/>
                 </a:solidFill>
               </a:rPr>
-              <a:t> in dataplane, protected from application</a:t>
-            </a:r>
+              <a:t> in dataplane, protected from </a:t>
+            </a:r>
+            <a:r>
+              <a:rPr lang="en-US" sz="4200" dirty="0" smtClean="0">
+                <a:solidFill>
+                  <a:srgbClr val="000000"/>
+                </a:solidFill>
+              </a:rPr>
+              <a:t>app</a:t>
+            </a:r>
+            <a:endParaRPr lang="en-US" sz="4200" dirty="0" smtClean="0">
+              <a:solidFill>
+                <a:srgbClr val="000000"/>
+              </a:solidFill>
+            </a:endParaRPr>
           </a:p>
           <a:p>
             <a:pPr marL="914400" lvl="1" indent="-457200">
@@ -4054,7 +4120,7 @@
               <a:buChar char="•"/>
             </a:pPr>
             <a:r>
-              <a:rPr lang="en-US" sz="3900" dirty="0" smtClean="0">
+              <a:rPr lang="en-US" sz="4200" dirty="0" smtClean="0">
                 <a:solidFill>
                   <a:srgbClr val="000000"/>
                 </a:solidFill>
@@ -4062,20 +4128,28 @@
               <a:t>Saturates </a:t>
             </a:r>
             <a:r>
-              <a:rPr lang="en-US" sz="3900" dirty="0">
+              <a:rPr lang="en-US" sz="4200" dirty="0">
                 <a:solidFill>
                   <a:srgbClr val="000000"/>
                 </a:solidFill>
               </a:rPr>
-              <a:t>10 GbE NICs with </a:t>
-            </a:r>
-            <a:r>
-              <a:rPr lang="en-US" sz="3900" dirty="0" smtClean="0">
+              <a:t>10 GbE NICs </a:t>
+            </a:r>
+            <a:r>
+              <a:rPr lang="en-US" sz="4200" dirty="0" smtClean="0">
                 <a:solidFill>
                   <a:srgbClr val="000000"/>
                 </a:solidFill>
               </a:rPr>
-              <a:t>64B msgs</a:t>
+              <a:t>w/64B </a:t>
+            </a:r>
+            <a:r>
+              <a:rPr lang="en-US" sz="4200" dirty="0" smtClean="0">
+                <a:solidFill>
+                  <a:srgbClr val="000000"/>
+                </a:solidFill>
+              </a:rPr>
+              <a:t>msgs</a:t>
             </a:r>
           </a:p>
           <a:p>
@@ -4084,99 +4158,21 @@
               <a:buChar char="•"/>
             </a:pPr>
             <a:r>
-              <a:rPr lang="en-US" sz="3900" dirty="0" smtClean="0">
+              <a:rPr lang="en-US" sz="4200" dirty="0" smtClean="0">
                 <a:solidFill>
                   <a:srgbClr val="000000"/>
                 </a:solidFill>
               </a:rPr>
               <a:t>Saturates up to 4 x 10 GbE interfaces with a single socket</a:t>
             </a:r>
-            <a:endParaRPr lang="en-US" sz="3900" dirty="0">
+            <a:endParaRPr lang="en-US" sz="4200" dirty="0">
               <a:solidFill>
                 <a:srgbClr val="000000"/>
               </a:solidFill>
             </a:endParaRPr>
           </a:p>
           <a:p>
-            <a:pPr marL="914400" lvl="1" indent="-457200">
-              <a:buFont typeface="Arial"/>
-              <a:buChar char="•"/>
-            </a:pPr>
-            <a:r>
-              <a:rPr lang="en-US" sz="3900" dirty="0" smtClean="0">
-                <a:solidFill>
-                  <a:srgbClr val="000000"/>
-                </a:solidFill>
-              </a:rPr>
-              <a:t>Achieves </a:t>
-            </a:r>
-            <a:r>
-              <a:rPr lang="en-US" sz="3900" dirty="0">
-                <a:solidFill>
-                  <a:srgbClr val="000000"/>
-                </a:solidFill>
-              </a:rPr>
-              <a:t>up to </a:t>
-            </a:r>
-            <a:r>
-              <a:rPr lang="en-US" sz="3900" b="1" dirty="0" smtClean="0">
-                <a:solidFill>
-                  <a:srgbClr val="000000"/>
-                </a:solidFill>
-              </a:rPr>
-              <a:t>3.6x</a:t>
-            </a:r>
-            <a:r>
-              <a:rPr lang="en-US" sz="3900" dirty="0" smtClean="0">
-                <a:solidFill>
-                  <a:srgbClr val="000000"/>
-                </a:solidFill>
-              </a:rPr>
-              <a:t> </a:t>
-            </a:r>
-            <a:r>
-              <a:rPr lang="en-US" sz="3900" dirty="0">
-                <a:solidFill>
-                  <a:srgbClr val="000000"/>
-                </a:solidFill>
-              </a:rPr>
-              <a:t>more RPS and </a:t>
-            </a:r>
-            <a:r>
-              <a:rPr lang="en-US" sz="3900" b="1" dirty="0">
-                <a:solidFill>
-                  <a:srgbClr val="000000"/>
-                </a:solidFill>
-              </a:rPr>
-              <a:t>2x</a:t>
-            </a:r>
-            <a:r>
-              <a:rPr lang="en-US" sz="3900" dirty="0">
-                <a:solidFill>
-                  <a:srgbClr val="000000"/>
-                </a:solidFill>
-              </a:rPr>
-              <a:t> less tail latency compared to </a:t>
-            </a:r>
-            <a:r>
-              <a:rPr lang="en-US" sz="3900" dirty="0" smtClean="0">
-                <a:solidFill>
-                  <a:srgbClr val="000000"/>
-                </a:solidFill>
-              </a:rPr>
-              <a:t>Linux for Memcached workloads</a:t>
-            </a:r>
-            <a:endParaRPr lang="en-US" sz="3900" dirty="0">
-              <a:solidFill>
-                <a:srgbClr val="000000"/>
-              </a:solidFill>
-            </a:endParaRPr>
-          </a:p>
-          <a:p>
-            <a:pPr marL="914400" lvl="1" indent="-457200">
-              <a:buFont typeface="Arial"/>
-              <a:buChar char="•"/>
-            </a:pPr>
+            <a:pPr marL="457200" lvl="1"/>
             <a:endParaRPr lang="en-US" sz="3200" dirty="0" smtClean="0"/>
           </a:p>
         </p:txBody>
@@ -4190,7 +4186,7 @@
         <p:spPr>
           <a:xfrm>
             <a:off x="18311298" y="11189023"/>
-            <a:ext cx="8606352" cy="6355586"/>
+            <a:ext cx="8606352" cy="5478422"/>
           </a:xfrm>
           <a:prstGeom prst="rect">
             <a:avLst/>
@@ -4210,8 +4206,24 @@
                   <a:srgbClr val="0132BB"/>
                 </a:solidFill>
               </a:rPr>
-              <a:t>Separation of Control and Data</a:t>
-            </a:r>
+              <a:t>Separation of Control and </a:t>
+            </a:r>
+            <a:r>
+              <a:rPr lang="en-US" sz="4400" dirty="0" smtClean="0">
+                <a:solidFill>
+                  <a:srgbClr val="0132BB"/>
+                </a:solidFill>
+              </a:rPr>
+              <a:t>Data</a:t>
+            </a:r>
+          </a:p>
+          <a:p>
+            <a:pPr algn="ctr"/>
+            <a:endParaRPr lang="en-US" sz="1200" dirty="0" smtClean="0">
+              <a:solidFill>
+                <a:srgbClr val="0132BB"/>
+              </a:solidFill>
+            </a:endParaRPr>
           </a:p>
           <a:p>
             <a:pPr marL="457200" indent="-457200">
@@ -4219,7 +4231,7 @@
               <a:buChar char="•"/>
             </a:pPr>
             <a:r>
-              <a:rPr lang="en-US" sz="3900" b="1" dirty="0" smtClean="0"/>
+              <a:rPr lang="en-US" sz="4200" b="1" dirty="0" smtClean="0"/>
               <a:t>Linux control plane</a:t>
             </a:r>
           </a:p>
@@ -4229,8 +4241,23 @@
               <a:buChar char="•"/>
             </a:pPr>
             <a:r>
-              <a:rPr lang="en-US" sz="3900" dirty="0" smtClean="0"/>
-              <a:t>Course-grained resource management (e.g. network queues)</a:t>
+              <a:rPr lang="en-US" sz="4200" dirty="0" smtClean="0"/>
+              <a:t>Course-grained resource mgmt.</a:t>
+            </a:r>
+            <a:endParaRPr lang="en-US" sz="4200" dirty="0" smtClean="0"/>
+          </a:p>
+          <a:p>
+            <a:pPr marL="457200" indent="-457200">
+              <a:buFont typeface="Arial"/>
+              <a:buChar char="•"/>
+            </a:pPr>
+            <a:r>
+              <a:rPr lang="en-US" sz="4200" b="1" dirty="0" smtClean="0"/>
+              <a:t>IX </a:t>
+            </a:r>
+            <a:r>
+              <a:rPr lang="en-US" sz="4200" b="1" dirty="0" smtClean="0"/>
+              <a:t>data plane (powered by Dune)</a:t>
             </a:r>
           </a:p>
           <a:p>
@@ -4239,10 +4266,24 @@
               <a:buChar char="•"/>
             </a:pPr>
             <a:r>
-              <a:rPr lang="en-US" sz="3900" dirty="0" smtClean="0"/>
-              <a:t>Performs load balancing</a:t>
-            </a:r>
-            <a:endParaRPr lang="en-US" sz="3900" dirty="0"/>
+              <a:rPr lang="en-US" sz="4200" dirty="0"/>
+              <a:t>Inspired by network </a:t>
+            </a:r>
+            <a:r>
+              <a:rPr lang="en-US" sz="4200" dirty="0" err="1" smtClean="0"/>
+              <a:t>middleboxes</a:t>
+            </a:r>
+            <a:endParaRPr lang="en-US" sz="4200" dirty="0" smtClean="0"/>
+          </a:p>
+          <a:p>
+            <a:pPr marL="914400" lvl="1" indent="-457200">
+              <a:buFont typeface="Arial"/>
+              <a:buChar char="•"/>
+            </a:pPr>
+            <a:r>
+              <a:rPr lang="en-US" sz="4200" dirty="0" smtClean="0"/>
+              <a:t>A custom single-app OS for high performance networking </a:t>
+            </a:r>
           </a:p>
           <a:p>
             <a:pPr marL="457200" indent="-457200">
@@ -4250,42 +4291,7 @@
               <a:buChar char="•"/>
             </a:pPr>
             <a:r>
-              <a:rPr lang="en-US" sz="3900" b="1" dirty="0" smtClean="0"/>
-              <a:t>IX data plane (powered by Dune)</a:t>
-            </a:r>
-          </a:p>
-          <a:p>
-            <a:pPr marL="914400" lvl="1" indent="-457200">
-              <a:buFont typeface="Arial"/>
-              <a:buChar char="•"/>
-            </a:pPr>
-            <a:r>
-              <a:rPr lang="en-US" sz="3900" dirty="0"/>
-              <a:t>Inspired by network </a:t>
-            </a:r>
-            <a:r>
-              <a:rPr lang="en-US" sz="3900" dirty="0" err="1" smtClean="0"/>
-              <a:t>middleboxes</a:t>
-            </a:r>
-            <a:endParaRPr lang="en-US" sz="3900" dirty="0" smtClean="0"/>
-          </a:p>
-          <a:p>
-            <a:pPr marL="914400" lvl="1" indent="-457200">
-              <a:buFont typeface="Arial"/>
-              <a:buChar char="•"/>
-            </a:pPr>
-            <a:r>
-              <a:rPr lang="en-US" sz="3900" dirty="0" smtClean="0"/>
-              <a:t>A custom single-app OS for high performance networking </a:t>
-            </a:r>
-          </a:p>
-          <a:p>
-            <a:pPr marL="457200" indent="-457200">
-              <a:buFont typeface="Arial"/>
-              <a:buChar char="•"/>
-            </a:pPr>
-            <a:r>
-              <a:rPr lang="en-US" sz="3900" b="1" dirty="0" smtClean="0"/>
+              <a:rPr lang="en-US" sz="4200" b="1" dirty="0" smtClean="0"/>
               <a:t>Three-way isolation: App, DP, CP</a:t>
             </a:r>
           </a:p>
@@ -4329,8 +4335,8 @@
         </p:nvSpPr>
         <p:spPr>
           <a:xfrm>
-            <a:off x="18329324" y="17622928"/>
-            <a:ext cx="8340675" cy="6170920"/>
+            <a:off x="18278524" y="17622928"/>
+            <a:ext cx="8639126" cy="6124753"/>
           </a:xfrm>
           <a:prstGeom prst="rect">
             <a:avLst/>
@@ -4350,8 +4356,24 @@
                   <a:srgbClr val="0132BB"/>
                 </a:solidFill>
               </a:rPr>
-              <a:t>Results Summary</a:t>
-            </a:r>
+              <a:t>Results </a:t>
+            </a:r>
+            <a:r>
+              <a:rPr lang="en-US" sz="4400" dirty="0" smtClean="0">
+                <a:solidFill>
+                  <a:srgbClr val="0132BB"/>
+                </a:solidFill>
+              </a:rPr>
+              <a:t>Summary</a:t>
+            </a:r>
+          </a:p>
+          <a:p>
+            <a:pPr algn="ctr"/>
+            <a:endParaRPr lang="en-US" sz="1200" dirty="0" smtClean="0">
+              <a:solidFill>
+                <a:srgbClr val="0132BB"/>
+              </a:solidFill>
+            </a:endParaRPr>
           </a:p>
           <a:p>
             <a:pPr marL="385763" indent="-385763">
@@ -4359,35 +4381,47 @@
               <a:buChar char="•"/>
             </a:pPr>
             <a:r>
-              <a:rPr lang="en-US" sz="3900" dirty="0" smtClean="0"/>
+              <a:rPr lang="en-US" sz="4200" dirty="0" smtClean="0"/>
               <a:t>Outperforms </a:t>
             </a:r>
             <a:r>
-              <a:rPr lang="en-US" sz="3900" dirty="0"/>
+              <a:rPr lang="en-US" sz="4200" dirty="0"/>
               <a:t>Linux </a:t>
             </a:r>
             <a:r>
-              <a:rPr lang="en-US" sz="3900" dirty="0" smtClean="0"/>
+              <a:rPr lang="en-US" sz="4200" dirty="0" smtClean="0"/>
               <a:t>by </a:t>
             </a:r>
             <a:r>
-              <a:rPr lang="en-US" sz="3900" b="1" dirty="0" smtClean="0"/>
+              <a:rPr lang="en-US" sz="4200" b="1" dirty="0" smtClean="0"/>
               <a:t>10× </a:t>
             </a:r>
             <a:r>
-              <a:rPr lang="en-US" sz="3900" dirty="0" smtClean="0"/>
-              <a:t>and mTCP by </a:t>
-            </a:r>
-            <a:r>
-              <a:rPr lang="en-US" sz="3900" b="1" dirty="0" smtClean="0"/>
+              <a:rPr lang="en-US" sz="4200" dirty="0" smtClean="0"/>
+              <a:t>and   </a:t>
+            </a:r>
+            <a:r>
+              <a:rPr lang="en-US" sz="4200" dirty="0" err="1" smtClean="0"/>
+              <a:t>mTCP</a:t>
+            </a:r>
+            <a:r>
+              <a:rPr lang="en-US" sz="4200" dirty="0" smtClean="0"/>
+              <a:t> </a:t>
+            </a:r>
+            <a:r>
+              <a:rPr lang="en-US" sz="4200" dirty="0" smtClean="0"/>
+              <a:t>by </a:t>
+            </a:r>
+            <a:r>
+              <a:rPr lang="en-US" sz="4200" b="1" dirty="0" smtClean="0"/>
               <a:t>1.9× </a:t>
             </a:r>
             <a:r>
-              <a:rPr lang="en-US" sz="3900" dirty="0" smtClean="0"/>
+              <a:rPr lang="en-US" sz="4200" dirty="0" smtClean="0"/>
               <a:t>for </a:t>
             </a:r>
             <a:r>
-              <a:rPr lang="en-US" sz="3900" dirty="0"/>
+              <a:rPr lang="en-US" sz="4200" dirty="0"/>
               <a:t>throughput</a:t>
             </a:r>
           </a:p>
@@ -4397,24 +4431,47 @@
               <a:buChar char="•"/>
             </a:pPr>
             <a:r>
-              <a:rPr lang="en-US" sz="3900" dirty="0" smtClean="0"/>
-              <a:t>Achieves unloaded uni-dir. </a:t>
-            </a:r>
-            <a:r>
-              <a:rPr lang="en-US" sz="3900" dirty="0"/>
+              <a:rPr lang="en-US" sz="4200" dirty="0"/>
+              <a:t>U</a:t>
+            </a:r>
+            <a:r>
+              <a:rPr lang="en-US" sz="4200" dirty="0" smtClean="0"/>
+              <a:t>nloaded </a:t>
+            </a:r>
+            <a:r>
+              <a:rPr lang="en-US" sz="4200" dirty="0" smtClean="0"/>
+              <a:t>uni-dir. </a:t>
+            </a:r>
+            <a:r>
+              <a:rPr lang="en-US" sz="4200" dirty="0"/>
               <a:t>latency </a:t>
             </a:r>
             <a:r>
-              <a:rPr lang="en-US" sz="3900" dirty="0" smtClean="0"/>
-              <a:t>of </a:t>
-            </a:r>
-            <a:r>
-              <a:rPr lang="en-US" sz="3900" b="1" dirty="0" smtClean="0"/>
+              <a:rPr lang="en-US" sz="4200" dirty="0" smtClean="0"/>
+              <a:t>is </a:t>
+            </a:r>
+            <a:r>
+              <a:rPr lang="en-US" sz="4200" b="1" dirty="0" smtClean="0"/>
               <a:t>5.7µs</a:t>
             </a:r>
-            <a:r>
-              <a:rPr lang="en-US" sz="3900" dirty="0" smtClean="0"/>
-              <a:t>, 4× better than Linux, an order of magnitude better than mTCP</a:t>
+            <a:endParaRPr lang="en-US" sz="4200" dirty="0" smtClean="0"/>
+          </a:p>
+          <a:p>
+            <a:pPr marL="965200" lvl="1" indent="-355600">
+              <a:buFont typeface="Arial" panose="020B0604020202020204" pitchFamily="34" charset="0"/>
+              <a:buChar char="•"/>
+            </a:pPr>
+            <a:r>
+              <a:rPr lang="en-US" sz="4200" dirty="0" smtClean="0"/>
+              <a:t>4</a:t>
+            </a:r>
+            <a:r>
+              <a:rPr lang="en-US" sz="4200" dirty="0" smtClean="0"/>
+              <a:t>× better than </a:t>
+            </a:r>
+            <a:r>
+              <a:rPr lang="en-US" sz="4200" dirty="0" smtClean="0"/>
+              <a:t>Linux</a:t>
             </a:r>
           </a:p>
           <a:p>
@@ -4423,23 +4480,23 @@
               <a:buChar char="•"/>
             </a:pPr>
             <a:r>
-              <a:rPr lang="en-US" sz="3900" dirty="0" smtClean="0"/>
+              <a:rPr lang="en-US" sz="4200" dirty="0" smtClean="0"/>
               <a:t>Scales </a:t>
             </a:r>
             <a:r>
-              <a:rPr lang="en-US" sz="3900" dirty="0"/>
+              <a:rPr lang="en-US" sz="4200" dirty="0"/>
               <a:t>to 10</a:t>
             </a:r>
             <a:r>
-              <a:rPr lang="en-US" sz="3900" baseline="30000" dirty="0"/>
+              <a:rPr lang="en-US" sz="4200" baseline="30000" dirty="0"/>
               <a:t>5</a:t>
             </a:r>
             <a:r>
-              <a:rPr lang="en-US" sz="3900" dirty="0"/>
+              <a:rPr lang="en-US" sz="4200" dirty="0"/>
               <a:t>-order </a:t>
             </a:r>
             <a:r>
-              <a:rPr lang="en-US" sz="3900" dirty="0" smtClean="0"/>
+              <a:rPr lang="en-US" sz="4200" dirty="0" smtClean="0"/>
               <a:t>connections</a:t>
             </a:r>
           </a:p>
@@ -4449,7 +4506,7 @@
               <a:buChar char="•"/>
             </a:pPr>
             <a:r>
-              <a:rPr lang="en-US" sz="3900" dirty="0" smtClean="0"/>
+              <a:rPr lang="en-US" sz="4200" dirty="0" smtClean="0"/>
               <a:t>Memcached with IX versus Linux:</a:t>
             </a:r>
           </a:p>
@@ -4459,31 +4516,31 @@
               <a:buChar char="•"/>
             </a:pPr>
             <a:r>
-              <a:rPr lang="en-US" sz="3900" dirty="0" smtClean="0"/>
-              <a:t>Up </a:t>
-            </a:r>
-            <a:r>
-              <a:rPr lang="en-US" sz="3900" dirty="0"/>
-              <a:t>to </a:t>
-            </a:r>
-            <a:r>
-              <a:rPr lang="en-US" sz="3900" b="1" dirty="0" smtClean="0"/>
-              <a:t>3.6×</a:t>
-            </a:r>
-            <a:r>
-              <a:rPr lang="en-US" sz="3900" dirty="0"/>
+              <a:rPr lang="en-US" sz="4200" b="1" dirty="0" smtClean="0"/>
+              <a:t>3.6</a:t>
+            </a:r>
+            <a:r>
+              <a:rPr lang="en-US" sz="4200" b="1" dirty="0" smtClean="0"/>
+              <a:t>×</a:t>
+            </a:r>
+            <a:r>
+              <a:rPr lang="en-US" sz="4200" dirty="0"/>
               <a:t> </a:t>
             </a:r>
             <a:r>
-              <a:rPr lang="en-US" sz="3900" dirty="0" smtClean="0"/>
-              <a:t>RPS, </a:t>
-            </a:r>
-            <a:r>
-              <a:rPr lang="en-US" sz="3900" b="1" dirty="0" smtClean="0"/>
+              <a:rPr lang="en-US" sz="4200" dirty="0" smtClean="0"/>
+              <a:t>RPS</a:t>
+            </a:r>
+            <a:r>
+              <a:rPr lang="en-US" sz="4200" dirty="0" smtClean="0"/>
+              <a:t>, </a:t>
+            </a:r>
+            <a:r>
+              <a:rPr lang="en-US" sz="4200" b="1" dirty="0" smtClean="0"/>
               <a:t>2×</a:t>
             </a:r>
             <a:r>
-              <a:rPr lang="en-US" sz="3900" dirty="0" smtClean="0"/>
+              <a:rPr lang="en-US" sz="4200" dirty="0" smtClean="0"/>
               <a:t> less tail latency</a:t>
             </a:r>
           </a:p>
@@ -4493,7 +4550,7 @@
               <a:buChar char="•"/>
             </a:pPr>
             <a:r>
-              <a:rPr lang="en-US" sz="3900" dirty="0" smtClean="0"/>
+              <a:rPr lang="en-US" sz="4200" dirty="0" smtClean="0"/>
               <a:t>% kernel time &lt; 10% vs. ~75%</a:t>
             </a:r>
           </a:p>
@@ -5170,7 +5227,7 @@
         <p:spPr>
           <a:xfrm>
             <a:off x="1059481" y="17621108"/>
-            <a:ext cx="9357052" cy="6170920"/>
+            <a:ext cx="9357052" cy="6124753"/>
           </a:xfrm>
           <a:prstGeom prst="rect">
             <a:avLst/>
@@ -5190,8 +5247,24 @@
                   <a:srgbClr val="0132BB"/>
                 </a:solidFill>
               </a:rPr>
-              <a:t>IX Design Principles</a:t>
-            </a:r>
+              <a:t>IX Design </a:t>
+            </a:r>
+            <a:r>
+              <a:rPr lang="en-US" sz="4400" dirty="0" smtClean="0">
+                <a:solidFill>
+                  <a:srgbClr val="0132BB"/>
+                </a:solidFill>
+              </a:rPr>
+              <a:t>Principles</a:t>
+            </a:r>
+          </a:p>
+          <a:p>
+            <a:pPr algn="ctr"/>
+            <a:endParaRPr lang="en-US" sz="800" dirty="0" smtClean="0">
+              <a:solidFill>
+                <a:srgbClr val="0132BB"/>
+              </a:solidFill>
+            </a:endParaRPr>
           </a:p>
           <a:p>
             <a:pPr marL="514350" indent="-514350">
@@ -5199,7 +5272,7 @@
               <a:buAutoNum type="arabicPeriod"/>
             </a:pPr>
             <a:r>
-              <a:rPr lang="en-US" sz="3900" b="1" dirty="0" smtClean="0"/>
+              <a:rPr lang="en-US" sz="4200" b="1" dirty="0" smtClean="0"/>
               <a:t>Run to completion</a:t>
             </a:r>
           </a:p>
@@ -5209,7 +5282,7 @@
               <a:buChar char="•"/>
             </a:pPr>
             <a:r>
-              <a:rPr lang="en-US" sz="3900" dirty="0" smtClean="0"/>
+              <a:rPr lang="en-US" sz="4200" dirty="0" smtClean="0"/>
               <a:t>Improve D-cache behavior</a:t>
             </a:r>
           </a:p>
@@ -5219,7 +5292,7 @@
               <a:buAutoNum type="arabicPeriod"/>
             </a:pPr>
             <a:r>
-              <a:rPr lang="en-US" sz="3900" b="1" dirty="0" smtClean="0"/>
+              <a:rPr lang="en-US" sz="4200" b="1" dirty="0" smtClean="0"/>
               <a:t>Adaptive batching</a:t>
             </a:r>
           </a:p>
@@ -5229,17 +5302,22 @@
               <a:buChar char="•"/>
             </a:pPr>
             <a:r>
-              <a:rPr lang="en-US" sz="3900" dirty="0" smtClean="0"/>
-              <a:t>Ensure low jitter by batching only     during </a:t>
-            </a:r>
-            <a:r>
-              <a:rPr lang="en-US" sz="3900" i="1" dirty="0" smtClean="0"/>
-              <a:t>congestion</a:t>
-            </a:r>
-            <a:r>
-              <a:rPr lang="en-US" sz="3900" dirty="0" smtClean="0"/>
+              <a:rPr lang="en-US" sz="4200" dirty="0"/>
+              <a:t>L</a:t>
+            </a:r>
+            <a:r>
+              <a:rPr lang="en-US" sz="4200" dirty="0" smtClean="0"/>
+              <a:t>ow jitter; batch only when </a:t>
+            </a:r>
+            <a:r>
+              <a:rPr lang="en-US" sz="4200" i="1" dirty="0" smtClean="0"/>
+              <a:t>congested</a:t>
+            </a:r>
+            <a:r>
+              <a:rPr lang="en-US" sz="4200" dirty="0" smtClean="0"/>
               <a:t> </a:t>
             </a:r>
+            <a:endParaRPr lang="en-US" sz="4200" dirty="0" smtClean="0"/>
           </a:p>
           <a:p>
             <a:pPr marL="514350" indent="-514350">
@@ -5247,7 +5325,7 @@
               <a:buAutoNum type="arabicPeriod"/>
             </a:pPr>
             <a:r>
-              <a:rPr lang="en-US" sz="3900" b="1" dirty="0" smtClean="0"/>
+              <a:rPr lang="en-US" sz="4200" b="1" dirty="0" smtClean="0"/>
               <a:t>Native zero copy API</a:t>
             </a:r>
           </a:p>
@@ -5257,8 +5335,16 @@
               <a:buChar char="•"/>
             </a:pPr>
             <a:r>
-              <a:rPr lang="en-US" sz="3900" dirty="0" smtClean="0"/>
-              <a:t>Maximize programming model flexibility</a:t>
+              <a:rPr lang="en-US" sz="4200" dirty="0"/>
+              <a:t>P</a:t>
+            </a:r>
+            <a:r>
+              <a:rPr lang="en-US" sz="4200" dirty="0" smtClean="0"/>
+              <a:t>rogramming </a:t>
+            </a:r>
+            <a:r>
+              <a:rPr lang="en-US" sz="4200" dirty="0" smtClean="0"/>
+              <a:t>model flexibility</a:t>
             </a:r>
           </a:p>
           <a:p>
@@ -5267,10 +5353,10 @@
               <a:buAutoNum type="arabicPeriod"/>
             </a:pPr>
             <a:r>
-              <a:rPr lang="en-US" sz="3900" b="1" dirty="0" smtClean="0"/>
+              <a:rPr lang="en-US" sz="4200" b="1" dirty="0" smtClean="0"/>
               <a:t>Flow consistent + coherence free</a:t>
             </a:r>
-            <a:endParaRPr lang="en-US" sz="3900" b="1" dirty="0"/>
+            <a:endParaRPr lang="en-US" sz="4200" b="1" dirty="0"/>
           </a:p>
           <a:p>
             <a:pPr marL="685800" lvl="1" indent="-342900">
@@ -5278,7 +5364,7 @@
               <a:buChar char="•"/>
             </a:pPr>
             <a:r>
-              <a:rPr lang="en-US" sz="3900" dirty="0" smtClean="0"/>
+              <a:rPr lang="en-US" sz="4200" dirty="0" smtClean="0"/>
               <a:t>Improve multicore scalability</a:t>
             </a:r>
           </a:p>
@@ -5493,7 +5579,7 @@
         <p:spPr>
           <a:xfrm>
             <a:off x="9454444" y="5948009"/>
-            <a:ext cx="8838566" cy="4970591"/>
+            <a:ext cx="8838566" cy="4739760"/>
           </a:xfrm>
           <a:prstGeom prst="rect">
             <a:avLst/>
@@ -5515,7 +5601,7 @@
               </a:rPr>
               <a:t>Motivation</a:t>
             </a:r>
-            <a:endParaRPr lang="en-US" sz="4000" dirty="0" smtClean="0">
+            <a:endParaRPr lang="en-US" sz="800" dirty="0" smtClean="0">
               <a:solidFill>
                 <a:srgbClr val="C00000"/>
               </a:solidFill>
@@ -5527,10 +5613,10 @@
               <a:buChar char="•"/>
             </a:pPr>
             <a:r>
-              <a:rPr lang="en-US" sz="3900" b="1" dirty="0" smtClean="0"/>
+              <a:rPr lang="en-US" sz="4200" b="1" dirty="0" smtClean="0"/>
               <a:t>10 GbE hardware is incredibly fast</a:t>
             </a:r>
-            <a:endParaRPr lang="en-US" sz="3900" b="1" dirty="0"/>
+            <a:endParaRPr lang="en-US" sz="4200" b="1" dirty="0"/>
           </a:p>
           <a:p>
             <a:pPr marL="914400" lvl="1" indent="-457200">
@@ -5538,9 +5624,22 @@
               <a:buChar char="•"/>
             </a:pPr>
             <a:r>
-              <a:rPr lang="en-US" sz="3900" dirty="0" smtClean="0"/>
-              <a:t>Over 10 million QPS w/ small pkts</a:t>
-            </a:r>
+              <a:rPr lang="en-US" sz="4200" dirty="0" smtClean="0"/>
+              <a:t>Over 10 </a:t>
+            </a:r>
+            <a:r>
+              <a:rPr lang="en-US" sz="4200" dirty="0" smtClean="0"/>
+              <a:t>M QPS </a:t>
+            </a:r>
+            <a:r>
+              <a:rPr lang="en-US" sz="4200" dirty="0" smtClean="0"/>
+              <a:t>w/ small </a:t>
+            </a:r>
+            <a:r>
+              <a:rPr lang="en-US" sz="4200" dirty="0" err="1" smtClean="0"/>
+              <a:t>pkts</a:t>
+            </a:r>
+            <a:endParaRPr lang="en-US" sz="4200" dirty="0" smtClean="0"/>
           </a:p>
           <a:p>
             <a:pPr marL="914400" lvl="1" indent="-457200">
@@ -5548,8 +5647,22 @@
               <a:buChar char="•"/>
             </a:pPr>
             <a:r>
-              <a:rPr lang="en-US" sz="3900" dirty="0" smtClean="0"/>
+              <a:rPr lang="en-US" sz="4200" dirty="0" smtClean="0"/>
               <a:t>10 – 20 μs latency in datacenters </a:t>
+            </a:r>
+          </a:p>
+          <a:p>
+            <a:pPr marL="457200" indent="-457200">
+              <a:buFont typeface="Arial"/>
+              <a:buChar char="•"/>
+            </a:pPr>
+            <a:r>
+              <a:rPr lang="en-US" sz="4200" b="1" dirty="0" smtClean="0"/>
+              <a:t>Systems </a:t>
+            </a:r>
+            <a:r>
+              <a:rPr lang="en-US" sz="4200" b="1" dirty="0" smtClean="0"/>
+              <a:t>software is a bottleneck</a:t>
             </a:r>
           </a:p>
           <a:p>
@@ -5558,32 +5671,7 @@
               <a:buChar char="•"/>
             </a:pPr>
             <a:r>
-              <a:rPr lang="en-US" sz="3900" dirty="0" smtClean="0"/>
-              <a:t>40 GbE is around the corner</a:t>
-            </a:r>
-            <a:endParaRPr lang="en-US" sz="3900" dirty="0"/>
-          </a:p>
-          <a:p>
-            <a:pPr marL="457200" indent="-457200">
-              <a:buFont typeface="Arial"/>
-              <a:buChar char="•"/>
-            </a:pPr>
-            <a:r>
-              <a:rPr lang="en-US" sz="3900" b="1" dirty="0"/>
-              <a:t>S</a:t>
-            </a:r>
-            <a:r>
-              <a:rPr lang="en-US" sz="3900" b="1" dirty="0" smtClean="0"/>
-              <a:t>ystems software is a bottleneck</a:t>
-            </a:r>
-          </a:p>
-          <a:p>
-            <a:pPr marL="914400" lvl="1" indent="-457200">
-              <a:buFont typeface="Arial"/>
-              <a:buChar char="•"/>
-            </a:pPr>
-            <a:r>
-              <a:rPr lang="en-US" sz="3900" dirty="0" smtClean="0"/>
+              <a:rPr lang="en-US" sz="4200" dirty="0" smtClean="0"/>
               <a:t>Limited throughput, latency jitter, poor multicore scalability</a:t>
             </a:r>
           </a:p>
@@ -5744,13 +5832,6 @@
                 </a:rPr>
                 <a:t>Linux 10GbE</a:t>
               </a:r>
-              <a:endParaRPr lang="en-US" sz="1800" dirty="0" smtClean="0">
-                <a:solidFill>
-                  <a:schemeClr val="tx1"/>
-                </a:solidFill>
-                <a:latin typeface="Times New Roman" panose="02020603050405020304" pitchFamily="18" charset="0"/>
-                <a:cs typeface="Times New Roman" panose="02020603050405020304" pitchFamily="18" charset="0"/>
-              </a:endParaRPr>
             </a:p>
             <a:p>
               <a:pPr>
@@ -5768,13 +5849,6 @@
                 </a:rPr>
                 <a:t>Linux 4x10GbE</a:t>
               </a:r>
-              <a:endParaRPr lang="en-US" sz="1800" dirty="0" smtClean="0">
-                <a:solidFill>
-                  <a:schemeClr val="tx1"/>
-                </a:solidFill>
-                <a:latin typeface="Times New Roman" panose="02020603050405020304" pitchFamily="18" charset="0"/>
-                <a:cs typeface="Times New Roman" panose="02020603050405020304" pitchFamily="18" charset="0"/>
-              </a:endParaRPr>
             </a:p>
             <a:p>
               <a:pPr>
@@ -6271,25 +6345,8 @@
                   <a:latin typeface="Times New Roman" panose="02020603050405020304" pitchFamily="18" charset="0"/>
                   <a:cs typeface="Times New Roman" panose="02020603050405020304" pitchFamily="18" charset="0"/>
                 </a:rPr>
-                <a:t>IX </a:t>
+                <a:t>IX (p99)</a:t>
               </a:r>
-              <a:r>
-                <a:rPr lang="en-US" sz="1800" dirty="0" smtClean="0">
-                  <a:solidFill>
-                    <a:schemeClr val="tx1"/>
-                  </a:solidFill>
-                  <a:latin typeface="Times New Roman" panose="02020603050405020304" pitchFamily="18" charset="0"/>
-                  <a:cs typeface="Times New Roman" panose="02020603050405020304" pitchFamily="18" charset="0"/>
-                </a:rPr>
-                <a:t>(p99)</a:t>
-              </a:r>
-              <a:endParaRPr lang="en-US" sz="1800" dirty="0" smtClean="0">
-                <a:solidFill>
-                  <a:schemeClr val="tx1"/>
-                </a:solidFill>
-                <a:latin typeface="Times New Roman" panose="02020603050405020304" pitchFamily="18" charset="0"/>
-                <a:cs typeface="Times New Roman" panose="02020603050405020304" pitchFamily="18" charset="0"/>
-              </a:endParaRPr>
             </a:p>
             <a:p>
               <a:pPr>
@@ -6305,25 +6362,8 @@
                   <a:latin typeface="Times New Roman" panose="02020603050405020304" pitchFamily="18" charset="0"/>
                   <a:cs typeface="Times New Roman" panose="02020603050405020304" pitchFamily="18" charset="0"/>
                 </a:rPr>
-                <a:t>IX </a:t>
+                <a:t>IX (avg)</a:t>
               </a:r>
-              <a:r>
-                <a:rPr lang="en-US" sz="1800" dirty="0" smtClean="0">
-                  <a:solidFill>
-                    <a:schemeClr val="tx1"/>
-                  </a:solidFill>
-                  <a:latin typeface="Times New Roman" panose="02020603050405020304" pitchFamily="18" charset="0"/>
-                  <a:cs typeface="Times New Roman" panose="02020603050405020304" pitchFamily="18" charset="0"/>
-                </a:rPr>
-                <a:t>(avg)</a:t>
-              </a:r>
-              <a:endParaRPr lang="en-US" sz="1800" dirty="0" smtClean="0">
-                <a:solidFill>
-                  <a:schemeClr val="tx1"/>
-                </a:solidFill>
-                <a:latin typeface="Times New Roman" panose="02020603050405020304" pitchFamily="18" charset="0"/>
-                <a:cs typeface="Times New Roman" panose="02020603050405020304" pitchFamily="18" charset="0"/>
-              </a:endParaRPr>
             </a:p>
             <a:p>
               <a:pPr>
@@ -6341,13 +6381,6 @@
                 </a:rPr>
                 <a:t>Linux (p99)</a:t>
               </a:r>
-              <a:endParaRPr lang="en-US" sz="1800" dirty="0" smtClean="0">
-                <a:solidFill>
-                  <a:schemeClr val="tx1"/>
-                </a:solidFill>
-                <a:latin typeface="Times New Roman" panose="02020603050405020304" pitchFamily="18" charset="0"/>
-                <a:cs typeface="Times New Roman" panose="02020603050405020304" pitchFamily="18" charset="0"/>
-              </a:endParaRPr>
             </a:p>
             <a:p>
               <a:pPr>
@@ -6365,13 +6398,6 @@
                 </a:rPr>
                 <a:t>Linux (avg)</a:t>
               </a:r>
-              <a:endParaRPr lang="en-US" sz="1800" dirty="0" smtClean="0">
-                <a:solidFill>
-                  <a:schemeClr val="tx1"/>
-                </a:solidFill>
-                <a:latin typeface="Times New Roman" panose="02020603050405020304" pitchFamily="18" charset="0"/>
-                <a:cs typeface="Times New Roman" panose="02020603050405020304" pitchFamily="18" charset="0"/>
-              </a:endParaRPr>
             </a:p>
           </p:txBody>
         </p:sp>
@@ -6768,25 +6794,8 @@
                   <a:latin typeface="Times New Roman" panose="02020603050405020304" pitchFamily="18" charset="0"/>
                   <a:cs typeface="Times New Roman" panose="02020603050405020304" pitchFamily="18" charset="0"/>
                 </a:rPr>
-                <a:t>IX </a:t>
+                <a:t>IX (p99)</a:t>
               </a:r>
-              <a:r>
-                <a:rPr lang="en-US" sz="1800" dirty="0" smtClean="0">
-                  <a:solidFill>
-                    <a:schemeClr val="tx1"/>
-                  </a:solidFill>
-                  <a:latin typeface="Times New Roman" panose="02020603050405020304" pitchFamily="18" charset="0"/>
-                  <a:cs typeface="Times New Roman" panose="02020603050405020304" pitchFamily="18" charset="0"/>
-                </a:rPr>
-                <a:t>(p99)</a:t>
-              </a:r>
-              <a:endParaRPr lang="en-US" sz="1800" dirty="0" smtClean="0">
-                <a:solidFill>
-                  <a:schemeClr val="tx1"/>
-                </a:solidFill>
-                <a:latin typeface="Times New Roman" panose="02020603050405020304" pitchFamily="18" charset="0"/>
-                <a:cs typeface="Times New Roman" panose="02020603050405020304" pitchFamily="18" charset="0"/>
-              </a:endParaRPr>
             </a:p>
             <a:p>
               <a:pPr>
@@ -6802,25 +6811,8 @@
                   <a:latin typeface="Times New Roman" panose="02020603050405020304" pitchFamily="18" charset="0"/>
                   <a:cs typeface="Times New Roman" panose="02020603050405020304" pitchFamily="18" charset="0"/>
                 </a:rPr>
-                <a:t>IX </a:t>
+                <a:t>IX (avg)</a:t>
               </a:r>
-              <a:r>
-                <a:rPr lang="en-US" sz="1800" dirty="0" smtClean="0">
-                  <a:solidFill>
-                    <a:schemeClr val="tx1"/>
-                  </a:solidFill>
-                  <a:latin typeface="Times New Roman" panose="02020603050405020304" pitchFamily="18" charset="0"/>
-                  <a:cs typeface="Times New Roman" panose="02020603050405020304" pitchFamily="18" charset="0"/>
-                </a:rPr>
-                <a:t>(avg)</a:t>
-              </a:r>
-              <a:endParaRPr lang="en-US" sz="1800" dirty="0" smtClean="0">
-                <a:solidFill>
-                  <a:schemeClr val="tx1"/>
-                </a:solidFill>
-                <a:latin typeface="Times New Roman" panose="02020603050405020304" pitchFamily="18" charset="0"/>
-                <a:cs typeface="Times New Roman" panose="02020603050405020304" pitchFamily="18" charset="0"/>
-              </a:endParaRPr>
             </a:p>
             <a:p>
               <a:pPr>
@@ -6838,13 +6830,6 @@
                 </a:rPr>
                 <a:t>Linux (p99)</a:t>
               </a:r>
-              <a:endParaRPr lang="en-US" sz="1800" dirty="0" smtClean="0">
-                <a:solidFill>
-                  <a:schemeClr val="tx1"/>
-                </a:solidFill>
-                <a:latin typeface="Times New Roman" panose="02020603050405020304" pitchFamily="18" charset="0"/>
-                <a:cs typeface="Times New Roman" panose="02020603050405020304" pitchFamily="18" charset="0"/>
-              </a:endParaRPr>
             </a:p>
             <a:p>
               <a:pPr>
@@ -6862,13 +6847,6 @@
                 </a:rPr>
                 <a:t>Linux (avg)</a:t>
               </a:r>
-              <a:endParaRPr lang="en-US" sz="1800" dirty="0" smtClean="0">
-                <a:solidFill>
-                  <a:schemeClr val="tx1"/>
-                </a:solidFill>
-                <a:latin typeface="Times New Roman" panose="02020603050405020304" pitchFamily="18" charset="0"/>
-                <a:cs typeface="Times New Roman" panose="02020603050405020304" pitchFamily="18" charset="0"/>
-              </a:endParaRPr>
             </a:p>
           </p:txBody>
         </p:sp>
@@ -7212,7 +7190,7 @@
   <p:timing>
     <p:tnLst>
       <p:par>
-        <p:cTn id="1" dur="indefinite" restart="never" nodeType="tmRoot"/>
+        <p:cTn xmlns:p14="http://schemas.microsoft.com/office/powerpoint/2010/main" id="1" dur="indefinite" restart="never" nodeType="tmRoot"/>
       </p:par>
     </p:tnLst>
   </p:timing>

--- a/presentations/ix_osdi_poster.pptx
+++ b/presentations/ix_osdi_poster.pptx
@@ -208,7 +208,7 @@
           <a:p>
             <a:fld id="{20324BB5-C07C-4845-B203-2C5B171FEF55}" type="datetimeFigureOut">
               <a:rPr lang="en-US" smtClean="0"/>
-              <a:t>2014-09-30</a:t>
+              <a:t>10/3/2014</a:t>
             </a:fld>
             <a:endParaRPr lang="en-US" dirty="0"/>
           </a:p>
@@ -741,7 +741,7 @@
           <a:p>
             <a:fld id="{333FEEA5-1C33-A546-B0CB-742BBF77893D}" type="datetimeFigureOut">
               <a:rPr lang="en-US" smtClean="0"/>
-              <a:t>2014-09-30</a:t>
+              <a:t>10/3/2014</a:t>
             </a:fld>
             <a:endParaRPr lang="en-US" dirty="0"/>
           </a:p>
@@ -911,7 +911,7 @@
           <a:p>
             <a:fld id="{333FEEA5-1C33-A546-B0CB-742BBF77893D}" type="datetimeFigureOut">
               <a:rPr lang="en-US" smtClean="0"/>
-              <a:t>2014-09-30</a:t>
+              <a:t>10/3/2014</a:t>
             </a:fld>
             <a:endParaRPr lang="en-US" dirty="0"/>
           </a:p>
@@ -1091,7 +1091,7 @@
           <a:p>
             <a:fld id="{333FEEA5-1C33-A546-B0CB-742BBF77893D}" type="datetimeFigureOut">
               <a:rPr lang="en-US" smtClean="0"/>
-              <a:t>2014-09-30</a:t>
+              <a:t>10/3/2014</a:t>
             </a:fld>
             <a:endParaRPr lang="en-US" dirty="0"/>
           </a:p>
@@ -1261,7 +1261,7 @@
           <a:p>
             <a:fld id="{333FEEA5-1C33-A546-B0CB-742BBF77893D}" type="datetimeFigureOut">
               <a:rPr lang="en-US" smtClean="0"/>
-              <a:t>2014-09-30</a:t>
+              <a:t>10/3/2014</a:t>
             </a:fld>
             <a:endParaRPr lang="en-US" dirty="0"/>
           </a:p>
@@ -1507,7 +1507,7 @@
           <a:p>
             <a:fld id="{333FEEA5-1C33-A546-B0CB-742BBF77893D}" type="datetimeFigureOut">
               <a:rPr lang="en-US" smtClean="0"/>
-              <a:t>2014-09-30</a:t>
+              <a:t>10/3/2014</a:t>
             </a:fld>
             <a:endParaRPr lang="en-US" dirty="0"/>
           </a:p>
@@ -1795,7 +1795,7 @@
           <a:p>
             <a:fld id="{333FEEA5-1C33-A546-B0CB-742BBF77893D}" type="datetimeFigureOut">
               <a:rPr lang="en-US" smtClean="0"/>
-              <a:t>2014-09-30</a:t>
+              <a:t>10/3/2014</a:t>
             </a:fld>
             <a:endParaRPr lang="en-US" dirty="0"/>
           </a:p>
@@ -2222,7 +2222,7 @@
           <a:p>
             <a:fld id="{333FEEA5-1C33-A546-B0CB-742BBF77893D}" type="datetimeFigureOut">
               <a:rPr lang="en-US" smtClean="0"/>
-              <a:t>2014-09-30</a:t>
+              <a:t>10/3/2014</a:t>
             </a:fld>
             <a:endParaRPr lang="en-US" dirty="0"/>
           </a:p>
@@ -2340,7 +2340,7 @@
           <a:p>
             <a:fld id="{333FEEA5-1C33-A546-B0CB-742BBF77893D}" type="datetimeFigureOut">
               <a:rPr lang="en-US" smtClean="0"/>
-              <a:t>2014-09-30</a:t>
+              <a:t>10/3/2014</a:t>
             </a:fld>
             <a:endParaRPr lang="en-US" dirty="0"/>
           </a:p>
@@ -2435,7 +2435,7 @@
           <a:p>
             <a:fld id="{333FEEA5-1C33-A546-B0CB-742BBF77893D}" type="datetimeFigureOut">
               <a:rPr lang="en-US" smtClean="0"/>
-              <a:t>2014-09-30</a:t>
+              <a:t>10/3/2014</a:t>
             </a:fld>
             <a:endParaRPr lang="en-US" dirty="0"/>
           </a:p>
@@ -2712,7 +2712,7 @@
           <a:p>
             <a:fld id="{333FEEA5-1C33-A546-B0CB-742BBF77893D}" type="datetimeFigureOut">
               <a:rPr lang="en-US" smtClean="0"/>
-              <a:t>2014-09-30</a:t>
+              <a:t>10/3/2014</a:t>
             </a:fld>
             <a:endParaRPr lang="en-US" dirty="0"/>
           </a:p>
@@ -2965,7 +2965,7 @@
           <a:p>
             <a:fld id="{333FEEA5-1C33-A546-B0CB-742BBF77893D}" type="datetimeFigureOut">
               <a:rPr lang="en-US" smtClean="0"/>
-              <a:t>2014-09-30</a:t>
+              <a:t>10/3/2014</a:t>
             </a:fld>
             <a:endParaRPr lang="en-US" dirty="0"/>
           </a:p>
@@ -3178,7 +3178,7 @@
           <a:p>
             <a:fld id="{333FEEA5-1C33-A546-B0CB-742BBF77893D}" type="datetimeFigureOut">
               <a:rPr lang="en-US" smtClean="0"/>
-              <a:t>2014-09-30</a:t>
+              <a:t>10/3/2014</a:t>
             </a:fld>
             <a:endParaRPr lang="en-US" dirty="0"/>
           </a:p>
@@ -3865,15 +3865,7 @@
                   <a:srgbClr val="C00000"/>
                 </a:solidFill>
               </a:rPr>
-              <a:t>Current </a:t>
-            </a:r>
-            <a:r>
-              <a:rPr lang="en-US" sz="4400" dirty="0" smtClean="0">
-                <a:solidFill>
-                  <a:srgbClr val="C00000"/>
-                </a:solidFill>
-              </a:rPr>
-              <a:t>Approaches</a:t>
+              <a:t>Current Approaches</a:t>
             </a:r>
             <a:endParaRPr lang="en-US" sz="800" dirty="0" smtClean="0">
               <a:solidFill>
@@ -3918,13 +3910,8 @@
             </a:pPr>
             <a:r>
               <a:rPr lang="en-US" sz="4200" dirty="0" smtClean="0"/>
-              <a:t>Replace TCP (e.g. </a:t>
-            </a:r>
-            <a:r>
-              <a:rPr lang="en-US" sz="4200" dirty="0" smtClean="0"/>
-              <a:t>UDP)</a:t>
-            </a:r>
-            <a:endParaRPr lang="en-US" sz="4200" dirty="0" smtClean="0"/>
+              <a:t>Replace TCP (e.g. UDP)</a:t>
+            </a:r>
           </a:p>
           <a:p>
             <a:pPr marL="457200" indent="-457200">
@@ -4010,15 +3997,7 @@
                   <a:srgbClr val="0132BB"/>
                 </a:solidFill>
               </a:rPr>
-              <a:t>Introducing </a:t>
-            </a:r>
-            <a:r>
-              <a:rPr lang="en-US" sz="4400" dirty="0" smtClean="0">
-                <a:solidFill>
-                  <a:srgbClr val="0132BB"/>
-                </a:solidFill>
-              </a:rPr>
-              <a:t>IX</a:t>
+              <a:t>Introducing IX</a:t>
             </a:r>
           </a:p>
           <a:p>
@@ -4036,19 +4015,7 @@
             </a:r>
             <a:r>
               <a:rPr lang="en-US" sz="4200" b="1" dirty="0" smtClean="0"/>
-              <a:t>IX </a:t>
-            </a:r>
-            <a:r>
-              <a:rPr lang="en-US" sz="4200" b="1" dirty="0" smtClean="0"/>
-              <a:t>provides security </a:t>
-            </a:r>
-            <a:r>
-              <a:rPr lang="en-US" sz="4200" b="1" dirty="0" smtClean="0"/>
-              <a:t>and </a:t>
-            </a:r>
-            <a:r>
-              <a:rPr lang="en-US" sz="4200" b="1" dirty="0" smtClean="0"/>
-              <a:t>performance:</a:t>
+              <a:t>IX provides security and performance:</a:t>
             </a:r>
             <a:endParaRPr lang="en-US" sz="4200" b="1" dirty="0"/>
           </a:p>
@@ -4066,11 +4033,7 @@
             </a:pPr>
             <a:r>
               <a:rPr lang="en-US" sz="4200" dirty="0" smtClean="0"/>
-              <a:t>Implements </a:t>
-            </a:r>
-            <a:r>
-              <a:rPr lang="en-US" sz="4200" dirty="0" smtClean="0"/>
-              <a:t>a</a:t>
+              <a:t>Implements a</a:t>
             </a:r>
             <a:r>
               <a:rPr lang="en-US" sz="4200" b="1" dirty="0" smtClean="0">
@@ -4098,21 +4061,8 @@
                   <a:srgbClr val="000000"/>
                 </a:solidFill>
               </a:rPr>
-              <a:t> in dataplane, protected from </a:t>
-            </a:r>
-            <a:r>
-              <a:rPr lang="en-US" sz="4200" dirty="0" smtClean="0">
-                <a:solidFill>
-                  <a:srgbClr val="000000"/>
-                </a:solidFill>
-              </a:rPr>
-              <a:t>app</a:t>
-            </a:r>
-            <a:endParaRPr lang="en-US" sz="4200" dirty="0" smtClean="0">
-              <a:solidFill>
-                <a:srgbClr val="000000"/>
-              </a:solidFill>
-            </a:endParaRPr>
+              <a:t> in dataplane, protected from app</a:t>
+            </a:r>
           </a:p>
           <a:p>
             <a:pPr marL="914400" lvl="1" indent="-457200">
@@ -4141,15 +4091,7 @@
                   <a:srgbClr val="000000"/>
                 </a:solidFill>
               </a:rPr>
-              <a:t>w/64B </a:t>
-            </a:r>
-            <a:r>
-              <a:rPr lang="en-US" sz="4200" dirty="0" smtClean="0">
-                <a:solidFill>
-                  <a:srgbClr val="000000"/>
-                </a:solidFill>
-              </a:rPr>
-              <a:t>msgs</a:t>
+              <a:t>w/64B msgs</a:t>
             </a:r>
           </a:p>
           <a:p>
@@ -4206,15 +4148,7 @@
                   <a:srgbClr val="0132BB"/>
                 </a:solidFill>
               </a:rPr>
-              <a:t>Separation of Control and </a:t>
-            </a:r>
-            <a:r>
-              <a:rPr lang="en-US" sz="4400" dirty="0" smtClean="0">
-                <a:solidFill>
-                  <a:srgbClr val="0132BB"/>
-                </a:solidFill>
-              </a:rPr>
-              <a:t>Data</a:t>
+              <a:t>Separation of Control and Data</a:t>
             </a:r>
           </a:p>
           <a:p>
@@ -4244,7 +4178,6 @@
               <a:rPr lang="en-US" sz="4200" dirty="0" smtClean="0"/>
               <a:t>Course-grained resource mgmt.</a:t>
             </a:r>
-            <a:endParaRPr lang="en-US" sz="4200" dirty="0" smtClean="0"/>
           </a:p>
           <a:p>
             <a:pPr marL="457200" indent="-457200">
@@ -4253,11 +4186,7 @@
             </a:pPr>
             <a:r>
               <a:rPr lang="en-US" sz="4200" b="1" dirty="0" smtClean="0"/>
-              <a:t>IX </a:t>
-            </a:r>
-            <a:r>
-              <a:rPr lang="en-US" sz="4200" b="1" dirty="0" smtClean="0"/>
-              <a:t>data plane (powered by Dune)</a:t>
+              <a:t>IX data plane (powered by Dune)</a:t>
             </a:r>
           </a:p>
           <a:p>
@@ -4356,15 +4285,7 @@
                   <a:srgbClr val="0132BB"/>
                 </a:solidFill>
               </a:rPr>
-              <a:t>Results </a:t>
-            </a:r>
-            <a:r>
-              <a:rPr lang="en-US" sz="4400" dirty="0" smtClean="0">
-                <a:solidFill>
-                  <a:srgbClr val="0132BB"/>
-                </a:solidFill>
-              </a:rPr>
-              <a:t>Summary</a:t>
+              <a:t>Results Summary</a:t>
             </a:r>
           </a:p>
           <a:p>
@@ -4406,11 +4327,7 @@
             </a:r>
             <a:r>
               <a:rPr lang="en-US" sz="4200" dirty="0" smtClean="0"/>
-              <a:t> </a:t>
-            </a:r>
-            <a:r>
-              <a:rPr lang="en-US" sz="4200" dirty="0" smtClean="0"/>
-              <a:t>by </a:t>
+              <a:t> by </a:t>
             </a:r>
             <a:r>
               <a:rPr lang="en-US" sz="4200" b="1" dirty="0" smtClean="0"/>
@@ -4436,11 +4353,7 @@
             </a:r>
             <a:r>
               <a:rPr lang="en-US" sz="4200" dirty="0" smtClean="0"/>
-              <a:t>nloaded </a:t>
-            </a:r>
-            <a:r>
-              <a:rPr lang="en-US" sz="4200" dirty="0" smtClean="0"/>
-              <a:t>uni-dir. </a:t>
+              <a:t>nloaded uni-dir. </a:t>
             </a:r>
             <a:r>
               <a:rPr lang="en-US" sz="4200" dirty="0"/>
@@ -4463,15 +4376,7 @@
             </a:pPr>
             <a:r>
               <a:rPr lang="en-US" sz="4200" dirty="0" smtClean="0"/>
-              <a:t>4</a:t>
-            </a:r>
-            <a:r>
-              <a:rPr lang="en-US" sz="4200" dirty="0" smtClean="0"/>
-              <a:t>× better than </a:t>
-            </a:r>
-            <a:r>
-              <a:rPr lang="en-US" sz="4200" dirty="0" smtClean="0"/>
-              <a:t>Linux</a:t>
+              <a:t>4× better than Linux</a:t>
             </a:r>
           </a:p>
           <a:p>
@@ -4517,11 +4422,7 @@
             </a:pPr>
             <a:r>
               <a:rPr lang="en-US" sz="4200" b="1" dirty="0" smtClean="0"/>
-              <a:t>3.6</a:t>
-            </a:r>
-            <a:r>
-              <a:rPr lang="en-US" sz="4200" b="1" dirty="0" smtClean="0"/>
-              <a:t>×</a:t>
+              <a:t>3.6×</a:t>
             </a:r>
             <a:r>
               <a:rPr lang="en-US" sz="4200" dirty="0"/>
@@ -4529,11 +4430,7 @@
             </a:r>
             <a:r>
               <a:rPr lang="en-US" sz="4200" dirty="0" smtClean="0"/>
-              <a:t>RPS</a:t>
-            </a:r>
-            <a:r>
-              <a:rPr lang="en-US" sz="4200" dirty="0" smtClean="0"/>
-              <a:t>, </a:t>
+              <a:t>RPS, </a:t>
             </a:r>
             <a:r>
               <a:rPr lang="en-US" sz="4200" b="1" dirty="0" smtClean="0"/>
@@ -5035,15 +4932,21 @@
           <p:nvPr/>
         </p:nvPicPr>
         <p:blipFill>
-          <a:blip r:embed="rId12"/>
+          <a:blip r:embed="rId12">
+            <a:extLst>
+              <a:ext uri="{28A0092B-C50C-407E-A947-70E740481C1C}">
+                <a14:useLocalDpi xmlns:a14="http://schemas.microsoft.com/office/drawing/2010/main" val="0"/>
+              </a:ext>
+            </a:extLst>
+          </a:blip>
           <a:stretch>
             <a:fillRect/>
           </a:stretch>
         </p:blipFill>
         <p:spPr>
           <a:xfrm>
-            <a:off x="9453726" y="3514495"/>
-            <a:ext cx="1586243" cy="2114991"/>
+            <a:off x="9430035" y="3600494"/>
+            <a:ext cx="1716935" cy="2042078"/>
           </a:xfrm>
           <a:prstGeom prst="rect">
             <a:avLst/>
@@ -5247,15 +5150,7 @@
                   <a:srgbClr val="0132BB"/>
                 </a:solidFill>
               </a:rPr>
-              <a:t>IX Design </a:t>
-            </a:r>
-            <a:r>
-              <a:rPr lang="en-US" sz="4400" dirty="0" smtClean="0">
-                <a:solidFill>
-                  <a:srgbClr val="0132BB"/>
-                </a:solidFill>
-              </a:rPr>
-              <a:t>Principles</a:t>
+              <a:t>IX Design Principles</a:t>
             </a:r>
           </a:p>
           <a:p>
@@ -5317,7 +5212,6 @@
               <a:rPr lang="en-US" sz="4200" dirty="0" smtClean="0"/>
               <a:t> </a:t>
             </a:r>
-            <a:endParaRPr lang="en-US" sz="4200" dirty="0" smtClean="0"/>
           </a:p>
           <a:p>
             <a:pPr marL="514350" indent="-514350">
@@ -5340,11 +5234,7 @@
             </a:r>
             <a:r>
               <a:rPr lang="en-US" sz="4200" dirty="0" smtClean="0"/>
-              <a:t>rogramming </a:t>
-            </a:r>
-            <a:r>
-              <a:rPr lang="en-US" sz="4200" dirty="0" smtClean="0"/>
-              <a:t>model flexibility</a:t>
+              <a:t>rogramming model flexibility</a:t>
             </a:r>
           </a:p>
           <a:p>
@@ -5625,15 +5515,7 @@
             </a:pPr>
             <a:r>
               <a:rPr lang="en-US" sz="4200" dirty="0" smtClean="0"/>
-              <a:t>Over 10 </a:t>
-            </a:r>
-            <a:r>
-              <a:rPr lang="en-US" sz="4200" dirty="0" smtClean="0"/>
-              <a:t>M QPS </a:t>
-            </a:r>
-            <a:r>
-              <a:rPr lang="en-US" sz="4200" dirty="0" smtClean="0"/>
-              <a:t>w/ small </a:t>
+              <a:t>Over 10 M QPS w/ small </a:t>
             </a:r>
             <a:r>
               <a:rPr lang="en-US" sz="4200" dirty="0" err="1" smtClean="0"/>
@@ -5658,11 +5540,7 @@
             </a:pPr>
             <a:r>
               <a:rPr lang="en-US" sz="4200" b="1" dirty="0" smtClean="0"/>
-              <a:t>Systems </a:t>
-            </a:r>
-            <a:r>
-              <a:rPr lang="en-US" sz="4200" b="1" dirty="0" smtClean="0"/>
-              <a:t>software is a bottleneck</a:t>
+              <a:t>Systems software is a bottleneck</a:t>
             </a:r>
           </a:p>
           <a:p>
@@ -7190,7 +7068,7 @@
   <p:timing>
     <p:tnLst>
       <p:par>
-        <p:cTn xmlns:p14="http://schemas.microsoft.com/office/powerpoint/2010/main" id="1" dur="indefinite" restart="never" nodeType="tmRoot"/>
+        <p:cTn id="1" dur="indefinite" restart="never" nodeType="tmRoot"/>
       </p:par>
     </p:tnLst>
   </p:timing>
